--- a/Dual Spool Turbojet/Results/Operation/Operating Lines/Operating Lines - Detail.pptx
+++ b/Dual Spool Turbojet/Results/Operation/Operating Lines/Operating Lines - Detail.pptx
@@ -260,7 +260,7 @@
           <a:p>
             <a:fld id="{4F67D34D-5E6A-454C-984A-10ECD7CC6450}" type="datetimeFigureOut">
               <a:rPr lang="es-ES" smtClean="0"/>
-              <a:t>11/06/2024</a:t>
+              <a:t>17/07/2024</a:t>
             </a:fld>
             <a:endParaRPr lang="es-ES"/>
           </a:p>
@@ -458,7 +458,7 @@
           <a:p>
             <a:fld id="{4F67D34D-5E6A-454C-984A-10ECD7CC6450}" type="datetimeFigureOut">
               <a:rPr lang="es-ES" smtClean="0"/>
-              <a:t>11/06/2024</a:t>
+              <a:t>17/07/2024</a:t>
             </a:fld>
             <a:endParaRPr lang="es-ES"/>
           </a:p>
@@ -666,7 +666,7 @@
           <a:p>
             <a:fld id="{4F67D34D-5E6A-454C-984A-10ECD7CC6450}" type="datetimeFigureOut">
               <a:rPr lang="es-ES" smtClean="0"/>
-              <a:t>11/06/2024</a:t>
+              <a:t>17/07/2024</a:t>
             </a:fld>
             <a:endParaRPr lang="es-ES"/>
           </a:p>
@@ -864,7 +864,7 @@
           <a:p>
             <a:fld id="{4F67D34D-5E6A-454C-984A-10ECD7CC6450}" type="datetimeFigureOut">
               <a:rPr lang="es-ES" smtClean="0"/>
-              <a:t>11/06/2024</a:t>
+              <a:t>17/07/2024</a:t>
             </a:fld>
             <a:endParaRPr lang="es-ES"/>
           </a:p>
@@ -1139,7 +1139,7 @@
           <a:p>
             <a:fld id="{4F67D34D-5E6A-454C-984A-10ECD7CC6450}" type="datetimeFigureOut">
               <a:rPr lang="es-ES" smtClean="0"/>
-              <a:t>11/06/2024</a:t>
+              <a:t>17/07/2024</a:t>
             </a:fld>
             <a:endParaRPr lang="es-ES"/>
           </a:p>
@@ -1404,7 +1404,7 @@
           <a:p>
             <a:fld id="{4F67D34D-5E6A-454C-984A-10ECD7CC6450}" type="datetimeFigureOut">
               <a:rPr lang="es-ES" smtClean="0"/>
-              <a:t>11/06/2024</a:t>
+              <a:t>17/07/2024</a:t>
             </a:fld>
             <a:endParaRPr lang="es-ES"/>
           </a:p>
@@ -1816,7 +1816,7 @@
           <a:p>
             <a:fld id="{4F67D34D-5E6A-454C-984A-10ECD7CC6450}" type="datetimeFigureOut">
               <a:rPr lang="es-ES" smtClean="0"/>
-              <a:t>11/06/2024</a:t>
+              <a:t>17/07/2024</a:t>
             </a:fld>
             <a:endParaRPr lang="es-ES"/>
           </a:p>
@@ -1957,7 +1957,7 @@
           <a:p>
             <a:fld id="{4F67D34D-5E6A-454C-984A-10ECD7CC6450}" type="datetimeFigureOut">
               <a:rPr lang="es-ES" smtClean="0"/>
-              <a:t>11/06/2024</a:t>
+              <a:t>17/07/2024</a:t>
             </a:fld>
             <a:endParaRPr lang="es-ES"/>
           </a:p>
@@ -2070,7 +2070,7 @@
           <a:p>
             <a:fld id="{4F67D34D-5E6A-454C-984A-10ECD7CC6450}" type="datetimeFigureOut">
               <a:rPr lang="es-ES" smtClean="0"/>
-              <a:t>11/06/2024</a:t>
+              <a:t>17/07/2024</a:t>
             </a:fld>
             <a:endParaRPr lang="es-ES"/>
           </a:p>
@@ -2381,7 +2381,7 @@
           <a:p>
             <a:fld id="{4F67D34D-5E6A-454C-984A-10ECD7CC6450}" type="datetimeFigureOut">
               <a:rPr lang="es-ES" smtClean="0"/>
-              <a:t>11/06/2024</a:t>
+              <a:t>17/07/2024</a:t>
             </a:fld>
             <a:endParaRPr lang="es-ES"/>
           </a:p>
@@ -2669,7 +2669,7 @@
           <a:p>
             <a:fld id="{4F67D34D-5E6A-454C-984A-10ECD7CC6450}" type="datetimeFigureOut">
               <a:rPr lang="es-ES" smtClean="0"/>
-              <a:t>11/06/2024</a:t>
+              <a:t>17/07/2024</a:t>
             </a:fld>
             <a:endParaRPr lang="es-ES"/>
           </a:p>
@@ -2910,7 +2910,7 @@
           <a:p>
             <a:fld id="{4F67D34D-5E6A-454C-984A-10ECD7CC6450}" type="datetimeFigureOut">
               <a:rPr lang="es-ES" smtClean="0"/>
-              <a:t>11/06/2024</a:t>
+              <a:t>17/07/2024</a:t>
             </a:fld>
             <a:endParaRPr lang="es-ES"/>
           </a:p>
@@ -3329,10 +3329,10 @@
       </p:grpSpPr>
       <p:grpSp>
         <p:nvGrpSpPr>
-          <p:cNvPr id="55" name="Grupo 54">
+          <p:cNvPr id="13" name="Grupo 12">
             <a:extLst>
               <a:ext uri="{FF2B5EF4-FFF2-40B4-BE49-F238E27FC236}">
-                <a16:creationId xmlns:a16="http://schemas.microsoft.com/office/drawing/2014/main" id="{A43195A1-807E-64FA-354B-87CC26768697}"/>
+                <a16:creationId xmlns:a16="http://schemas.microsoft.com/office/drawing/2014/main" id="{6DBB61EE-064B-7208-B2F9-E41E4F9E710B}"/>
               </a:ext>
             </a:extLst>
           </p:cNvPr>
@@ -3349,10 +3349,10 @@
         </p:grpSpPr>
         <p:grpSp>
           <p:nvGrpSpPr>
-            <p:cNvPr id="53" name="Grupo 52">
+            <p:cNvPr id="55" name="Grupo 54">
               <a:extLst>
                 <a:ext uri="{FF2B5EF4-FFF2-40B4-BE49-F238E27FC236}">
-                  <a16:creationId xmlns:a16="http://schemas.microsoft.com/office/drawing/2014/main" id="{0E090B5C-E61F-4905-412D-8F7708749EB7}"/>
+                  <a16:creationId xmlns:a16="http://schemas.microsoft.com/office/drawing/2014/main" id="{A43195A1-807E-64FA-354B-87CC26768697}"/>
                 </a:ext>
               </a:extLst>
             </p:cNvPr>
@@ -3369,10 +3369,10 @@
           </p:grpSpPr>
           <p:grpSp>
             <p:nvGrpSpPr>
-              <p:cNvPr id="38" name="Grupo 37">
+              <p:cNvPr id="53" name="Grupo 52">
                 <a:extLst>
                   <a:ext uri="{FF2B5EF4-FFF2-40B4-BE49-F238E27FC236}">
-                    <a16:creationId xmlns:a16="http://schemas.microsoft.com/office/drawing/2014/main" id="{C0707A0D-D81D-873D-16A2-02B13930A50A}"/>
+                    <a16:creationId xmlns:a16="http://schemas.microsoft.com/office/drawing/2014/main" id="{0E090B5C-E61F-4905-412D-8F7708749EB7}"/>
                   </a:ext>
                 </a:extLst>
               </p:cNvPr>
@@ -3387,81 +3387,12 @@
                 <a:chExt cx="12192000" cy="6087533"/>
               </a:xfrm>
             </p:grpSpPr>
-            <p:pic>
-              <p:nvPicPr>
-                <p:cNvPr id="15" name="Imagen 14" descr="Gráfico&#10;&#10;Descripción generada automáticamente">
+            <p:grpSp>
+              <p:nvGrpSpPr>
+                <p:cNvPr id="38" name="Grupo 37">
                   <a:extLst>
                     <a:ext uri="{FF2B5EF4-FFF2-40B4-BE49-F238E27FC236}">
-                      <a16:creationId xmlns:a16="http://schemas.microsoft.com/office/drawing/2014/main" id="{4AB19925-8861-4548-7C71-BC862D8E4D90}"/>
-                    </a:ext>
-                  </a:extLst>
-                </p:cNvPr>
-                <p:cNvPicPr>
-                  <a:picLocks noChangeAspect="1"/>
-                </p:cNvPicPr>
-                <p:nvPr/>
-              </p:nvPicPr>
-              <p:blipFill rotWithShape="1">
-                <a:blip r:embed="rId2">
-                  <a:extLst>
-                    <a:ext uri="{28A0092B-C50C-407E-A947-70E740481C1C}">
-                      <a14:useLocalDpi xmlns:a14="http://schemas.microsoft.com/office/drawing/2010/main" val="0"/>
-                    </a:ext>
-                  </a:extLst>
-                </a:blip>
-                <a:srcRect t="139"/>
-                <a:stretch/>
-              </p:blipFill>
-              <p:spPr>
-                <a:xfrm>
-                  <a:off x="0" y="389466"/>
-                  <a:ext cx="12192000" cy="6087533"/>
-                </a:xfrm>
-                <a:prstGeom prst="rect">
-                  <a:avLst/>
-                </a:prstGeom>
-              </p:spPr>
-            </p:pic>
-            <p:pic>
-              <p:nvPicPr>
-                <p:cNvPr id="5" name="Imagen 4">
-                  <a:extLst>
-                    <a:ext uri="{FF2B5EF4-FFF2-40B4-BE49-F238E27FC236}">
-                      <a16:creationId xmlns:a16="http://schemas.microsoft.com/office/drawing/2014/main" id="{307ACB74-6290-BE64-01F0-6BDE0B8CE30A}"/>
-                    </a:ext>
-                  </a:extLst>
-                </p:cNvPr>
-                <p:cNvPicPr>
-                  <a:picLocks noChangeAspect="1"/>
-                </p:cNvPicPr>
-                <p:nvPr/>
-              </p:nvPicPr>
-              <p:blipFill rotWithShape="1">
-                <a:blip r:embed="rId3"/>
-                <a:srcRect t="10051"/>
-                <a:stretch/>
-              </p:blipFill>
-              <p:spPr>
-                <a:xfrm>
-                  <a:off x="1531662" y="1128025"/>
-                  <a:ext cx="1994702" cy="1894314"/>
-                </a:xfrm>
-                <a:prstGeom prst="rect">
-                  <a:avLst/>
-                </a:prstGeom>
-                <a:ln>
-                  <a:solidFill>
-                    <a:schemeClr val="tx1"/>
-                  </a:solidFill>
-                </a:ln>
-              </p:spPr>
-            </p:pic>
-            <p:grpSp>
-              <p:nvGrpSpPr>
-                <p:cNvPr id="9" name="Grupo 8">
-                  <a:extLst>
-                    <a:ext uri="{FF2B5EF4-FFF2-40B4-BE49-F238E27FC236}">
-                      <a16:creationId xmlns:a16="http://schemas.microsoft.com/office/drawing/2014/main" id="{5A7748F7-D646-E3F3-AAF9-AA9BC352E18D}"/>
+                      <a16:creationId xmlns:a16="http://schemas.microsoft.com/office/drawing/2014/main" id="{C0707A0D-D81D-873D-16A2-02B13930A50A}"/>
                     </a:ext>
                   </a:extLst>
                 </p:cNvPr>
@@ -3470,18 +3401,18 @@
               </p:nvGrpSpPr>
               <p:grpSpPr>
                 <a:xfrm>
-                  <a:off x="6687630" y="1128025"/>
-                  <a:ext cx="1994702" cy="1923086"/>
-                  <a:chOff x="2136710" y="2813654"/>
-                  <a:chExt cx="2444931" cy="2625694"/>
+                  <a:off x="0" y="389466"/>
+                  <a:ext cx="12192000" cy="6087533"/>
+                  <a:chOff x="0" y="389466"/>
+                  <a:chExt cx="12192000" cy="6087533"/>
                 </a:xfrm>
               </p:grpSpPr>
               <p:pic>
                 <p:nvPicPr>
-                  <p:cNvPr id="7" name="Imagen 6">
+                  <p:cNvPr id="15" name="Imagen 14" descr="Gráfico&#10;&#10;Descripción generada automáticamente">
                     <a:extLst>
                       <a:ext uri="{FF2B5EF4-FFF2-40B4-BE49-F238E27FC236}">
-                        <a16:creationId xmlns:a16="http://schemas.microsoft.com/office/drawing/2014/main" id="{5BE54769-9E95-2FC0-A97F-B9A3287067E8}"/>
+                        <a16:creationId xmlns:a16="http://schemas.microsoft.com/office/drawing/2014/main" id="{4AB19925-8861-4548-7C71-BC862D8E4D90}"/>
                       </a:ext>
                     </a:extLst>
                   </p:cNvPr>
@@ -3490,16 +3421,50 @@
                   </p:cNvPicPr>
                   <p:nvPr/>
                 </p:nvPicPr>
-                <p:blipFill>
-                  <a:blip r:embed="rId4"/>
-                  <a:stretch>
-                    <a:fillRect/>
-                  </a:stretch>
+                <p:blipFill rotWithShape="1">
+                  <a:blip r:embed="rId2">
+                    <a:extLst>
+                      <a:ext uri="{28A0092B-C50C-407E-A947-70E740481C1C}">
+                        <a14:useLocalDpi xmlns:a14="http://schemas.microsoft.com/office/drawing/2010/main" val="0"/>
+                      </a:ext>
+                    </a:extLst>
+                  </a:blip>
+                  <a:srcRect t="139"/>
+                  <a:stretch/>
                 </p:blipFill>
                 <p:spPr>
                   <a:xfrm>
-                    <a:off x="2136710" y="2813654"/>
-                    <a:ext cx="2444931" cy="2625694"/>
+                    <a:off x="0" y="389466"/>
+                    <a:ext cx="12192000" cy="6087533"/>
+                  </a:xfrm>
+                  <a:prstGeom prst="rect">
+                    <a:avLst/>
+                  </a:prstGeom>
+                </p:spPr>
+              </p:pic>
+              <p:pic>
+                <p:nvPicPr>
+                  <p:cNvPr id="5" name="Imagen 4">
+                    <a:extLst>
+                      <a:ext uri="{FF2B5EF4-FFF2-40B4-BE49-F238E27FC236}">
+                        <a16:creationId xmlns:a16="http://schemas.microsoft.com/office/drawing/2014/main" id="{307ACB74-6290-BE64-01F0-6BDE0B8CE30A}"/>
+                      </a:ext>
+                    </a:extLst>
+                  </p:cNvPr>
+                  <p:cNvPicPr>
+                    <a:picLocks noChangeAspect="1"/>
+                  </p:cNvPicPr>
+                  <p:nvPr/>
+                </p:nvPicPr>
+                <p:blipFill rotWithShape="1">
+                  <a:blip r:embed="rId3"/>
+                  <a:srcRect t="10051"/>
+                  <a:stretch/>
+                </p:blipFill>
+                <p:spPr>
+                  <a:xfrm>
+                    <a:off x="1531662" y="1128025"/>
+                    <a:ext cx="1994702" cy="1894314"/>
                   </a:xfrm>
                   <a:prstGeom prst="rect">
                     <a:avLst/>
@@ -3511,69 +3476,168 @@
                   </a:ln>
                 </p:spPr>
               </p:pic>
-              <p:sp>
-                <p:nvSpPr>
-                  <p:cNvPr id="8" name="Rectángulo 7">
+              <p:grpSp>
+                <p:nvGrpSpPr>
+                  <p:cNvPr id="9" name="Grupo 8">
                     <a:extLst>
                       <a:ext uri="{FF2B5EF4-FFF2-40B4-BE49-F238E27FC236}">
-                        <a16:creationId xmlns:a16="http://schemas.microsoft.com/office/drawing/2014/main" id="{5C9A4A7D-26CB-AE84-62EF-695006885500}"/>
+                        <a16:creationId xmlns:a16="http://schemas.microsoft.com/office/drawing/2014/main" id="{5A7748F7-D646-E3F3-AAF9-AA9BC352E18D}"/>
                       </a:ext>
                     </a:extLst>
                   </p:cNvPr>
-                  <p:cNvSpPr/>
+                  <p:cNvGrpSpPr/>
                   <p:nvPr/>
-                </p:nvSpPr>
+                </p:nvGrpSpPr>
+                <p:grpSpPr>
+                  <a:xfrm>
+                    <a:off x="6687630" y="1128025"/>
+                    <a:ext cx="1994702" cy="1923086"/>
+                    <a:chOff x="2136710" y="2813654"/>
+                    <a:chExt cx="2444931" cy="2625694"/>
+                  </a:xfrm>
+                </p:grpSpPr>
+                <p:pic>
+                  <p:nvPicPr>
+                    <p:cNvPr id="7" name="Imagen 6">
+                      <a:extLst>
+                        <a:ext uri="{FF2B5EF4-FFF2-40B4-BE49-F238E27FC236}">
+                          <a16:creationId xmlns:a16="http://schemas.microsoft.com/office/drawing/2014/main" id="{5BE54769-9E95-2FC0-A97F-B9A3287067E8}"/>
+                        </a:ext>
+                      </a:extLst>
+                    </p:cNvPr>
+                    <p:cNvPicPr>
+                      <a:picLocks noChangeAspect="1"/>
+                    </p:cNvPicPr>
+                    <p:nvPr/>
+                  </p:nvPicPr>
+                  <p:blipFill>
+                    <a:blip r:embed="rId4"/>
+                    <a:stretch>
+                      <a:fillRect/>
+                    </a:stretch>
+                  </p:blipFill>
+                  <p:spPr>
+                    <a:xfrm>
+                      <a:off x="2136710" y="2813654"/>
+                      <a:ext cx="2444931" cy="2625694"/>
+                    </a:xfrm>
+                    <a:prstGeom prst="rect">
+                      <a:avLst/>
+                    </a:prstGeom>
+                    <a:ln>
+                      <a:solidFill>
+                        <a:schemeClr val="tx1"/>
+                      </a:solidFill>
+                    </a:ln>
+                  </p:spPr>
+                </p:pic>
+                <p:sp>
+                  <p:nvSpPr>
+                    <p:cNvPr id="8" name="Rectángulo 7">
+                      <a:extLst>
+                        <a:ext uri="{FF2B5EF4-FFF2-40B4-BE49-F238E27FC236}">
+                          <a16:creationId xmlns:a16="http://schemas.microsoft.com/office/drawing/2014/main" id="{5C9A4A7D-26CB-AE84-62EF-695006885500}"/>
+                        </a:ext>
+                      </a:extLst>
+                    </p:cNvPr>
+                    <p:cNvSpPr/>
+                    <p:nvPr/>
+                  </p:nvSpPr>
+                  <p:spPr>
+                    <a:xfrm>
+                      <a:off x="3972278" y="4982633"/>
+                      <a:ext cx="591255" cy="403578"/>
+                    </a:xfrm>
+                    <a:prstGeom prst="rect">
+                      <a:avLst/>
+                    </a:prstGeom>
+                    <a:solidFill>
+                      <a:schemeClr val="bg1"/>
+                    </a:solidFill>
+                    <a:ln>
+                      <a:noFill/>
+                    </a:ln>
+                  </p:spPr>
+                  <p:style>
+                    <a:lnRef idx="2">
+                      <a:schemeClr val="accent1">
+                        <a:shade val="15000"/>
+                      </a:schemeClr>
+                    </a:lnRef>
+                    <a:fillRef idx="1">
+                      <a:schemeClr val="accent1"/>
+                    </a:fillRef>
+                    <a:effectRef idx="0">
+                      <a:schemeClr val="accent1"/>
+                    </a:effectRef>
+                    <a:fontRef idx="minor">
+                      <a:schemeClr val="lt1"/>
+                    </a:fontRef>
+                  </p:style>
+                  <p:txBody>
+                    <a:bodyPr rtlCol="0" anchor="ctr"/>
+                    <a:lstStyle/>
+                    <a:p>
+                      <a:pPr algn="ctr"/>
+                      <a:endParaRPr lang="es-ES">
+                        <a:solidFill>
+                          <a:srgbClr val="FF0000"/>
+                        </a:solidFill>
+                      </a:endParaRPr>
+                    </a:p>
+                  </p:txBody>
+                </p:sp>
+              </p:grpSp>
+              <p:cxnSp>
+                <p:nvCxnSpPr>
+                  <p:cNvPr id="29" name="Conector recto 28">
+                    <a:extLst>
+                      <a:ext uri="{FF2B5EF4-FFF2-40B4-BE49-F238E27FC236}">
+                        <a16:creationId xmlns:a16="http://schemas.microsoft.com/office/drawing/2014/main" id="{9DE070C1-B6E1-9733-876A-E5B7E30BD0B0}"/>
+                      </a:ext>
+                    </a:extLst>
+                  </p:cNvPr>
+                  <p:cNvCxnSpPr>
+                    <a:cxnSpLocks/>
+                  </p:cNvCxnSpPr>
+                  <p:nvPr/>
+                </p:nvCxnSpPr>
                 <p:spPr>
                   <a:xfrm>
-                    <a:off x="3972278" y="4982633"/>
-                    <a:ext cx="591255" cy="403578"/>
+                    <a:off x="3098090" y="3207808"/>
+                    <a:ext cx="96683" cy="209234"/>
                   </a:xfrm>
-                  <a:prstGeom prst="rect">
+                  <a:prstGeom prst="line">
                     <a:avLst/>
                   </a:prstGeom>
-                  <a:solidFill>
-                    <a:schemeClr val="bg1"/>
-                  </a:solidFill>
-                  <a:ln>
-                    <a:noFill/>
+                  <a:ln w="6350">
+                    <a:solidFill>
+                      <a:schemeClr val="tx1"/>
+                    </a:solidFill>
                   </a:ln>
                 </p:spPr>
                 <p:style>
                   <a:lnRef idx="2">
-                    <a:schemeClr val="accent1">
-                      <a:shade val="15000"/>
-                    </a:schemeClr>
+                    <a:schemeClr val="dk1"/>
                   </a:lnRef>
-                  <a:fillRef idx="1">
-                    <a:schemeClr val="accent1"/>
+                  <a:fillRef idx="0">
+                    <a:schemeClr val="dk1"/>
                   </a:fillRef>
-                  <a:effectRef idx="0">
-                    <a:schemeClr val="accent1"/>
+                  <a:effectRef idx="1">
+                    <a:schemeClr val="dk1"/>
                   </a:effectRef>
                   <a:fontRef idx="minor">
-                    <a:schemeClr val="lt1"/>
+                    <a:schemeClr val="tx1"/>
                   </a:fontRef>
                 </p:style>
-                <p:txBody>
-                  <a:bodyPr rtlCol="0" anchor="ctr"/>
-                  <a:lstStyle/>
-                  <a:p>
-                    <a:pPr algn="ctr"/>
-                    <a:endParaRPr lang="es-ES">
-                      <a:solidFill>
-                        <a:srgbClr val="FF0000"/>
-                      </a:solidFill>
-                    </a:endParaRPr>
-                  </a:p>
-                </p:txBody>
-              </p:sp>
+              </p:cxnSp>
             </p:grpSp>
             <p:cxnSp>
               <p:nvCxnSpPr>
-                <p:cNvPr id="29" name="Conector recto 28">
+                <p:cNvPr id="39" name="Conector recto 38">
                   <a:extLst>
                     <a:ext uri="{FF2B5EF4-FFF2-40B4-BE49-F238E27FC236}">
-                      <a16:creationId xmlns:a16="http://schemas.microsoft.com/office/drawing/2014/main" id="{9DE070C1-B6E1-9733-876A-E5B7E30BD0B0}"/>
+                      <a16:creationId xmlns:a16="http://schemas.microsoft.com/office/drawing/2014/main" id="{5D870026-8BF9-0544-5FA8-152CB3F3CA36}"/>
                     </a:ext>
                   </a:extLst>
                 </p:cNvPr>
@@ -3584,8 +3648,8 @@
               </p:nvCxnSpPr>
               <p:spPr>
                 <a:xfrm>
-                  <a:off x="3098090" y="3207808"/>
-                  <a:ext cx="96683" cy="209234"/>
+                  <a:off x="8267620" y="3190875"/>
+                  <a:ext cx="467158" cy="598795"/>
                 </a:xfrm>
                 <a:prstGeom prst="line">
                   <a:avLst/>
@@ -3611,13 +3675,1189 @@
                 </a:fontRef>
               </p:style>
             </p:cxnSp>
+            <p:sp>
+              <p:nvSpPr>
+                <p:cNvPr id="41" name="CuadroTexto 40">
+                  <a:extLst>
+                    <a:ext uri="{FF2B5EF4-FFF2-40B4-BE49-F238E27FC236}">
+                      <a16:creationId xmlns:a16="http://schemas.microsoft.com/office/drawing/2014/main" id="{9809CCC5-72D2-BCFC-AFCD-665B04815729}"/>
+                    </a:ext>
+                  </a:extLst>
+                </p:cNvPr>
+                <p:cNvSpPr txBox="1"/>
+                <p:nvPr/>
+              </p:nvSpPr>
+              <p:spPr>
+                <a:xfrm>
+                  <a:off x="2307468" y="2414489"/>
+                  <a:ext cx="535517" cy="230832"/>
+                </a:xfrm>
+                <a:prstGeom prst="rect">
+                  <a:avLst/>
+                </a:prstGeom>
+                <a:noFill/>
+              </p:spPr>
+              <p:txBody>
+                <a:bodyPr wrap="square" rtlCol="0">
+                  <a:spAutoFit/>
+                </a:bodyPr>
+                <a:lstStyle/>
+                <a:p>
+                  <a:r>
+                    <a:rPr lang="es-ES" sz="900" b="1" dirty="0">
+                      <a:solidFill>
+                        <a:srgbClr val="FF0000"/>
+                      </a:solidFill>
+                      <a:latin typeface="CMU Sans Serif" panose="02000603000000000000" pitchFamily="2" charset="0"/>
+                      <a:ea typeface="CMU Sans Serif" panose="02000603000000000000" pitchFamily="2" charset="0"/>
+                      <a:cs typeface="CMU Sans Serif" panose="02000603000000000000" pitchFamily="2" charset="0"/>
+                    </a:rPr>
+                    <a:t>0.0</a:t>
+                  </a:r>
+                </a:p>
+              </p:txBody>
+            </p:sp>
+            <p:sp>
+              <p:nvSpPr>
+                <p:cNvPr id="42" name="CuadroTexto 41">
+                  <a:extLst>
+                    <a:ext uri="{FF2B5EF4-FFF2-40B4-BE49-F238E27FC236}">
+                      <a16:creationId xmlns:a16="http://schemas.microsoft.com/office/drawing/2014/main" id="{6EC069BF-BF4D-8690-6AE1-24F0CD92B802}"/>
+                    </a:ext>
+                  </a:extLst>
+                </p:cNvPr>
+                <p:cNvSpPr txBox="1"/>
+                <p:nvPr/>
+              </p:nvSpPr>
+              <p:spPr>
+                <a:xfrm>
+                  <a:off x="1460838" y="2711597"/>
+                  <a:ext cx="535517" cy="230832"/>
+                </a:xfrm>
+                <a:prstGeom prst="rect">
+                  <a:avLst/>
+                </a:prstGeom>
+                <a:noFill/>
+              </p:spPr>
+              <p:txBody>
+                <a:bodyPr wrap="square" rtlCol="0">
+                  <a:spAutoFit/>
+                </a:bodyPr>
+                <a:lstStyle/>
+                <a:p>
+                  <a:r>
+                    <a:rPr lang="es-ES" sz="900" b="1" dirty="0">
+                      <a:solidFill>
+                        <a:srgbClr val="FF0000"/>
+                      </a:solidFill>
+                      <a:latin typeface="CMU Sans Serif" panose="02000603000000000000" pitchFamily="2" charset="0"/>
+                      <a:ea typeface="CMU Sans Serif" panose="02000603000000000000" pitchFamily="2" charset="0"/>
+                      <a:cs typeface="CMU Sans Serif" panose="02000603000000000000" pitchFamily="2" charset="0"/>
+                    </a:rPr>
+                    <a:t>0.25</a:t>
+                  </a:r>
+                </a:p>
+              </p:txBody>
+            </p:sp>
+            <p:sp>
+              <p:nvSpPr>
+                <p:cNvPr id="43" name="CuadroTexto 42">
+                  <a:extLst>
+                    <a:ext uri="{FF2B5EF4-FFF2-40B4-BE49-F238E27FC236}">
+                      <a16:creationId xmlns:a16="http://schemas.microsoft.com/office/drawing/2014/main" id="{F8D13F44-0761-CB65-F7C5-752D289621F8}"/>
+                    </a:ext>
+                  </a:extLst>
+                </p:cNvPr>
+                <p:cNvSpPr txBox="1"/>
+                <p:nvPr/>
+              </p:nvSpPr>
+              <p:spPr>
+                <a:xfrm>
+                  <a:off x="1791903" y="2536617"/>
+                  <a:ext cx="535517" cy="230832"/>
+                </a:xfrm>
+                <a:prstGeom prst="rect">
+                  <a:avLst/>
+                </a:prstGeom>
+                <a:noFill/>
+              </p:spPr>
+              <p:txBody>
+                <a:bodyPr wrap="square" rtlCol="0">
+                  <a:spAutoFit/>
+                </a:bodyPr>
+                <a:lstStyle/>
+                <a:p>
+                  <a:r>
+                    <a:rPr lang="es-ES" sz="900" b="1" dirty="0">
+                      <a:solidFill>
+                        <a:srgbClr val="FF0000"/>
+                      </a:solidFill>
+                      <a:latin typeface="CMU Sans Serif" panose="02000603000000000000" pitchFamily="2" charset="0"/>
+                      <a:ea typeface="CMU Sans Serif" panose="02000603000000000000" pitchFamily="2" charset="0"/>
+                      <a:cs typeface="CMU Sans Serif" panose="02000603000000000000" pitchFamily="2" charset="0"/>
+                    </a:rPr>
+                    <a:t>0.5</a:t>
+                  </a:r>
+                </a:p>
+              </p:txBody>
+            </p:sp>
+            <p:sp>
+              <p:nvSpPr>
+                <p:cNvPr id="44" name="CuadroTexto 43">
+                  <a:extLst>
+                    <a:ext uri="{FF2B5EF4-FFF2-40B4-BE49-F238E27FC236}">
+                      <a16:creationId xmlns:a16="http://schemas.microsoft.com/office/drawing/2014/main" id="{7BC8851C-D1D6-013E-2829-9B777D45E26F}"/>
+                    </a:ext>
+                  </a:extLst>
+                </p:cNvPr>
+                <p:cNvSpPr txBox="1"/>
+                <p:nvPr/>
+              </p:nvSpPr>
+              <p:spPr>
+                <a:xfrm>
+                  <a:off x="1828786" y="2382508"/>
+                  <a:ext cx="535517" cy="230832"/>
+                </a:xfrm>
+                <a:prstGeom prst="rect">
+                  <a:avLst/>
+                </a:prstGeom>
+                <a:noFill/>
+              </p:spPr>
+              <p:txBody>
+                <a:bodyPr wrap="square" rtlCol="0">
+                  <a:spAutoFit/>
+                </a:bodyPr>
+                <a:lstStyle/>
+                <a:p>
+                  <a:r>
+                    <a:rPr lang="es-ES" sz="900" b="1" dirty="0">
+                      <a:solidFill>
+                        <a:srgbClr val="FF0000"/>
+                      </a:solidFill>
+                      <a:latin typeface="CMU Sans Serif" panose="02000603000000000000" pitchFamily="2" charset="0"/>
+                      <a:ea typeface="CMU Sans Serif" panose="02000603000000000000" pitchFamily="2" charset="0"/>
+                      <a:cs typeface="CMU Sans Serif" panose="02000603000000000000" pitchFamily="2" charset="0"/>
+                    </a:rPr>
+                    <a:t>0.75</a:t>
+                  </a:r>
+                </a:p>
+              </p:txBody>
+            </p:sp>
+            <p:sp>
+              <p:nvSpPr>
+                <p:cNvPr id="45" name="CuadroTexto 44">
+                  <a:extLst>
+                    <a:ext uri="{FF2B5EF4-FFF2-40B4-BE49-F238E27FC236}">
+                      <a16:creationId xmlns:a16="http://schemas.microsoft.com/office/drawing/2014/main" id="{0368D837-7FA4-41D0-EFFA-833FD26B2E1D}"/>
+                    </a:ext>
+                  </a:extLst>
+                </p:cNvPr>
+                <p:cNvSpPr txBox="1"/>
+                <p:nvPr/>
+              </p:nvSpPr>
+              <p:spPr>
+                <a:xfrm>
+                  <a:off x="2109914" y="2081621"/>
+                  <a:ext cx="535517" cy="230832"/>
+                </a:xfrm>
+                <a:prstGeom prst="rect">
+                  <a:avLst/>
+                </a:prstGeom>
+                <a:noFill/>
+              </p:spPr>
+              <p:txBody>
+                <a:bodyPr wrap="square" rtlCol="0">
+                  <a:spAutoFit/>
+                </a:bodyPr>
+                <a:lstStyle/>
+                <a:p>
+                  <a:r>
+                    <a:rPr lang="es-ES" sz="900" b="1" dirty="0">
+                      <a:solidFill>
+                        <a:srgbClr val="FF0000"/>
+                      </a:solidFill>
+                      <a:latin typeface="CMU Sans Serif" panose="02000603000000000000" pitchFamily="2" charset="0"/>
+                      <a:ea typeface="CMU Sans Serif" panose="02000603000000000000" pitchFamily="2" charset="0"/>
+                      <a:cs typeface="CMU Sans Serif" panose="02000603000000000000" pitchFamily="2" charset="0"/>
+                    </a:rPr>
+                    <a:t>1.0</a:t>
+                  </a:r>
+                </a:p>
+              </p:txBody>
+            </p:sp>
+            <mc:AlternateContent xmlns:mc="http://schemas.openxmlformats.org/markup-compatibility/2006" xmlns:a14="http://schemas.microsoft.com/office/drawing/2010/main">
+              <mc:Choice Requires="a14">
+                <p:sp>
+                  <p:nvSpPr>
+                    <p:cNvPr id="46" name="CuadroTexto 45">
+                      <a:extLst>
+                        <a:ext uri="{FF2B5EF4-FFF2-40B4-BE49-F238E27FC236}">
+                          <a16:creationId xmlns:a16="http://schemas.microsoft.com/office/drawing/2014/main" id="{D5CC3603-9960-ABB7-1B72-BCB8012BE006}"/>
+                        </a:ext>
+                      </a:extLst>
+                    </p:cNvPr>
+                    <p:cNvSpPr txBox="1"/>
+                    <p:nvPr/>
+                  </p:nvSpPr>
+                  <p:spPr>
+                    <a:xfrm>
+                      <a:off x="1605302" y="1204284"/>
+                      <a:ext cx="593150" cy="261610"/>
+                    </a:xfrm>
+                    <a:prstGeom prst="rect">
+                      <a:avLst/>
+                    </a:prstGeom>
+                    <a:noFill/>
+                    <a:ln w="9525">
+                      <a:solidFill>
+                        <a:schemeClr val="tx1"/>
+                      </a:solidFill>
+                    </a:ln>
+                  </p:spPr>
+                  <p:txBody>
+                    <a:bodyPr wrap="square" rtlCol="0">
+                      <a:spAutoFit/>
+                    </a:bodyPr>
+                    <a:lstStyle/>
+                    <a:p>
+                      <a:r>
+                        <a:rPr lang="es-ES" sz="1100" i="1" dirty="0">
+                          <a:solidFill>
+                            <a:srgbClr val="FF0000"/>
+                          </a:solidFill>
+                          <a:latin typeface="CMU Serif" panose="02000603000000000000" pitchFamily="2" charset="0"/>
+                          <a:ea typeface="CMU Serif" panose="02000603000000000000" pitchFamily="2" charset="0"/>
+                          <a:cs typeface="CMU Serif" panose="02000603000000000000" pitchFamily="2" charset="0"/>
+                        </a:rPr>
+                        <a:t>M</a:t>
+                      </a:r>
+                      <a:r>
+                        <a:rPr lang="es-ES" sz="1100" baseline="-25000" dirty="0">
+                          <a:solidFill>
+                            <a:srgbClr val="FF0000"/>
+                          </a:solidFill>
+                          <a:latin typeface="CMU Serif" panose="02000603000000000000" pitchFamily="2" charset="0"/>
+                          <a:ea typeface="CMU Serif" panose="02000603000000000000" pitchFamily="2" charset="0"/>
+                          <a:cs typeface="CMU Serif" panose="02000603000000000000" pitchFamily="2" charset="0"/>
+                        </a:rPr>
+                        <a:t>0 </a:t>
+                      </a:r>
+                      <a14:m>
+                        <m:oMath xmlns:m="http://schemas.openxmlformats.org/officeDocument/2006/math">
+                          <m:r>
+                            <a:rPr lang="es-ES" sz="1100" b="0" i="0" dirty="0" smtClean="0">
+                              <a:solidFill>
+                                <a:srgbClr val="FF0000"/>
+                              </a:solidFill>
+                              <a:latin typeface="Cambria Math" panose="02040503050406030204" pitchFamily="18" charset="0"/>
+                              <a:ea typeface="Adobe Ming Std L" panose="02020300000000000000" pitchFamily="18" charset="-128"/>
+                              <a:cs typeface="CMU Serif" panose="02000603000000000000" pitchFamily="2" charset="0"/>
+                            </a:rPr>
+                            <m:t>[</m:t>
+                          </m:r>
+                          <m:r>
+                            <a:rPr lang="es-ES" sz="1100" i="1" dirty="0" smtClean="0">
+                              <a:solidFill>
+                                <a:srgbClr val="FF0000"/>
+                              </a:solidFill>
+                              <a:latin typeface="Cambria Math" panose="02040503050406030204" pitchFamily="18" charset="0"/>
+                              <a:ea typeface="Adobe Ming Std L" panose="02020300000000000000" pitchFamily="18" charset="-128"/>
+                              <a:cs typeface="CMU Serif" panose="02000603000000000000" pitchFamily="2" charset="0"/>
+                            </a:rPr>
+                            <m:t>−</m:t>
+                          </m:r>
+                          <m:r>
+                            <a:rPr lang="es-ES" sz="1100" b="0" i="0" dirty="0" smtClean="0">
+                              <a:solidFill>
+                                <a:srgbClr val="FF0000"/>
+                              </a:solidFill>
+                              <a:latin typeface="Cambria Math" panose="02040503050406030204" pitchFamily="18" charset="0"/>
+                              <a:ea typeface="Adobe Ming Std L" panose="02020300000000000000" pitchFamily="18" charset="-128"/>
+                              <a:cs typeface="CMU Serif" panose="02000603000000000000" pitchFamily="2" charset="0"/>
+                            </a:rPr>
+                            <m:t>]</m:t>
+                          </m:r>
+                        </m:oMath>
+                      </a14:m>
+                      <a:endParaRPr lang="es-ES" sz="1100" dirty="0">
+                        <a:solidFill>
+                          <a:srgbClr val="FF0000"/>
+                        </a:solidFill>
+                        <a:latin typeface="CMU Serif" panose="02000603000000000000" pitchFamily="2" charset="0"/>
+                        <a:ea typeface="CMU Serif" panose="02000603000000000000" pitchFamily="2" charset="0"/>
+                        <a:cs typeface="CMU Serif" panose="02000603000000000000" pitchFamily="2" charset="0"/>
+                      </a:endParaRPr>
+                    </a:p>
+                  </p:txBody>
+                </p:sp>
+              </mc:Choice>
+              <mc:Fallback xmlns="">
+                <p:sp>
+                  <p:nvSpPr>
+                    <p:cNvPr id="46" name="CuadroTexto 45">
+                      <a:extLst>
+                        <a:ext uri="{FF2B5EF4-FFF2-40B4-BE49-F238E27FC236}">
+                          <a16:creationId xmlns:a16="http://schemas.microsoft.com/office/drawing/2014/main" id="{D5CC3603-9960-ABB7-1B72-BCB8012BE006}"/>
+                        </a:ext>
+                      </a:extLst>
+                    </p:cNvPr>
+                    <p:cNvSpPr txBox="1">
+                      <a:spLocks noRot="1" noChangeAspect="1" noMove="1" noResize="1" noEditPoints="1" noAdjustHandles="1" noChangeArrowheads="1" noChangeShapeType="1" noTextEdit="1"/>
+                    </p:cNvSpPr>
+                    <p:nvPr/>
+                  </p:nvSpPr>
+                  <p:spPr>
+                    <a:xfrm>
+                      <a:off x="1605302" y="1204284"/>
+                      <a:ext cx="593150" cy="261610"/>
+                    </a:xfrm>
+                    <a:prstGeom prst="rect">
+                      <a:avLst/>
+                    </a:prstGeom>
+                    <a:blipFill>
+                      <a:blip r:embed="rId5"/>
+                      <a:stretch>
+                        <a:fillRect b="-15909"/>
+                      </a:stretch>
+                    </a:blipFill>
+                    <a:ln w="9525">
+                      <a:solidFill>
+                        <a:schemeClr val="tx1"/>
+                      </a:solidFill>
+                    </a:ln>
+                  </p:spPr>
+                  <p:txBody>
+                    <a:bodyPr/>
+                    <a:lstStyle/>
+                    <a:p>
+                      <a:r>
+                        <a:rPr lang="es-ES">
+                          <a:noFill/>
+                        </a:rPr>
+                        <a:t> </a:t>
+                      </a:r>
+                    </a:p>
+                  </p:txBody>
+                </p:sp>
+              </mc:Fallback>
+            </mc:AlternateContent>
+            <mc:AlternateContent xmlns:mc="http://schemas.openxmlformats.org/markup-compatibility/2006" xmlns:a14="http://schemas.microsoft.com/office/drawing/2010/main">
+              <mc:Choice Requires="a14">
+                <p:sp>
+                  <p:nvSpPr>
+                    <p:cNvPr id="47" name="CuadroTexto 46">
+                      <a:extLst>
+                        <a:ext uri="{FF2B5EF4-FFF2-40B4-BE49-F238E27FC236}">
+                          <a16:creationId xmlns:a16="http://schemas.microsoft.com/office/drawing/2014/main" id="{688AB2F7-FC16-2DC3-4ED5-0991D4BD7C07}"/>
+                        </a:ext>
+                      </a:extLst>
+                    </p:cNvPr>
+                    <p:cNvSpPr txBox="1"/>
+                    <p:nvPr/>
+                  </p:nvSpPr>
+                  <p:spPr>
+                    <a:xfrm>
+                      <a:off x="6749649" y="1177496"/>
+                      <a:ext cx="599640" cy="261610"/>
+                    </a:xfrm>
+                    <a:prstGeom prst="rect">
+                      <a:avLst/>
+                    </a:prstGeom>
+                    <a:solidFill>
+                      <a:schemeClr val="bg1"/>
+                    </a:solidFill>
+                    <a:ln w="9525">
+                      <a:solidFill>
+                        <a:schemeClr val="tx1"/>
+                      </a:solidFill>
+                    </a:ln>
+                  </p:spPr>
+                  <p:txBody>
+                    <a:bodyPr wrap="square" rtlCol="0">
+                      <a:spAutoFit/>
+                    </a:bodyPr>
+                    <a:lstStyle/>
+                    <a:p>
+                      <a:r>
+                        <a:rPr lang="es-ES" sz="1100" i="1" dirty="0">
+                          <a:solidFill>
+                            <a:srgbClr val="FF0000"/>
+                          </a:solidFill>
+                          <a:latin typeface="CMU Serif" panose="02000603000000000000" pitchFamily="2" charset="0"/>
+                          <a:ea typeface="CMU Serif" panose="02000603000000000000" pitchFamily="2" charset="0"/>
+                          <a:cs typeface="CMU Serif" panose="02000603000000000000" pitchFamily="2" charset="0"/>
+                        </a:rPr>
+                        <a:t>M</a:t>
+                      </a:r>
+                      <a:r>
+                        <a:rPr lang="es-ES" sz="1100" baseline="-25000" dirty="0">
+                          <a:solidFill>
+                            <a:srgbClr val="FF0000"/>
+                          </a:solidFill>
+                          <a:latin typeface="CMU Serif" panose="02000603000000000000" pitchFamily="2" charset="0"/>
+                          <a:ea typeface="CMU Serif" panose="02000603000000000000" pitchFamily="2" charset="0"/>
+                          <a:cs typeface="CMU Serif" panose="02000603000000000000" pitchFamily="2" charset="0"/>
+                        </a:rPr>
+                        <a:t>0 </a:t>
+                      </a:r>
+                      <a14:m>
+                        <m:oMath xmlns:m="http://schemas.openxmlformats.org/officeDocument/2006/math">
+                          <m:r>
+                            <a:rPr lang="es-ES" sz="1100" b="0" i="0" dirty="0" smtClean="0">
+                              <a:solidFill>
+                                <a:srgbClr val="FF0000"/>
+                              </a:solidFill>
+                              <a:latin typeface="Cambria Math" panose="02040503050406030204" pitchFamily="18" charset="0"/>
+                              <a:ea typeface="Adobe Ming Std L" panose="02020300000000000000" pitchFamily="18" charset="-128"/>
+                              <a:cs typeface="CMU Serif" panose="02000603000000000000" pitchFamily="2" charset="0"/>
+                            </a:rPr>
+                            <m:t>[</m:t>
+                          </m:r>
+                          <m:r>
+                            <a:rPr lang="es-ES" sz="1100" i="1" dirty="0" smtClean="0">
+                              <a:solidFill>
+                                <a:srgbClr val="FF0000"/>
+                              </a:solidFill>
+                              <a:latin typeface="Cambria Math" panose="02040503050406030204" pitchFamily="18" charset="0"/>
+                              <a:ea typeface="Adobe Ming Std L" panose="02020300000000000000" pitchFamily="18" charset="-128"/>
+                              <a:cs typeface="CMU Serif" panose="02000603000000000000" pitchFamily="2" charset="0"/>
+                            </a:rPr>
+                            <m:t>−</m:t>
+                          </m:r>
+                          <m:r>
+                            <a:rPr lang="es-ES" sz="1100" b="0" i="0" dirty="0" smtClean="0">
+                              <a:solidFill>
+                                <a:srgbClr val="FF0000"/>
+                              </a:solidFill>
+                              <a:latin typeface="Cambria Math" panose="02040503050406030204" pitchFamily="18" charset="0"/>
+                              <a:ea typeface="Adobe Ming Std L" panose="02020300000000000000" pitchFamily="18" charset="-128"/>
+                              <a:cs typeface="CMU Serif" panose="02000603000000000000" pitchFamily="2" charset="0"/>
+                            </a:rPr>
+                            <m:t>]</m:t>
+                          </m:r>
+                        </m:oMath>
+                      </a14:m>
+                      <a:endParaRPr lang="es-ES" sz="1100" dirty="0">
+                        <a:solidFill>
+                          <a:srgbClr val="FF0000"/>
+                        </a:solidFill>
+                        <a:latin typeface="CMU Serif" panose="02000603000000000000" pitchFamily="2" charset="0"/>
+                        <a:ea typeface="CMU Serif" panose="02000603000000000000" pitchFamily="2" charset="0"/>
+                        <a:cs typeface="CMU Serif" panose="02000603000000000000" pitchFamily="2" charset="0"/>
+                      </a:endParaRPr>
+                    </a:p>
+                  </p:txBody>
+                </p:sp>
+              </mc:Choice>
+              <mc:Fallback xmlns="">
+                <p:sp>
+                  <p:nvSpPr>
+                    <p:cNvPr id="47" name="CuadroTexto 46">
+                      <a:extLst>
+                        <a:ext uri="{FF2B5EF4-FFF2-40B4-BE49-F238E27FC236}">
+                          <a16:creationId xmlns:a16="http://schemas.microsoft.com/office/drawing/2014/main" id="{688AB2F7-FC16-2DC3-4ED5-0991D4BD7C07}"/>
+                        </a:ext>
+                      </a:extLst>
+                    </p:cNvPr>
+                    <p:cNvSpPr txBox="1">
+                      <a:spLocks noRot="1" noChangeAspect="1" noMove="1" noResize="1" noEditPoints="1" noAdjustHandles="1" noChangeArrowheads="1" noChangeShapeType="1" noTextEdit="1"/>
+                    </p:cNvSpPr>
+                    <p:nvPr/>
+                  </p:nvSpPr>
+                  <p:spPr>
+                    <a:xfrm>
+                      <a:off x="6749649" y="1177496"/>
+                      <a:ext cx="599640" cy="261610"/>
+                    </a:xfrm>
+                    <a:prstGeom prst="rect">
+                      <a:avLst/>
+                    </a:prstGeom>
+                    <a:blipFill>
+                      <a:blip r:embed="rId6"/>
+                      <a:stretch>
+                        <a:fillRect b="-13333"/>
+                      </a:stretch>
+                    </a:blipFill>
+                    <a:ln w="9525">
+                      <a:solidFill>
+                        <a:schemeClr val="tx1"/>
+                      </a:solidFill>
+                    </a:ln>
+                  </p:spPr>
+                  <p:txBody>
+                    <a:bodyPr/>
+                    <a:lstStyle/>
+                    <a:p>
+                      <a:r>
+                        <a:rPr lang="es-ES">
+                          <a:noFill/>
+                        </a:rPr>
+                        <a:t> </a:t>
+                      </a:r>
+                    </a:p>
+                  </p:txBody>
+                </p:sp>
+              </mc:Fallback>
+            </mc:AlternateContent>
+            <p:sp>
+              <p:nvSpPr>
+                <p:cNvPr id="48" name="CuadroTexto 47">
+                  <a:extLst>
+                    <a:ext uri="{FF2B5EF4-FFF2-40B4-BE49-F238E27FC236}">
+                      <a16:creationId xmlns:a16="http://schemas.microsoft.com/office/drawing/2014/main" id="{99B7FE34-49E6-7AAD-4874-43819D46E899}"/>
+                    </a:ext>
+                  </a:extLst>
+                </p:cNvPr>
+                <p:cNvSpPr txBox="1"/>
+                <p:nvPr/>
+              </p:nvSpPr>
+              <p:spPr>
+                <a:xfrm>
+                  <a:off x="6749648" y="2421201"/>
+                  <a:ext cx="535517" cy="230832"/>
+                </a:xfrm>
+                <a:prstGeom prst="rect">
+                  <a:avLst/>
+                </a:prstGeom>
+                <a:noFill/>
+              </p:spPr>
+              <p:txBody>
+                <a:bodyPr wrap="square" rtlCol="0">
+                  <a:spAutoFit/>
+                </a:bodyPr>
+                <a:lstStyle/>
+                <a:p>
+                  <a:r>
+                    <a:rPr lang="es-ES" sz="900" b="1" dirty="0">
+                      <a:solidFill>
+                        <a:srgbClr val="FF0000"/>
+                      </a:solidFill>
+                      <a:latin typeface="CMU Sans Serif" panose="02000603000000000000" pitchFamily="2" charset="0"/>
+                      <a:ea typeface="CMU Sans Serif" panose="02000603000000000000" pitchFamily="2" charset="0"/>
+                      <a:cs typeface="CMU Sans Serif" panose="02000603000000000000" pitchFamily="2" charset="0"/>
+                    </a:rPr>
+                    <a:t>0.0</a:t>
+                  </a:r>
+                </a:p>
+              </p:txBody>
+            </p:sp>
+            <p:sp>
+              <p:nvSpPr>
+                <p:cNvPr id="49" name="CuadroTexto 48">
+                  <a:extLst>
+                    <a:ext uri="{FF2B5EF4-FFF2-40B4-BE49-F238E27FC236}">
+                      <a16:creationId xmlns:a16="http://schemas.microsoft.com/office/drawing/2014/main" id="{B48E6445-00F1-9A13-4A16-0FA419E6E525}"/>
+                    </a:ext>
+                  </a:extLst>
+                </p:cNvPr>
+                <p:cNvSpPr txBox="1"/>
+                <p:nvPr/>
+              </p:nvSpPr>
+              <p:spPr>
+                <a:xfrm>
+                  <a:off x="6813771" y="2711597"/>
+                  <a:ext cx="535517" cy="230832"/>
+                </a:xfrm>
+                <a:prstGeom prst="rect">
+                  <a:avLst/>
+                </a:prstGeom>
+                <a:noFill/>
+              </p:spPr>
+              <p:txBody>
+                <a:bodyPr wrap="square" rtlCol="0">
+                  <a:spAutoFit/>
+                </a:bodyPr>
+                <a:lstStyle/>
+                <a:p>
+                  <a:r>
+                    <a:rPr lang="es-ES" sz="900" b="1" dirty="0">
+                      <a:solidFill>
+                        <a:srgbClr val="FF0000"/>
+                      </a:solidFill>
+                      <a:latin typeface="CMU Sans Serif" panose="02000603000000000000" pitchFamily="2" charset="0"/>
+                      <a:ea typeface="CMU Sans Serif" panose="02000603000000000000" pitchFamily="2" charset="0"/>
+                      <a:cs typeface="CMU Sans Serif" panose="02000603000000000000" pitchFamily="2" charset="0"/>
+                    </a:rPr>
+                    <a:t>0.25</a:t>
+                  </a:r>
+                </a:p>
+              </p:txBody>
+            </p:sp>
+            <p:sp>
+              <p:nvSpPr>
+                <p:cNvPr id="50" name="CuadroTexto 49">
+                  <a:extLst>
+                    <a:ext uri="{FF2B5EF4-FFF2-40B4-BE49-F238E27FC236}">
+                      <a16:creationId xmlns:a16="http://schemas.microsoft.com/office/drawing/2014/main" id="{084C1153-A2FB-D9EF-6437-1BFFB94CFAD9}"/>
+                    </a:ext>
+                  </a:extLst>
+                </p:cNvPr>
+                <p:cNvSpPr txBox="1"/>
+                <p:nvPr/>
+              </p:nvSpPr>
+              <p:spPr>
+                <a:xfrm>
+                  <a:off x="6966171" y="2863997"/>
+                  <a:ext cx="535517" cy="230832"/>
+                </a:xfrm>
+                <a:prstGeom prst="rect">
+                  <a:avLst/>
+                </a:prstGeom>
+                <a:noFill/>
+              </p:spPr>
+              <p:txBody>
+                <a:bodyPr wrap="square" rtlCol="0">
+                  <a:spAutoFit/>
+                </a:bodyPr>
+                <a:lstStyle/>
+                <a:p>
+                  <a:r>
+                    <a:rPr lang="es-ES" sz="900" b="1" dirty="0">
+                      <a:solidFill>
+                        <a:srgbClr val="FF0000"/>
+                      </a:solidFill>
+                      <a:latin typeface="CMU Sans Serif" panose="02000603000000000000" pitchFamily="2" charset="0"/>
+                      <a:ea typeface="CMU Sans Serif" panose="02000603000000000000" pitchFamily="2" charset="0"/>
+                      <a:cs typeface="CMU Sans Serif" panose="02000603000000000000" pitchFamily="2" charset="0"/>
+                    </a:rPr>
+                    <a:t>0.5</a:t>
+                  </a:r>
+                </a:p>
+              </p:txBody>
+            </p:sp>
+            <p:sp>
+              <p:nvSpPr>
+                <p:cNvPr id="51" name="CuadroTexto 50">
+                  <a:extLst>
+                    <a:ext uri="{FF2B5EF4-FFF2-40B4-BE49-F238E27FC236}">
+                      <a16:creationId xmlns:a16="http://schemas.microsoft.com/office/drawing/2014/main" id="{CCC74145-C687-EE0F-4EE7-514911B44EA4}"/>
+                    </a:ext>
+                  </a:extLst>
+                </p:cNvPr>
+                <p:cNvSpPr txBox="1"/>
+                <p:nvPr/>
+              </p:nvSpPr>
+              <p:spPr>
+                <a:xfrm>
+                  <a:off x="7323888" y="2816169"/>
+                  <a:ext cx="535517" cy="230832"/>
+                </a:xfrm>
+                <a:prstGeom prst="rect">
+                  <a:avLst/>
+                </a:prstGeom>
+                <a:noFill/>
+              </p:spPr>
+              <p:txBody>
+                <a:bodyPr wrap="square" rtlCol="0">
+                  <a:spAutoFit/>
+                </a:bodyPr>
+                <a:lstStyle/>
+                <a:p>
+                  <a:r>
+                    <a:rPr lang="es-ES" sz="900" b="1" dirty="0">
+                      <a:solidFill>
+                        <a:srgbClr val="FF0000"/>
+                      </a:solidFill>
+                      <a:latin typeface="CMU Sans Serif" panose="02000603000000000000" pitchFamily="2" charset="0"/>
+                      <a:ea typeface="CMU Sans Serif" panose="02000603000000000000" pitchFamily="2" charset="0"/>
+                      <a:cs typeface="CMU Sans Serif" panose="02000603000000000000" pitchFamily="2" charset="0"/>
+                    </a:rPr>
+                    <a:t>0.75</a:t>
+                  </a:r>
+                </a:p>
+              </p:txBody>
+            </p:sp>
+            <p:sp>
+              <p:nvSpPr>
+                <p:cNvPr id="52" name="CuadroTexto 51">
+                  <a:extLst>
+                    <a:ext uri="{FF2B5EF4-FFF2-40B4-BE49-F238E27FC236}">
+                      <a16:creationId xmlns:a16="http://schemas.microsoft.com/office/drawing/2014/main" id="{09132451-75D2-585F-8566-130DBC964F24}"/>
+                    </a:ext>
+                  </a:extLst>
+                </p:cNvPr>
+                <p:cNvSpPr txBox="1"/>
+                <p:nvPr/>
+              </p:nvSpPr>
+              <p:spPr>
+                <a:xfrm>
+                  <a:off x="7585542" y="2560989"/>
+                  <a:ext cx="535517" cy="230832"/>
+                </a:xfrm>
+                <a:prstGeom prst="rect">
+                  <a:avLst/>
+                </a:prstGeom>
+                <a:noFill/>
+              </p:spPr>
+              <p:txBody>
+                <a:bodyPr wrap="square" rtlCol="0">
+                  <a:spAutoFit/>
+                </a:bodyPr>
+                <a:lstStyle/>
+                <a:p>
+                  <a:r>
+                    <a:rPr lang="es-ES" sz="900" b="1" dirty="0">
+                      <a:solidFill>
+                        <a:srgbClr val="FF0000"/>
+                      </a:solidFill>
+                      <a:latin typeface="CMU Sans Serif" panose="02000603000000000000" pitchFamily="2" charset="0"/>
+                      <a:ea typeface="CMU Sans Serif" panose="02000603000000000000" pitchFamily="2" charset="0"/>
+                      <a:cs typeface="CMU Sans Serif" panose="02000603000000000000" pitchFamily="2" charset="0"/>
+                    </a:rPr>
+                    <a:t>1.0</a:t>
+                  </a:r>
+                </a:p>
+              </p:txBody>
+            </p:sp>
           </p:grpSp>
+          <mc:AlternateContent xmlns:mc="http://schemas.openxmlformats.org/markup-compatibility/2006" xmlns:a14="http://schemas.microsoft.com/office/drawing/2010/main">
+            <mc:Choice Requires="a14">
+              <p:sp>
+                <p:nvSpPr>
+                  <p:cNvPr id="16" name="CuadroTexto 15">
+                    <a:extLst>
+                      <a:ext uri="{FF2B5EF4-FFF2-40B4-BE49-F238E27FC236}">
+                        <a16:creationId xmlns:a16="http://schemas.microsoft.com/office/drawing/2014/main" id="{A984E693-27B7-ECE2-73F2-F33B3EC0A244}"/>
+                      </a:ext>
+                    </a:extLst>
+                  </p:cNvPr>
+                  <p:cNvSpPr txBox="1"/>
+                  <p:nvPr/>
+                </p:nvSpPr>
+                <p:spPr>
+                  <a:xfrm>
+                    <a:off x="4044376" y="1383653"/>
+                    <a:ext cx="1003160" cy="344005"/>
+                  </a:xfrm>
+                  <a:prstGeom prst="rect">
+                    <a:avLst/>
+                  </a:prstGeom>
+                  <a:noFill/>
+                  <a:effectLst>
+                    <a:glow rad="88900">
+                      <a:schemeClr val="bg1">
+                        <a:alpha val="60000"/>
+                      </a:schemeClr>
+                    </a:glow>
+                    <a:softEdge rad="0"/>
+                  </a:effectLst>
+                </p:spPr>
+                <p:txBody>
+                  <a:bodyPr wrap="none" lIns="0" tIns="0" rIns="0" bIns="0" rtlCol="0">
+                    <a:spAutoFit/>
+                  </a:bodyPr>
+                  <a:lstStyle/>
+                  <a:p>
+                    <a:pPr/>
+                    <a14:m>
+                      <m:oMathPara xmlns:m="http://schemas.openxmlformats.org/officeDocument/2006/math">
+                        <m:oMathParaPr>
+                          <m:jc m:val="centerGroup"/>
+                        </m:oMathParaPr>
+                        <m:oMath xmlns:m="http://schemas.openxmlformats.org/officeDocument/2006/math">
+                          <m:f>
+                            <m:fPr>
+                              <m:ctrlPr>
+                                <a:rPr lang="es-ES" sz="900" b="0" i="1" smtClean="0">
+                                  <a:solidFill>
+                                    <a:schemeClr val="tx1">
+                                      <a:alpha val="85000"/>
+                                    </a:schemeClr>
+                                  </a:solidFill>
+                                  <a:effectLst/>
+                                  <a:latin typeface="Cambria Math" panose="02040503050406030204" pitchFamily="18" charset="0"/>
+                                </a:rPr>
+                              </m:ctrlPr>
+                            </m:fPr>
+                            <m:num>
+                              <m:d>
+                                <m:dPr>
+                                  <m:ctrlPr>
+                                    <a:rPr lang="es-ES" sz="900" b="0" i="1" smtClean="0">
+                                      <a:solidFill>
+                                        <a:schemeClr val="tx1">
+                                          <a:alpha val="85000"/>
+                                        </a:schemeClr>
+                                      </a:solidFill>
+                                      <a:effectLst/>
+                                      <a:latin typeface="Cambria Math" panose="02040503050406030204" pitchFamily="18" charset="0"/>
+                                    </a:rPr>
+                                  </m:ctrlPr>
+                                </m:dPr>
+                                <m:e>
+                                  <m:sSub>
+                                    <m:sSubPr>
+                                      <m:ctrlPr>
+                                        <a:rPr lang="es-ES" sz="900" b="0" i="1" smtClean="0">
+                                          <a:solidFill>
+                                            <a:schemeClr val="tx1">
+                                              <a:alpha val="85000"/>
+                                            </a:schemeClr>
+                                          </a:solidFill>
+                                          <a:effectLst/>
+                                          <a:latin typeface="Cambria Math" panose="02040503050406030204" pitchFamily="18" charset="0"/>
+                                        </a:rPr>
+                                      </m:ctrlPr>
+                                    </m:sSubPr>
+                                    <m:e>
+                                      <m:r>
+                                        <a:rPr lang="es-ES" sz="900" b="0" i="1" smtClean="0">
+                                          <a:solidFill>
+                                            <a:schemeClr val="tx1">
+                                              <a:alpha val="85000"/>
+                                            </a:schemeClr>
+                                          </a:solidFill>
+                                          <a:effectLst/>
+                                          <a:latin typeface="Cambria Math" panose="02040503050406030204" pitchFamily="18" charset="0"/>
+                                        </a:rPr>
+                                        <m:t>𝑁</m:t>
+                                      </m:r>
+                                    </m:e>
+                                    <m:sub>
+                                      <m:r>
+                                        <m:rPr>
+                                          <m:sty m:val="p"/>
+                                        </m:rPr>
+                                        <a:rPr lang="es-ES" sz="900" b="0" i="0" smtClean="0">
+                                          <a:solidFill>
+                                            <a:schemeClr val="tx1">
+                                              <a:alpha val="85000"/>
+                                            </a:schemeClr>
+                                          </a:solidFill>
+                                          <a:effectLst/>
+                                          <a:latin typeface="Cambria Math" panose="02040503050406030204" pitchFamily="18" charset="0"/>
+                                        </a:rPr>
+                                        <m:t>LPC</m:t>
+                                      </m:r>
+                                    </m:sub>
+                                  </m:sSub>
+                                  <m:r>
+                                    <a:rPr lang="es-ES" sz="900" b="0" i="1" smtClean="0">
+                                      <a:solidFill>
+                                        <a:schemeClr val="tx1">
+                                          <a:alpha val="85000"/>
+                                        </a:schemeClr>
+                                      </a:solidFill>
+                                      <a:effectLst/>
+                                      <a:latin typeface="Cambria Math" panose="02040503050406030204" pitchFamily="18" charset="0"/>
+                                    </a:rPr>
+                                    <m:t>/</m:t>
+                                  </m:r>
+                                  <m:sSub>
+                                    <m:sSubPr>
+                                      <m:ctrlPr>
+                                        <a:rPr lang="es-ES" sz="900" b="0" i="1" smtClean="0">
+                                          <a:solidFill>
+                                            <a:schemeClr val="tx1">
+                                              <a:alpha val="85000"/>
+                                            </a:schemeClr>
+                                          </a:solidFill>
+                                          <a:effectLst/>
+                                          <a:latin typeface="Cambria Math" panose="02040503050406030204" pitchFamily="18" charset="0"/>
+                                        </a:rPr>
+                                      </m:ctrlPr>
+                                    </m:sSubPr>
+                                    <m:e>
+                                      <m:r>
+                                        <a:rPr lang="es-ES" sz="900" b="0" i="1" smtClean="0">
+                                          <a:solidFill>
+                                            <a:schemeClr val="tx1">
+                                              <a:alpha val="85000"/>
+                                            </a:schemeClr>
+                                          </a:solidFill>
+                                          <a:effectLst/>
+                                          <a:latin typeface="Cambria Math" panose="02040503050406030204" pitchFamily="18" charset="0"/>
+                                        </a:rPr>
+                                        <m:t>𝑁</m:t>
+                                      </m:r>
+                                    </m:e>
+                                    <m:sub>
+                                      <m:r>
+                                        <m:rPr>
+                                          <m:sty m:val="p"/>
+                                        </m:rPr>
+                                        <a:rPr lang="es-ES" sz="900" b="0" i="0" smtClean="0">
+                                          <a:solidFill>
+                                            <a:schemeClr val="tx1">
+                                              <a:alpha val="85000"/>
+                                            </a:schemeClr>
+                                          </a:solidFill>
+                                          <a:effectLst/>
+                                          <a:latin typeface="Cambria Math" panose="02040503050406030204" pitchFamily="18" charset="0"/>
+                                        </a:rPr>
+                                        <m:t>LPC</m:t>
+                                      </m:r>
+                                      <m:r>
+                                        <a:rPr lang="es-ES" sz="900" b="0" i="0" smtClean="0">
+                                          <a:solidFill>
+                                            <a:schemeClr val="tx1">
+                                              <a:alpha val="85000"/>
+                                            </a:schemeClr>
+                                          </a:solidFill>
+                                          <a:effectLst/>
+                                          <a:latin typeface="Cambria Math" panose="02040503050406030204" pitchFamily="18" charset="0"/>
+                                        </a:rPr>
+                                        <m:t>,</m:t>
+                                      </m:r>
+                                      <m:r>
+                                        <m:rPr>
+                                          <m:sty m:val="p"/>
+                                        </m:rPr>
+                                        <a:rPr lang="es-ES" sz="900" b="0" i="0" smtClean="0">
+                                          <a:solidFill>
+                                            <a:schemeClr val="tx1">
+                                              <a:alpha val="85000"/>
+                                            </a:schemeClr>
+                                          </a:solidFill>
+                                          <a:effectLst/>
+                                          <a:latin typeface="Cambria Math" panose="02040503050406030204" pitchFamily="18" charset="0"/>
+                                        </a:rPr>
+                                        <m:t>ref</m:t>
+                                      </m:r>
+                                    </m:sub>
+                                  </m:sSub>
+                                </m:e>
+                              </m:d>
+                            </m:num>
+                            <m:den>
+                              <m:rad>
+                                <m:radPr>
+                                  <m:degHide m:val="on"/>
+                                  <m:ctrlPr>
+                                    <a:rPr lang="es-ES" sz="900" b="0" i="1" smtClean="0">
+                                      <a:solidFill>
+                                        <a:schemeClr val="tx1">
+                                          <a:alpha val="85000"/>
+                                        </a:schemeClr>
+                                      </a:solidFill>
+                                      <a:effectLst/>
+                                      <a:latin typeface="Cambria Math" panose="02040503050406030204" pitchFamily="18" charset="0"/>
+                                    </a:rPr>
+                                  </m:ctrlPr>
+                                </m:radPr>
+                                <m:deg/>
+                                <m:e>
+                                  <m:sSub>
+                                    <m:sSubPr>
+                                      <m:ctrlPr>
+                                        <a:rPr lang="es-ES" sz="900" b="0" i="1" smtClean="0">
+                                          <a:solidFill>
+                                            <a:schemeClr val="tx1">
+                                              <a:alpha val="85000"/>
+                                            </a:schemeClr>
+                                          </a:solidFill>
+                                          <a:effectLst/>
+                                          <a:latin typeface="Cambria Math" panose="02040503050406030204" pitchFamily="18" charset="0"/>
+                                        </a:rPr>
+                                      </m:ctrlPr>
+                                    </m:sSubPr>
+                                    <m:e>
+                                      <m:r>
+                                        <a:rPr lang="es-ES" sz="900" b="0" i="1" smtClean="0">
+                                          <a:solidFill>
+                                            <a:schemeClr val="tx1">
+                                              <a:alpha val="85000"/>
+                                            </a:schemeClr>
+                                          </a:solidFill>
+                                          <a:effectLst/>
+                                          <a:latin typeface="Cambria Math" panose="02040503050406030204" pitchFamily="18" charset="0"/>
+                                        </a:rPr>
+                                        <m:t>𝑇</m:t>
+                                      </m:r>
+                                    </m:e>
+                                    <m:sub>
+                                      <m:r>
+                                        <a:rPr lang="es-ES" sz="900" b="0" i="1" smtClean="0">
+                                          <a:solidFill>
+                                            <a:schemeClr val="tx1">
+                                              <a:alpha val="85000"/>
+                                            </a:schemeClr>
+                                          </a:solidFill>
+                                          <a:effectLst/>
+                                          <a:latin typeface="Cambria Math" panose="02040503050406030204" pitchFamily="18" charset="0"/>
+                                        </a:rPr>
+                                        <m:t>2</m:t>
+                                      </m:r>
+                                      <m:r>
+                                        <m:rPr>
+                                          <m:sty m:val="p"/>
+                                        </m:rPr>
+                                        <a:rPr lang="es-ES" sz="900" b="0" i="0" smtClean="0">
+                                          <a:solidFill>
+                                            <a:schemeClr val="tx1">
+                                              <a:alpha val="85000"/>
+                                            </a:schemeClr>
+                                          </a:solidFill>
+                                          <a:effectLst/>
+                                          <a:latin typeface="Cambria Math" panose="02040503050406030204" pitchFamily="18" charset="0"/>
+                                        </a:rPr>
+                                        <m:t>t</m:t>
+                                      </m:r>
+                                    </m:sub>
+                                  </m:sSub>
+                                  <m:r>
+                                    <a:rPr lang="es-ES" sz="900" b="0" i="1" smtClean="0">
+                                      <a:solidFill>
+                                        <a:schemeClr val="tx1">
+                                          <a:alpha val="85000"/>
+                                        </a:schemeClr>
+                                      </a:solidFill>
+                                      <a:effectLst/>
+                                      <a:latin typeface="Cambria Math" panose="02040503050406030204" pitchFamily="18" charset="0"/>
+                                    </a:rPr>
+                                    <m:t>/</m:t>
+                                  </m:r>
+                                  <m:sSub>
+                                    <m:sSubPr>
+                                      <m:ctrlPr>
+                                        <a:rPr lang="es-ES" sz="900" b="0" i="1" smtClean="0">
+                                          <a:solidFill>
+                                            <a:schemeClr val="tx1">
+                                              <a:alpha val="85000"/>
+                                            </a:schemeClr>
+                                          </a:solidFill>
+                                          <a:effectLst/>
+                                          <a:latin typeface="Cambria Math" panose="02040503050406030204" pitchFamily="18" charset="0"/>
+                                        </a:rPr>
+                                      </m:ctrlPr>
+                                    </m:sSubPr>
+                                    <m:e>
+                                      <m:r>
+                                        <a:rPr lang="es-ES" sz="900" b="0" i="1" smtClean="0">
+                                          <a:solidFill>
+                                            <a:schemeClr val="tx1">
+                                              <a:alpha val="85000"/>
+                                            </a:schemeClr>
+                                          </a:solidFill>
+                                          <a:effectLst/>
+                                          <a:latin typeface="Cambria Math" panose="02040503050406030204" pitchFamily="18" charset="0"/>
+                                        </a:rPr>
+                                        <m:t>𝑇</m:t>
+                                      </m:r>
+                                    </m:e>
+                                    <m:sub>
+                                      <m:r>
+                                        <m:rPr>
+                                          <m:sty m:val="p"/>
+                                        </m:rPr>
+                                        <a:rPr lang="es-ES" sz="900" b="0" i="0" smtClean="0">
+                                          <a:solidFill>
+                                            <a:schemeClr val="tx1">
+                                              <a:alpha val="85000"/>
+                                            </a:schemeClr>
+                                          </a:solidFill>
+                                          <a:effectLst/>
+                                          <a:latin typeface="Cambria Math" panose="02040503050406030204" pitchFamily="18" charset="0"/>
+                                        </a:rPr>
+                                        <m:t>ref</m:t>
+                                      </m:r>
+                                    </m:sub>
+                                  </m:sSub>
+                                </m:e>
+                              </m:rad>
+                            </m:den>
+                          </m:f>
+                          <m:r>
+                            <a:rPr lang="es-ES" sz="900" b="0" i="1" smtClean="0">
+                              <a:solidFill>
+                                <a:schemeClr val="tx1">
+                                  <a:alpha val="85000"/>
+                                </a:schemeClr>
+                              </a:solidFill>
+                              <a:effectLst/>
+                              <a:latin typeface="Cambria Math" panose="02040503050406030204" pitchFamily="18" charset="0"/>
+                            </a:rPr>
+                            <m:t> </m:t>
+                          </m:r>
+                          <m:r>
+                            <a:rPr lang="es-ES" sz="900" b="0" i="0" cap="none" baseline="0" smtClean="0">
+                              <a:solidFill>
+                                <a:schemeClr val="tx1">
+                                  <a:alpha val="85000"/>
+                                </a:schemeClr>
+                              </a:solidFill>
+                              <a:effectLst/>
+                              <a:latin typeface="Cambria Math" panose="02040503050406030204" pitchFamily="18" charset="0"/>
+                            </a:rPr>
+                            <m:t>[−]</m:t>
+                          </m:r>
+                        </m:oMath>
+                      </m:oMathPara>
+                    </a14:m>
+                    <a:endParaRPr lang="es-ES" sz="900" dirty="0">
+                      <a:solidFill>
+                        <a:schemeClr val="tx1">
+                          <a:alpha val="85000"/>
+                        </a:schemeClr>
+                      </a:solidFill>
+                      <a:effectLst/>
+                      <a:latin typeface="Cambria" panose="02040503050406030204" pitchFamily="18" charset="0"/>
+                      <a:ea typeface="Cambria" panose="02040503050406030204" pitchFamily="18" charset="0"/>
+                      <a:cs typeface="Calibri Light" panose="020F0302020204030204" pitchFamily="34" charset="0"/>
+                    </a:endParaRPr>
+                  </a:p>
+                </p:txBody>
+              </p:sp>
+            </mc:Choice>
+            <mc:Fallback xmlns="">
+              <p:sp>
+                <p:nvSpPr>
+                  <p:cNvPr id="16" name="CuadroTexto 15">
+                    <a:extLst>
+                      <a:ext uri="{FF2B5EF4-FFF2-40B4-BE49-F238E27FC236}">
+                        <a16:creationId xmlns:a16="http://schemas.microsoft.com/office/drawing/2014/main" id="{A984E693-27B7-ECE2-73F2-F33B3EC0A244}"/>
+                      </a:ext>
+                    </a:extLst>
+                  </p:cNvPr>
+                  <p:cNvSpPr txBox="1">
+                    <a:spLocks noRot="1" noChangeAspect="1" noMove="1" noResize="1" noEditPoints="1" noAdjustHandles="1" noChangeArrowheads="1" noChangeShapeType="1" noTextEdit="1"/>
+                  </p:cNvSpPr>
+                  <p:nvPr/>
+                </p:nvSpPr>
+                <p:spPr>
+                  <a:xfrm>
+                    <a:off x="4044376" y="1383653"/>
+                    <a:ext cx="1003160" cy="344005"/>
+                  </a:xfrm>
+                  <a:prstGeom prst="rect">
+                    <a:avLst/>
+                  </a:prstGeom>
+                  <a:blipFill>
+                    <a:blip r:embed="rId7"/>
+                    <a:stretch>
+                      <a:fillRect/>
+                    </a:stretch>
+                  </a:blipFill>
+                  <a:effectLst>
+                    <a:glow rad="88900">
+                      <a:schemeClr val="bg1">
+                        <a:alpha val="60000"/>
+                      </a:schemeClr>
+                    </a:glow>
+                    <a:softEdge rad="0"/>
+                  </a:effectLst>
+                </p:spPr>
+                <p:txBody>
+                  <a:bodyPr/>
+                  <a:lstStyle/>
+                  <a:p>
+                    <a:r>
+                      <a:rPr lang="es-ES">
+                        <a:noFill/>
+                      </a:rPr>
+                      <a:t> </a:t>
+                    </a:r>
+                  </a:p>
+                </p:txBody>
+              </p:sp>
+            </mc:Fallback>
+          </mc:AlternateContent>
           <p:cxnSp>
             <p:nvCxnSpPr>
-              <p:cNvPr id="39" name="Conector recto 38">
+              <p:cNvPr id="18" name="Conector recto 17">
                 <a:extLst>
                   <a:ext uri="{FF2B5EF4-FFF2-40B4-BE49-F238E27FC236}">
-                    <a16:creationId xmlns:a16="http://schemas.microsoft.com/office/drawing/2014/main" id="{5D870026-8BF9-0544-5FA8-152CB3F3CA36}"/>
+                    <a16:creationId xmlns:a16="http://schemas.microsoft.com/office/drawing/2014/main" id="{6B872781-889C-D3B1-B88D-EEF167890B03}"/>
                   </a:ext>
                 </a:extLst>
               </p:cNvPr>
@@ -3628,8 +4868,8 @@
             </p:nvCxnSpPr>
             <p:spPr>
               <a:xfrm>
-                <a:off x="8267620" y="3190875"/>
-                <a:ext cx="467158" cy="598795"/>
+                <a:off x="4553339" y="1796143"/>
+                <a:ext cx="168239" cy="313468"/>
               </a:xfrm>
               <a:prstGeom prst="line">
                 <a:avLst/>
@@ -3655,224 +4895,14 @@
               </a:fontRef>
             </p:style>
           </p:cxnSp>
-          <p:sp>
-            <p:nvSpPr>
-              <p:cNvPr id="41" name="CuadroTexto 40">
-                <a:extLst>
-                  <a:ext uri="{FF2B5EF4-FFF2-40B4-BE49-F238E27FC236}">
-                    <a16:creationId xmlns:a16="http://schemas.microsoft.com/office/drawing/2014/main" id="{9809CCC5-72D2-BCFC-AFCD-665B04815729}"/>
-                  </a:ext>
-                </a:extLst>
-              </p:cNvPr>
-              <p:cNvSpPr txBox="1"/>
-              <p:nvPr/>
-            </p:nvSpPr>
-            <p:spPr>
-              <a:xfrm>
-                <a:off x="2307468" y="2414489"/>
-                <a:ext cx="535517" cy="230832"/>
-              </a:xfrm>
-              <a:prstGeom prst="rect">
-                <a:avLst/>
-              </a:prstGeom>
-              <a:noFill/>
-            </p:spPr>
-            <p:txBody>
-              <a:bodyPr wrap="square" rtlCol="0">
-                <a:spAutoFit/>
-              </a:bodyPr>
-              <a:lstStyle/>
-              <a:p>
-                <a:r>
-                  <a:rPr lang="es-ES" sz="900" b="1" dirty="0">
-                    <a:solidFill>
-                      <a:srgbClr val="FF0000"/>
-                    </a:solidFill>
-                    <a:latin typeface="CMU Sans Serif" panose="02000603000000000000" pitchFamily="2" charset="0"/>
-                    <a:ea typeface="CMU Sans Serif" panose="02000603000000000000" pitchFamily="2" charset="0"/>
-                    <a:cs typeface="CMU Sans Serif" panose="02000603000000000000" pitchFamily="2" charset="0"/>
-                  </a:rPr>
-                  <a:t>0.0</a:t>
-                </a:r>
-              </a:p>
-            </p:txBody>
-          </p:sp>
-          <p:sp>
-            <p:nvSpPr>
-              <p:cNvPr id="42" name="CuadroTexto 41">
-                <a:extLst>
-                  <a:ext uri="{FF2B5EF4-FFF2-40B4-BE49-F238E27FC236}">
-                    <a16:creationId xmlns:a16="http://schemas.microsoft.com/office/drawing/2014/main" id="{6EC069BF-BF4D-8690-6AE1-24F0CD92B802}"/>
-                  </a:ext>
-                </a:extLst>
-              </p:cNvPr>
-              <p:cNvSpPr txBox="1"/>
-              <p:nvPr/>
-            </p:nvSpPr>
-            <p:spPr>
-              <a:xfrm>
-                <a:off x="1460838" y="2711597"/>
-                <a:ext cx="535517" cy="230832"/>
-              </a:xfrm>
-              <a:prstGeom prst="rect">
-                <a:avLst/>
-              </a:prstGeom>
-              <a:noFill/>
-            </p:spPr>
-            <p:txBody>
-              <a:bodyPr wrap="square" rtlCol="0">
-                <a:spAutoFit/>
-              </a:bodyPr>
-              <a:lstStyle/>
-              <a:p>
-                <a:r>
-                  <a:rPr lang="es-ES" sz="900" b="1" dirty="0">
-                    <a:solidFill>
-                      <a:srgbClr val="FF0000"/>
-                    </a:solidFill>
-                    <a:latin typeface="CMU Sans Serif" panose="02000603000000000000" pitchFamily="2" charset="0"/>
-                    <a:ea typeface="CMU Sans Serif" panose="02000603000000000000" pitchFamily="2" charset="0"/>
-                    <a:cs typeface="CMU Sans Serif" panose="02000603000000000000" pitchFamily="2" charset="0"/>
-                  </a:rPr>
-                  <a:t>0.25</a:t>
-                </a:r>
-              </a:p>
-            </p:txBody>
-          </p:sp>
-          <p:sp>
-            <p:nvSpPr>
-              <p:cNvPr id="43" name="CuadroTexto 42">
-                <a:extLst>
-                  <a:ext uri="{FF2B5EF4-FFF2-40B4-BE49-F238E27FC236}">
-                    <a16:creationId xmlns:a16="http://schemas.microsoft.com/office/drawing/2014/main" id="{F8D13F44-0761-CB65-F7C5-752D289621F8}"/>
-                  </a:ext>
-                </a:extLst>
-              </p:cNvPr>
-              <p:cNvSpPr txBox="1"/>
-              <p:nvPr/>
-            </p:nvSpPr>
-            <p:spPr>
-              <a:xfrm>
-                <a:off x="1791903" y="2536617"/>
-                <a:ext cx="535517" cy="230832"/>
-              </a:xfrm>
-              <a:prstGeom prst="rect">
-                <a:avLst/>
-              </a:prstGeom>
-              <a:noFill/>
-            </p:spPr>
-            <p:txBody>
-              <a:bodyPr wrap="square" rtlCol="0">
-                <a:spAutoFit/>
-              </a:bodyPr>
-              <a:lstStyle/>
-              <a:p>
-                <a:r>
-                  <a:rPr lang="es-ES" sz="900" b="1" dirty="0">
-                    <a:solidFill>
-                      <a:srgbClr val="FF0000"/>
-                    </a:solidFill>
-                    <a:latin typeface="CMU Sans Serif" panose="02000603000000000000" pitchFamily="2" charset="0"/>
-                    <a:ea typeface="CMU Sans Serif" panose="02000603000000000000" pitchFamily="2" charset="0"/>
-                    <a:cs typeface="CMU Sans Serif" panose="02000603000000000000" pitchFamily="2" charset="0"/>
-                  </a:rPr>
-                  <a:t>0.5</a:t>
-                </a:r>
-              </a:p>
-            </p:txBody>
-          </p:sp>
-          <p:sp>
-            <p:nvSpPr>
-              <p:cNvPr id="44" name="CuadroTexto 43">
-                <a:extLst>
-                  <a:ext uri="{FF2B5EF4-FFF2-40B4-BE49-F238E27FC236}">
-                    <a16:creationId xmlns:a16="http://schemas.microsoft.com/office/drawing/2014/main" id="{7BC8851C-D1D6-013E-2829-9B777D45E26F}"/>
-                  </a:ext>
-                </a:extLst>
-              </p:cNvPr>
-              <p:cNvSpPr txBox="1"/>
-              <p:nvPr/>
-            </p:nvSpPr>
-            <p:spPr>
-              <a:xfrm>
-                <a:off x="1828786" y="2382508"/>
-                <a:ext cx="535517" cy="230832"/>
-              </a:xfrm>
-              <a:prstGeom prst="rect">
-                <a:avLst/>
-              </a:prstGeom>
-              <a:noFill/>
-            </p:spPr>
-            <p:txBody>
-              <a:bodyPr wrap="square" rtlCol="0">
-                <a:spAutoFit/>
-              </a:bodyPr>
-              <a:lstStyle/>
-              <a:p>
-                <a:r>
-                  <a:rPr lang="es-ES" sz="900" b="1" dirty="0">
-                    <a:solidFill>
-                      <a:srgbClr val="FF0000"/>
-                    </a:solidFill>
-                    <a:latin typeface="CMU Sans Serif" panose="02000603000000000000" pitchFamily="2" charset="0"/>
-                    <a:ea typeface="CMU Sans Serif" panose="02000603000000000000" pitchFamily="2" charset="0"/>
-                    <a:cs typeface="CMU Sans Serif" panose="02000603000000000000" pitchFamily="2" charset="0"/>
-                  </a:rPr>
-                  <a:t>0.75</a:t>
-                </a:r>
-              </a:p>
-            </p:txBody>
-          </p:sp>
-          <p:sp>
-            <p:nvSpPr>
-              <p:cNvPr id="45" name="CuadroTexto 44">
-                <a:extLst>
-                  <a:ext uri="{FF2B5EF4-FFF2-40B4-BE49-F238E27FC236}">
-                    <a16:creationId xmlns:a16="http://schemas.microsoft.com/office/drawing/2014/main" id="{0368D837-7FA4-41D0-EFFA-833FD26B2E1D}"/>
-                  </a:ext>
-                </a:extLst>
-              </p:cNvPr>
-              <p:cNvSpPr txBox="1"/>
-              <p:nvPr/>
-            </p:nvSpPr>
-            <p:spPr>
-              <a:xfrm>
-                <a:off x="2109914" y="2081621"/>
-                <a:ext cx="535517" cy="230832"/>
-              </a:xfrm>
-              <a:prstGeom prst="rect">
-                <a:avLst/>
-              </a:prstGeom>
-              <a:noFill/>
-            </p:spPr>
-            <p:txBody>
-              <a:bodyPr wrap="square" rtlCol="0">
-                <a:spAutoFit/>
-              </a:bodyPr>
-              <a:lstStyle/>
-              <a:p>
-                <a:r>
-                  <a:rPr lang="es-ES" sz="900" b="1" dirty="0">
-                    <a:solidFill>
-                      <a:srgbClr val="FF0000"/>
-                    </a:solidFill>
-                    <a:latin typeface="CMU Sans Serif" panose="02000603000000000000" pitchFamily="2" charset="0"/>
-                    <a:ea typeface="CMU Sans Serif" panose="02000603000000000000" pitchFamily="2" charset="0"/>
-                    <a:cs typeface="CMU Sans Serif" panose="02000603000000000000" pitchFamily="2" charset="0"/>
-                  </a:rPr>
-                  <a:t>1.0</a:t>
-                </a:r>
-              </a:p>
-            </p:txBody>
-          </p:sp>
-          <mc:AlternateContent xmlns:mc="http://schemas.openxmlformats.org/markup-compatibility/2006">
-            <mc:Choice xmlns:a14="http://schemas.microsoft.com/office/drawing/2010/main" Requires="a14">
+          <mc:AlternateContent xmlns:mc="http://schemas.openxmlformats.org/markup-compatibility/2006" xmlns:a14="http://schemas.microsoft.com/office/drawing/2010/main">
+            <mc:Choice Requires="a14">
               <p:sp>
                 <p:nvSpPr>
-                  <p:cNvPr id="46" name="CuadroTexto 45">
+                  <p:cNvPr id="21" name="CuadroTexto 20">
                     <a:extLst>
                       <a:ext uri="{FF2B5EF4-FFF2-40B4-BE49-F238E27FC236}">
-                        <a16:creationId xmlns:a16="http://schemas.microsoft.com/office/drawing/2014/main" id="{D5CC3603-9960-ABB7-1B72-BCB8012BE006}"/>
+                        <a16:creationId xmlns:a16="http://schemas.microsoft.com/office/drawing/2014/main" id="{1E688612-B3DE-086E-8469-DAF493032BFE}"/>
                       </a:ext>
                     </a:extLst>
                   </p:cNvPr>
@@ -3881,103 +4911,442 @@
                 </p:nvSpPr>
                 <p:spPr>
                   <a:xfrm>
-                    <a:off x="1605302" y="1204284"/>
-                    <a:ext cx="593150" cy="261610"/>
+                    <a:off x="9576054" y="4270190"/>
+                    <a:ext cx="1037272" cy="322011"/>
                   </a:xfrm>
                   <a:prstGeom prst="rect">
                     <a:avLst/>
                   </a:prstGeom>
                   <a:noFill/>
-                  <a:ln w="9525">
-                    <a:solidFill>
-                      <a:schemeClr val="tx1"/>
-                    </a:solidFill>
-                  </a:ln>
                 </p:spPr>
                 <p:txBody>
-                  <a:bodyPr wrap="square" rtlCol="0">
+                  <a:bodyPr wrap="none" lIns="0" tIns="0" rIns="0" bIns="0" rtlCol="0">
                     <a:spAutoFit/>
                   </a:bodyPr>
                   <a:lstStyle/>
                   <a:p>
-                    <a:r>
-                      <a:rPr lang="es-ES" sz="1100" i="1" dirty="0">
-                        <a:solidFill>
-                          <a:srgbClr val="FF0000"/>
-                        </a:solidFill>
-                        <a:latin typeface="CMU Serif" panose="02000603000000000000" pitchFamily="2" charset="0"/>
-                        <a:ea typeface="CMU Serif" panose="02000603000000000000" pitchFamily="2" charset="0"/>
-                        <a:cs typeface="CMU Serif" panose="02000603000000000000" pitchFamily="2" charset="0"/>
-                      </a:rPr>
-                      <a:t>M</a:t>
-                    </a:r>
-                    <a:r>
-                      <a:rPr lang="es-ES" sz="1100" baseline="-25000" dirty="0">
-                        <a:solidFill>
-                          <a:srgbClr val="FF0000"/>
-                        </a:solidFill>
-                        <a:latin typeface="CMU Serif" panose="02000603000000000000" pitchFamily="2" charset="0"/>
-                        <a:ea typeface="CMU Serif" panose="02000603000000000000" pitchFamily="2" charset="0"/>
-                        <a:cs typeface="CMU Serif" panose="02000603000000000000" pitchFamily="2" charset="0"/>
-                      </a:rPr>
-                      <a:t>0 </a:t>
-                    </a:r>
+                    <a:pPr/>
                     <a14:m>
-                      <m:oMath xmlns:m="http://schemas.openxmlformats.org/officeDocument/2006/math">
-                        <m:r>
-                          <a:rPr lang="es-ES" sz="1100" b="0" i="0" dirty="0" smtClean="0">
-                            <a:solidFill>
-                              <a:srgbClr val="FF0000"/>
-                            </a:solidFill>
-                            <a:latin typeface="Cambria Math" panose="02040503050406030204" pitchFamily="18" charset="0"/>
-                            <a:ea typeface="Adobe Ming Std L" panose="02020300000000000000" pitchFamily="18" charset="-128"/>
-                            <a:cs typeface="CMU Serif" panose="02000603000000000000" pitchFamily="2" charset="0"/>
-                          </a:rPr>
-                          <m:t>[</m:t>
-                        </m:r>
-                        <m:r>
-                          <a:rPr lang="es-ES" sz="1100" i="1" dirty="0" smtClean="0">
-                            <a:solidFill>
-                              <a:srgbClr val="FF0000"/>
-                            </a:solidFill>
-                            <a:latin typeface="Cambria Math" panose="02040503050406030204" pitchFamily="18" charset="0"/>
-                            <a:ea typeface="Adobe Ming Std L" panose="02020300000000000000" pitchFamily="18" charset="-128"/>
-                            <a:cs typeface="CMU Serif" panose="02000603000000000000" pitchFamily="2" charset="0"/>
-                          </a:rPr>
-                          <m:t>−</m:t>
-                        </m:r>
-                        <m:r>
-                          <a:rPr lang="es-ES" sz="1100" b="0" i="0" dirty="0" smtClean="0">
-                            <a:solidFill>
-                              <a:srgbClr val="FF0000"/>
-                            </a:solidFill>
-                            <a:latin typeface="Cambria Math" panose="02040503050406030204" pitchFamily="18" charset="0"/>
-                            <a:ea typeface="Adobe Ming Std L" panose="02020300000000000000" pitchFamily="18" charset="-128"/>
-                            <a:cs typeface="CMU Serif" panose="02000603000000000000" pitchFamily="2" charset="0"/>
-                          </a:rPr>
-                          <m:t>]</m:t>
-                        </m:r>
-                      </m:oMath>
+                      <m:oMathPara xmlns:m="http://schemas.openxmlformats.org/officeDocument/2006/math">
+                        <m:oMathParaPr>
+                          <m:jc m:val="centerGroup"/>
+                        </m:oMathParaPr>
+                        <m:oMath xmlns:m="http://schemas.openxmlformats.org/officeDocument/2006/math">
+                          <m:f>
+                            <m:fPr>
+                              <m:ctrlPr>
+                                <a:rPr lang="es-ES" sz="900" b="0" i="1" smtClean="0">
+                                  <a:ln w="0">
+                                    <a:noFill/>
+                                  </a:ln>
+                                  <a:solidFill>
+                                    <a:schemeClr val="tx1">
+                                      <a:alpha val="80000"/>
+                                    </a:schemeClr>
+                                  </a:solidFill>
+                                  <a:effectLst/>
+                                  <a:latin typeface="Cambria Math" panose="02040503050406030204" pitchFamily="18" charset="0"/>
+                                </a:rPr>
+                              </m:ctrlPr>
+                            </m:fPr>
+                            <m:num>
+                              <m:sSub>
+                                <m:sSubPr>
+                                  <m:ctrlPr>
+                                    <a:rPr lang="es-ES" sz="900" b="0" i="1" smtClean="0">
+                                      <a:ln w="0">
+                                        <a:noFill/>
+                                      </a:ln>
+                                      <a:solidFill>
+                                        <a:schemeClr val="tx1">
+                                          <a:alpha val="80000"/>
+                                        </a:schemeClr>
+                                      </a:solidFill>
+                                      <a:effectLst/>
+                                      <a:latin typeface="Cambria Math" panose="02040503050406030204" pitchFamily="18" charset="0"/>
+                                    </a:rPr>
+                                  </m:ctrlPr>
+                                </m:sSubPr>
+                                <m:e>
+                                  <m:r>
+                                    <a:rPr lang="es-ES" sz="900" b="0" i="1" smtClean="0">
+                                      <a:ln w="0">
+                                        <a:noFill/>
+                                      </a:ln>
+                                      <a:solidFill>
+                                        <a:schemeClr val="tx1">
+                                          <a:alpha val="80000"/>
+                                        </a:schemeClr>
+                                      </a:solidFill>
+                                      <a:effectLst/>
+                                      <a:latin typeface="Cambria Math" panose="02040503050406030204" pitchFamily="18" charset="0"/>
+                                    </a:rPr>
+                                    <m:t>(</m:t>
+                                  </m:r>
+                                  <m:r>
+                                    <a:rPr lang="es-ES" sz="900" b="0" i="1" smtClean="0">
+                                      <a:ln w="0">
+                                        <a:noFill/>
+                                      </a:ln>
+                                      <a:solidFill>
+                                        <a:schemeClr val="tx1">
+                                          <a:alpha val="80000"/>
+                                        </a:schemeClr>
+                                      </a:solidFill>
+                                      <a:effectLst/>
+                                      <a:latin typeface="Cambria Math" panose="02040503050406030204" pitchFamily="18" charset="0"/>
+                                    </a:rPr>
+                                    <m:t>𝑁</m:t>
+                                  </m:r>
+                                </m:e>
+                                <m:sub>
+                                  <m:r>
+                                    <m:rPr>
+                                      <m:sty m:val="p"/>
+                                    </m:rPr>
+                                    <a:rPr lang="es-ES" sz="900" b="0" i="0" smtClean="0">
+                                      <a:ln w="0">
+                                        <a:noFill/>
+                                      </a:ln>
+                                      <a:solidFill>
+                                        <a:schemeClr val="tx1">
+                                          <a:alpha val="80000"/>
+                                        </a:schemeClr>
+                                      </a:solidFill>
+                                      <a:effectLst/>
+                                      <a:latin typeface="Cambria Math" panose="02040503050406030204" pitchFamily="18" charset="0"/>
+                                    </a:rPr>
+                                    <m:t>HPC</m:t>
+                                  </m:r>
+                                </m:sub>
+                              </m:sSub>
+                              <m:r>
+                                <a:rPr lang="es-ES" sz="900" b="0" i="1" smtClean="0">
+                                  <a:ln w="0">
+                                    <a:noFill/>
+                                  </a:ln>
+                                  <a:solidFill>
+                                    <a:schemeClr val="tx1">
+                                      <a:alpha val="80000"/>
+                                    </a:schemeClr>
+                                  </a:solidFill>
+                                  <a:effectLst/>
+                                  <a:latin typeface="Cambria Math" panose="02040503050406030204" pitchFamily="18" charset="0"/>
+                                </a:rPr>
+                                <m:t>/</m:t>
+                              </m:r>
+                              <m:sSub>
+                                <m:sSubPr>
+                                  <m:ctrlPr>
+                                    <a:rPr lang="es-ES" sz="900" b="0" i="1" smtClean="0">
+                                      <a:ln w="0">
+                                        <a:noFill/>
+                                      </a:ln>
+                                      <a:solidFill>
+                                        <a:schemeClr val="tx1">
+                                          <a:alpha val="80000"/>
+                                        </a:schemeClr>
+                                      </a:solidFill>
+                                      <a:effectLst/>
+                                      <a:latin typeface="Cambria Math" panose="02040503050406030204" pitchFamily="18" charset="0"/>
+                                    </a:rPr>
+                                  </m:ctrlPr>
+                                </m:sSubPr>
+                                <m:e>
+                                  <m:r>
+                                    <a:rPr lang="es-ES" sz="900" b="0" i="1" smtClean="0">
+                                      <a:ln w="0">
+                                        <a:noFill/>
+                                      </a:ln>
+                                      <a:solidFill>
+                                        <a:schemeClr val="tx1">
+                                          <a:alpha val="80000"/>
+                                        </a:schemeClr>
+                                      </a:solidFill>
+                                      <a:effectLst/>
+                                      <a:latin typeface="Cambria Math" panose="02040503050406030204" pitchFamily="18" charset="0"/>
+                                    </a:rPr>
+                                    <m:t>𝑁</m:t>
+                                  </m:r>
+                                </m:e>
+                                <m:sub>
+                                  <m:r>
+                                    <m:rPr>
+                                      <m:sty m:val="p"/>
+                                    </m:rPr>
+                                    <a:rPr lang="es-ES" sz="900" b="0" i="0" smtClean="0">
+                                      <a:ln w="0">
+                                        <a:noFill/>
+                                      </a:ln>
+                                      <a:solidFill>
+                                        <a:schemeClr val="tx1">
+                                          <a:alpha val="80000"/>
+                                        </a:schemeClr>
+                                      </a:solidFill>
+                                      <a:effectLst/>
+                                      <a:latin typeface="Cambria Math" panose="02040503050406030204" pitchFamily="18" charset="0"/>
+                                    </a:rPr>
+                                    <m:t>HPC</m:t>
+                                  </m:r>
+                                  <m:r>
+                                    <a:rPr lang="es-ES" sz="900" b="0" i="0" smtClean="0">
+                                      <a:ln w="0">
+                                        <a:noFill/>
+                                      </a:ln>
+                                      <a:solidFill>
+                                        <a:schemeClr val="tx1">
+                                          <a:alpha val="80000"/>
+                                        </a:schemeClr>
+                                      </a:solidFill>
+                                      <a:effectLst/>
+                                      <a:latin typeface="Cambria Math" panose="02040503050406030204" pitchFamily="18" charset="0"/>
+                                    </a:rPr>
+                                    <m:t>,</m:t>
+                                  </m:r>
+                                  <m:r>
+                                    <m:rPr>
+                                      <m:sty m:val="p"/>
+                                    </m:rPr>
+                                    <a:rPr lang="es-ES" sz="900" b="0" i="0" smtClean="0">
+                                      <a:ln w="0">
+                                        <a:noFill/>
+                                      </a:ln>
+                                      <a:solidFill>
+                                        <a:schemeClr val="tx1">
+                                          <a:alpha val="80000"/>
+                                        </a:schemeClr>
+                                      </a:solidFill>
+                                      <a:effectLst/>
+                                      <a:latin typeface="Cambria Math" panose="02040503050406030204" pitchFamily="18" charset="0"/>
+                                    </a:rPr>
+                                    <m:t>ref</m:t>
+                                  </m:r>
+                                </m:sub>
+                              </m:sSub>
+                              <m:r>
+                                <a:rPr lang="es-ES" sz="900" b="0" i="1" smtClean="0">
+                                  <a:ln w="0">
+                                    <a:noFill/>
+                                  </a:ln>
+                                  <a:solidFill>
+                                    <a:schemeClr val="tx1">
+                                      <a:alpha val="80000"/>
+                                    </a:schemeClr>
+                                  </a:solidFill>
+                                  <a:effectLst/>
+                                  <a:latin typeface="Cambria Math" panose="02040503050406030204" pitchFamily="18" charset="0"/>
+                                </a:rPr>
+                                <m:t>)</m:t>
+                              </m:r>
+                            </m:num>
+                            <m:den>
+                              <m:rad>
+                                <m:radPr>
+                                  <m:degHide m:val="on"/>
+                                  <m:ctrlPr>
+                                    <a:rPr lang="es-ES" sz="900" b="0" i="1" smtClean="0">
+                                      <a:ln w="0">
+                                        <a:noFill/>
+                                      </a:ln>
+                                      <a:solidFill>
+                                        <a:schemeClr val="tx1">
+                                          <a:alpha val="80000"/>
+                                        </a:schemeClr>
+                                      </a:solidFill>
+                                      <a:effectLst/>
+                                      <a:latin typeface="Cambria Math" panose="02040503050406030204" pitchFamily="18" charset="0"/>
+                                    </a:rPr>
+                                  </m:ctrlPr>
+                                </m:radPr>
+                                <m:deg/>
+                                <m:e>
+                                  <m:sSub>
+                                    <m:sSubPr>
+                                      <m:ctrlPr>
+                                        <a:rPr lang="es-ES" sz="900" b="0" i="1" smtClean="0">
+                                          <a:ln w="0">
+                                            <a:noFill/>
+                                          </a:ln>
+                                          <a:solidFill>
+                                            <a:schemeClr val="tx1">
+                                              <a:alpha val="80000"/>
+                                            </a:schemeClr>
+                                          </a:solidFill>
+                                          <a:effectLst/>
+                                          <a:latin typeface="Cambria Math" panose="02040503050406030204" pitchFamily="18" charset="0"/>
+                                        </a:rPr>
+                                      </m:ctrlPr>
+                                    </m:sSubPr>
+                                    <m:e>
+                                      <m:r>
+                                        <a:rPr lang="es-ES" sz="900" b="0" i="1" smtClean="0">
+                                          <a:ln w="0">
+                                            <a:noFill/>
+                                          </a:ln>
+                                          <a:solidFill>
+                                            <a:schemeClr val="tx1">
+                                              <a:alpha val="80000"/>
+                                            </a:schemeClr>
+                                          </a:solidFill>
+                                          <a:effectLst/>
+                                          <a:latin typeface="Cambria Math" panose="02040503050406030204" pitchFamily="18" charset="0"/>
+                                        </a:rPr>
+                                        <m:t>𝑇</m:t>
+                                      </m:r>
+                                    </m:e>
+                                    <m:sub>
+                                      <m:r>
+                                        <a:rPr lang="es-ES" sz="900" b="0" i="1" smtClean="0">
+                                          <a:ln w="0">
+                                            <a:noFill/>
+                                          </a:ln>
+                                          <a:solidFill>
+                                            <a:schemeClr val="tx1">
+                                              <a:alpha val="80000"/>
+                                            </a:schemeClr>
+                                          </a:solidFill>
+                                          <a:effectLst/>
+                                          <a:latin typeface="Cambria Math" panose="02040503050406030204" pitchFamily="18" charset="0"/>
+                                        </a:rPr>
+                                        <m:t>25</m:t>
+                                      </m:r>
+                                      <m:r>
+                                        <m:rPr>
+                                          <m:sty m:val="p"/>
+                                        </m:rPr>
+                                        <a:rPr lang="es-ES" sz="900" b="0" i="0" smtClean="0">
+                                          <a:ln w="0">
+                                            <a:noFill/>
+                                          </a:ln>
+                                          <a:solidFill>
+                                            <a:schemeClr val="tx1">
+                                              <a:alpha val="80000"/>
+                                            </a:schemeClr>
+                                          </a:solidFill>
+                                          <a:effectLst/>
+                                          <a:latin typeface="Cambria Math" panose="02040503050406030204" pitchFamily="18" charset="0"/>
+                                        </a:rPr>
+                                        <m:t>t</m:t>
+                                      </m:r>
+                                    </m:sub>
+                                  </m:sSub>
+                                  <m:r>
+                                    <a:rPr lang="es-ES" sz="900" b="0" i="1" smtClean="0">
+                                      <a:ln w="0">
+                                        <a:noFill/>
+                                      </a:ln>
+                                      <a:solidFill>
+                                        <a:schemeClr val="tx1">
+                                          <a:alpha val="80000"/>
+                                        </a:schemeClr>
+                                      </a:solidFill>
+                                      <a:effectLst/>
+                                      <a:latin typeface="Cambria Math" panose="02040503050406030204" pitchFamily="18" charset="0"/>
+                                    </a:rPr>
+                                    <m:t>/</m:t>
+                                  </m:r>
+                                  <m:sSub>
+                                    <m:sSubPr>
+                                      <m:ctrlPr>
+                                        <a:rPr lang="es-ES" sz="900" b="0" i="1" smtClean="0">
+                                          <a:ln w="0">
+                                            <a:noFill/>
+                                          </a:ln>
+                                          <a:solidFill>
+                                            <a:schemeClr val="tx1">
+                                              <a:alpha val="80000"/>
+                                            </a:schemeClr>
+                                          </a:solidFill>
+                                          <a:effectLst/>
+                                          <a:latin typeface="Cambria Math" panose="02040503050406030204" pitchFamily="18" charset="0"/>
+                                        </a:rPr>
+                                      </m:ctrlPr>
+                                    </m:sSubPr>
+                                    <m:e>
+                                      <m:r>
+                                        <a:rPr lang="es-ES" sz="900" b="0" i="1" smtClean="0">
+                                          <a:ln w="0">
+                                            <a:noFill/>
+                                          </a:ln>
+                                          <a:solidFill>
+                                            <a:schemeClr val="tx1">
+                                              <a:alpha val="80000"/>
+                                            </a:schemeClr>
+                                          </a:solidFill>
+                                          <a:effectLst/>
+                                          <a:latin typeface="Cambria Math" panose="02040503050406030204" pitchFamily="18" charset="0"/>
+                                        </a:rPr>
+                                        <m:t>𝑇</m:t>
+                                      </m:r>
+                                    </m:e>
+                                    <m:sub>
+                                      <m:r>
+                                        <m:rPr>
+                                          <m:sty m:val="p"/>
+                                        </m:rPr>
+                                        <a:rPr lang="es-ES" sz="900" b="0" i="0" smtClean="0">
+                                          <a:ln w="0">
+                                            <a:noFill/>
+                                          </a:ln>
+                                          <a:solidFill>
+                                            <a:schemeClr val="tx1">
+                                              <a:alpha val="80000"/>
+                                            </a:schemeClr>
+                                          </a:solidFill>
+                                          <a:effectLst/>
+                                          <a:latin typeface="Cambria Math" panose="02040503050406030204" pitchFamily="18" charset="0"/>
+                                        </a:rPr>
+                                        <m:t>ref</m:t>
+                                      </m:r>
+                                    </m:sub>
+                                  </m:sSub>
+                                </m:e>
+                              </m:rad>
+                            </m:den>
+                          </m:f>
+                          <m:r>
+                            <a:rPr lang="es-ES" sz="900" b="0" i="1" smtClean="0">
+                              <a:ln w="0">
+                                <a:noFill/>
+                              </a:ln>
+                              <a:solidFill>
+                                <a:schemeClr val="tx1">
+                                  <a:alpha val="80000"/>
+                                </a:schemeClr>
+                              </a:solidFill>
+                              <a:effectLst/>
+                              <a:latin typeface="Cambria Math" panose="02040503050406030204" pitchFamily="18" charset="0"/>
+                            </a:rPr>
+                            <m:t> [−]</m:t>
+                          </m:r>
+                        </m:oMath>
+                      </m:oMathPara>
                     </a14:m>
-                    <a:endParaRPr lang="es-ES" sz="1100" dirty="0">
+                    <a:endParaRPr lang="es-ES" sz="900" dirty="0">
+                      <a:ln w="0">
+                        <a:noFill/>
+                      </a:ln>
                       <a:solidFill>
-                        <a:srgbClr val="FF0000"/>
+                        <a:schemeClr val="tx1">
+                          <a:alpha val="80000"/>
+                        </a:schemeClr>
                       </a:solidFill>
-                      <a:latin typeface="CMU Serif" panose="02000603000000000000" pitchFamily="2" charset="0"/>
-                      <a:ea typeface="CMU Serif" panose="02000603000000000000" pitchFamily="2" charset="0"/>
-                      <a:cs typeface="CMU Serif" panose="02000603000000000000" pitchFamily="2" charset="0"/>
+                      <a:effectLst/>
+                      <a:latin typeface="CMU Bright" panose="02000603000000000000" pitchFamily="2" charset="0"/>
+                      <a:ea typeface="CMU Bright" panose="02000603000000000000" pitchFamily="2" charset="0"/>
+                      <a:cs typeface="CMU Bright" panose="02000603000000000000" pitchFamily="2" charset="0"/>
                     </a:endParaRPr>
                   </a:p>
                 </p:txBody>
               </p:sp>
             </mc:Choice>
-            <mc:Fallback>
+            <mc:Fallback xmlns="">
               <p:sp>
                 <p:nvSpPr>
-                  <p:cNvPr id="46" name="CuadroTexto 45">
+                  <p:cNvPr id="21" name="CuadroTexto 20">
                     <a:extLst>
                       <a:ext uri="{FF2B5EF4-FFF2-40B4-BE49-F238E27FC236}">
-                        <a16:creationId xmlns:a16="http://schemas.microsoft.com/office/drawing/2014/main" id="{D5CC3603-9960-ABB7-1B72-BCB8012BE006}"/>
+                        <a16:creationId xmlns:a16="http://schemas.microsoft.com/office/drawing/2014/main" id="{1E688612-B3DE-086E-8469-DAF493032BFE}"/>
                       </a:ext>
                     </a:extLst>
                   </p:cNvPr>
@@ -3988,23 +5357,18 @@
                 </p:nvSpPr>
                 <p:spPr>
                   <a:xfrm>
-                    <a:off x="1605302" y="1204284"/>
-                    <a:ext cx="593150" cy="261610"/>
+                    <a:off x="9576054" y="4270190"/>
+                    <a:ext cx="1037272" cy="322011"/>
                   </a:xfrm>
                   <a:prstGeom prst="rect">
                     <a:avLst/>
                   </a:prstGeom>
                   <a:blipFill>
-                    <a:blip r:embed="rId5"/>
+                    <a:blip r:embed="rId8"/>
                     <a:stretch>
-                      <a:fillRect b="-15909"/>
+                      <a:fillRect l="-2941" t="-1887" r="-3529" b="-11321"/>
                     </a:stretch>
                   </a:blipFill>
-                  <a:ln w="9525">
-                    <a:solidFill>
-                      <a:schemeClr val="tx1"/>
-                    </a:solidFill>
-                  </a:ln>
                 </p:spPr>
                 <p:txBody>
                   <a:bodyPr/>
@@ -4021,823 +5385,193 @@
               </p:sp>
             </mc:Fallback>
           </mc:AlternateContent>
-          <mc:AlternateContent xmlns:mc="http://schemas.openxmlformats.org/markup-compatibility/2006">
-            <mc:Choice xmlns:a14="http://schemas.microsoft.com/office/drawing/2010/main" Requires="a14">
-              <p:sp>
-                <p:nvSpPr>
-                  <p:cNvPr id="47" name="CuadroTexto 46">
-                    <a:extLst>
-                      <a:ext uri="{FF2B5EF4-FFF2-40B4-BE49-F238E27FC236}">
-                        <a16:creationId xmlns:a16="http://schemas.microsoft.com/office/drawing/2014/main" id="{688AB2F7-FC16-2DC3-4ED5-0991D4BD7C07}"/>
-                      </a:ext>
-                    </a:extLst>
-                  </p:cNvPr>
-                  <p:cNvSpPr txBox="1"/>
-                  <p:nvPr/>
-                </p:nvSpPr>
-                <p:spPr>
-                  <a:xfrm>
-                    <a:off x="6749649" y="1177496"/>
-                    <a:ext cx="599640" cy="261610"/>
-                  </a:xfrm>
-                  <a:prstGeom prst="rect">
-                    <a:avLst/>
-                  </a:prstGeom>
-                  <a:solidFill>
-                    <a:schemeClr val="bg1"/>
-                  </a:solidFill>
-                  <a:ln w="9525">
-                    <a:solidFill>
-                      <a:schemeClr val="tx1"/>
-                    </a:solidFill>
-                  </a:ln>
-                </p:spPr>
-                <p:txBody>
-                  <a:bodyPr wrap="square" rtlCol="0">
-                    <a:spAutoFit/>
-                  </a:bodyPr>
-                  <a:lstStyle/>
-                  <a:p>
-                    <a:r>
-                      <a:rPr lang="es-ES" sz="1100" i="1" dirty="0">
-                        <a:solidFill>
-                          <a:srgbClr val="FF0000"/>
-                        </a:solidFill>
-                        <a:latin typeface="CMU Serif" panose="02000603000000000000" pitchFamily="2" charset="0"/>
-                        <a:ea typeface="CMU Serif" panose="02000603000000000000" pitchFamily="2" charset="0"/>
-                        <a:cs typeface="CMU Serif" panose="02000603000000000000" pitchFamily="2" charset="0"/>
-                      </a:rPr>
-                      <a:t>M</a:t>
-                    </a:r>
-                    <a:r>
-                      <a:rPr lang="es-ES" sz="1100" baseline="-25000" dirty="0">
-                        <a:solidFill>
-                          <a:srgbClr val="FF0000"/>
-                        </a:solidFill>
-                        <a:latin typeface="CMU Serif" panose="02000603000000000000" pitchFamily="2" charset="0"/>
-                        <a:ea typeface="CMU Serif" panose="02000603000000000000" pitchFamily="2" charset="0"/>
-                        <a:cs typeface="CMU Serif" panose="02000603000000000000" pitchFamily="2" charset="0"/>
-                      </a:rPr>
-                      <a:t>0 </a:t>
-                    </a:r>
-                    <a14:m>
-                      <m:oMath xmlns:m="http://schemas.openxmlformats.org/officeDocument/2006/math">
-                        <m:r>
-                          <a:rPr lang="es-ES" sz="1100" b="0" i="0" dirty="0" smtClean="0">
-                            <a:solidFill>
-                              <a:srgbClr val="FF0000"/>
-                            </a:solidFill>
-                            <a:latin typeface="Cambria Math" panose="02040503050406030204" pitchFamily="18" charset="0"/>
-                            <a:ea typeface="Adobe Ming Std L" panose="02020300000000000000" pitchFamily="18" charset="-128"/>
-                            <a:cs typeface="CMU Serif" panose="02000603000000000000" pitchFamily="2" charset="0"/>
-                          </a:rPr>
-                          <m:t>[</m:t>
-                        </m:r>
-                        <m:r>
-                          <a:rPr lang="es-ES" sz="1100" i="1" dirty="0" smtClean="0">
-                            <a:solidFill>
-                              <a:srgbClr val="FF0000"/>
-                            </a:solidFill>
-                            <a:latin typeface="Cambria Math" panose="02040503050406030204" pitchFamily="18" charset="0"/>
-                            <a:ea typeface="Adobe Ming Std L" panose="02020300000000000000" pitchFamily="18" charset="-128"/>
-                            <a:cs typeface="CMU Serif" panose="02000603000000000000" pitchFamily="2" charset="0"/>
-                          </a:rPr>
-                          <m:t>−</m:t>
-                        </m:r>
-                        <m:r>
-                          <a:rPr lang="es-ES" sz="1100" b="0" i="0" dirty="0" smtClean="0">
-                            <a:solidFill>
-                              <a:srgbClr val="FF0000"/>
-                            </a:solidFill>
-                            <a:latin typeface="Cambria Math" panose="02040503050406030204" pitchFamily="18" charset="0"/>
-                            <a:ea typeface="Adobe Ming Std L" panose="02020300000000000000" pitchFamily="18" charset="-128"/>
-                            <a:cs typeface="CMU Serif" panose="02000603000000000000" pitchFamily="2" charset="0"/>
-                          </a:rPr>
-                          <m:t>]</m:t>
-                        </m:r>
-                      </m:oMath>
-                    </a14:m>
-                    <a:endParaRPr lang="es-ES" sz="1100" dirty="0">
-                      <a:solidFill>
-                        <a:srgbClr val="FF0000"/>
-                      </a:solidFill>
-                      <a:latin typeface="CMU Serif" panose="02000603000000000000" pitchFamily="2" charset="0"/>
-                      <a:ea typeface="CMU Serif" panose="02000603000000000000" pitchFamily="2" charset="0"/>
-                      <a:cs typeface="CMU Serif" panose="02000603000000000000" pitchFamily="2" charset="0"/>
-                    </a:endParaRPr>
-                  </a:p>
-                </p:txBody>
-              </p:sp>
-            </mc:Choice>
-            <mc:Fallback>
-              <p:sp>
-                <p:nvSpPr>
-                  <p:cNvPr id="47" name="CuadroTexto 46">
-                    <a:extLst>
-                      <a:ext uri="{FF2B5EF4-FFF2-40B4-BE49-F238E27FC236}">
-                        <a16:creationId xmlns:a16="http://schemas.microsoft.com/office/drawing/2014/main" id="{688AB2F7-FC16-2DC3-4ED5-0991D4BD7C07}"/>
-                      </a:ext>
-                    </a:extLst>
-                  </p:cNvPr>
-                  <p:cNvSpPr txBox="1">
-                    <a:spLocks noRot="1" noChangeAspect="1" noMove="1" noResize="1" noEditPoints="1" noAdjustHandles="1" noChangeArrowheads="1" noChangeShapeType="1" noTextEdit="1"/>
-                  </p:cNvSpPr>
-                  <p:nvPr/>
-                </p:nvSpPr>
-                <p:spPr>
-                  <a:xfrm>
-                    <a:off x="6749649" y="1177496"/>
-                    <a:ext cx="599640" cy="261610"/>
-                  </a:xfrm>
-                  <a:prstGeom prst="rect">
-                    <a:avLst/>
-                  </a:prstGeom>
-                  <a:blipFill>
-                    <a:blip r:embed="rId6"/>
-                    <a:stretch>
-                      <a:fillRect b="-13333"/>
-                    </a:stretch>
-                  </a:blipFill>
-                  <a:ln w="9525">
-                    <a:solidFill>
-                      <a:schemeClr val="tx1"/>
-                    </a:solidFill>
-                  </a:ln>
-                </p:spPr>
-                <p:txBody>
-                  <a:bodyPr/>
-                  <a:lstStyle/>
-                  <a:p>
-                    <a:r>
-                      <a:rPr lang="es-ES">
-                        <a:noFill/>
-                      </a:rPr>
-                      <a:t> </a:t>
-                    </a:r>
-                  </a:p>
-                </p:txBody>
-              </p:sp>
-            </mc:Fallback>
-          </mc:AlternateContent>
-          <p:sp>
-            <p:nvSpPr>
-              <p:cNvPr id="48" name="CuadroTexto 47">
+          <p:cxnSp>
+            <p:nvCxnSpPr>
+              <p:cNvPr id="22" name="Conector recto 21">
                 <a:extLst>
                   <a:ext uri="{FF2B5EF4-FFF2-40B4-BE49-F238E27FC236}">
-                    <a16:creationId xmlns:a16="http://schemas.microsoft.com/office/drawing/2014/main" id="{99B7FE34-49E6-7AAD-4874-43819D46E899}"/>
+                    <a16:creationId xmlns:a16="http://schemas.microsoft.com/office/drawing/2014/main" id="{A30A26F9-23E9-3654-AC81-9E825C799B61}"/>
                   </a:ext>
                 </a:extLst>
               </p:cNvPr>
-              <p:cNvSpPr txBox="1"/>
+              <p:cNvCxnSpPr>
+                <a:cxnSpLocks/>
+              </p:cNvCxnSpPr>
               <p:nvPr/>
-            </p:nvSpPr>
+            </p:nvCxnSpPr>
             <p:spPr>
               <a:xfrm>
-                <a:off x="6749648" y="2421201"/>
-                <a:ext cx="535517" cy="230832"/>
+                <a:off x="9637776" y="4055364"/>
+                <a:ext cx="150876" cy="214826"/>
               </a:xfrm>
-              <a:prstGeom prst="rect">
+              <a:prstGeom prst="line">
                 <a:avLst/>
               </a:prstGeom>
+              <a:ln w="6350">
+                <a:solidFill>
+                  <a:schemeClr val="tx1"/>
+                </a:solidFill>
+              </a:ln>
+            </p:spPr>
+            <p:style>
+              <a:lnRef idx="2">
+                <a:schemeClr val="dk1"/>
+              </a:lnRef>
+              <a:fillRef idx="0">
+                <a:schemeClr val="dk1"/>
+              </a:fillRef>
+              <a:effectRef idx="1">
+                <a:schemeClr val="dk1"/>
+              </a:effectRef>
+              <a:fontRef idx="minor">
+                <a:schemeClr val="tx1"/>
+              </a:fontRef>
+            </p:style>
+          </p:cxnSp>
+        </p:grpSp>
+        <p:sp>
+          <p:nvSpPr>
+            <p:cNvPr id="10" name="CuadroTexto 4">
+              <a:extLst>
+                <a:ext uri="{FF2B5EF4-FFF2-40B4-BE49-F238E27FC236}">
+                  <a16:creationId xmlns:a16="http://schemas.microsoft.com/office/drawing/2014/main" id="{8FBE9A2D-6438-252F-4FE5-39062AE73DD2}"/>
+                </a:ext>
+              </a:extLst>
+            </p:cNvPr>
+            <p:cNvSpPr txBox="1"/>
+            <p:nvPr/>
+          </p:nvSpPr>
+          <p:spPr>
+            <a:xfrm>
+              <a:off x="4554119" y="673225"/>
+              <a:ext cx="3363685" cy="246221"/>
+            </a:xfrm>
+            <a:prstGeom prst="rect">
+              <a:avLst/>
+            </a:prstGeom>
+            <a:noFill/>
+            <a:ln w="28575">
               <a:noFill/>
-            </p:spPr>
-            <p:txBody>
-              <a:bodyPr wrap="square" rtlCol="0">
-                <a:spAutoFit/>
-              </a:bodyPr>
-              <a:lstStyle/>
-              <a:p>
-                <a:r>
-                  <a:rPr lang="es-ES" sz="900" b="1" dirty="0">
-                    <a:solidFill>
-                      <a:srgbClr val="FF0000"/>
-                    </a:solidFill>
-                    <a:latin typeface="CMU Sans Serif" panose="02000603000000000000" pitchFamily="2" charset="0"/>
-                    <a:ea typeface="CMU Sans Serif" panose="02000603000000000000" pitchFamily="2" charset="0"/>
-                    <a:cs typeface="CMU Sans Serif" panose="02000603000000000000" pitchFamily="2" charset="0"/>
-                  </a:rPr>
-                  <a:t>0.0</a:t>
-                </a:r>
-              </a:p>
-            </p:txBody>
-          </p:sp>
-          <p:sp>
-            <p:nvSpPr>
-              <p:cNvPr id="49" name="CuadroTexto 48">
-                <a:extLst>
-                  <a:ext uri="{FF2B5EF4-FFF2-40B4-BE49-F238E27FC236}">
-                    <a16:creationId xmlns:a16="http://schemas.microsoft.com/office/drawing/2014/main" id="{B48E6445-00F1-9A13-4A16-0FA419E6E525}"/>
-                  </a:ext>
-                </a:extLst>
-              </p:cNvPr>
-              <p:cNvSpPr txBox="1"/>
-              <p:nvPr/>
-            </p:nvSpPr>
-            <p:spPr>
-              <a:xfrm>
-                <a:off x="6813771" y="2711597"/>
-                <a:ext cx="535517" cy="230832"/>
-              </a:xfrm>
-              <a:prstGeom prst="rect">
-                <a:avLst/>
-              </a:prstGeom>
-              <a:noFill/>
-            </p:spPr>
-            <p:txBody>
-              <a:bodyPr wrap="square" rtlCol="0">
-                <a:spAutoFit/>
-              </a:bodyPr>
-              <a:lstStyle/>
-              <a:p>
-                <a:r>
-                  <a:rPr lang="es-ES" sz="900" b="1" dirty="0">
-                    <a:solidFill>
-                      <a:srgbClr val="FF0000"/>
-                    </a:solidFill>
-                    <a:latin typeface="CMU Sans Serif" panose="02000603000000000000" pitchFamily="2" charset="0"/>
-                    <a:ea typeface="CMU Sans Serif" panose="02000603000000000000" pitchFamily="2" charset="0"/>
-                    <a:cs typeface="CMU Sans Serif" panose="02000603000000000000" pitchFamily="2" charset="0"/>
-                  </a:rPr>
-                  <a:t>0.25</a:t>
-                </a:r>
-              </a:p>
-            </p:txBody>
-          </p:sp>
-          <p:sp>
-            <p:nvSpPr>
-              <p:cNvPr id="50" name="CuadroTexto 49">
-                <a:extLst>
-                  <a:ext uri="{FF2B5EF4-FFF2-40B4-BE49-F238E27FC236}">
-                    <a16:creationId xmlns:a16="http://schemas.microsoft.com/office/drawing/2014/main" id="{084C1153-A2FB-D9EF-6437-1BFFB94CFAD9}"/>
-                  </a:ext>
-                </a:extLst>
-              </p:cNvPr>
-              <p:cNvSpPr txBox="1"/>
-              <p:nvPr/>
-            </p:nvSpPr>
-            <p:spPr>
-              <a:xfrm>
-                <a:off x="6966171" y="2863997"/>
-                <a:ext cx="535517" cy="230832"/>
-              </a:xfrm>
-              <a:prstGeom prst="rect">
-                <a:avLst/>
-              </a:prstGeom>
-              <a:noFill/>
-            </p:spPr>
-            <p:txBody>
-              <a:bodyPr wrap="square" rtlCol="0">
-                <a:spAutoFit/>
-              </a:bodyPr>
-              <a:lstStyle/>
-              <a:p>
-                <a:r>
-                  <a:rPr lang="es-ES" sz="900" b="1" dirty="0">
-                    <a:solidFill>
-                      <a:srgbClr val="FF0000"/>
-                    </a:solidFill>
-                    <a:latin typeface="CMU Sans Serif" panose="02000603000000000000" pitchFamily="2" charset="0"/>
-                    <a:ea typeface="CMU Sans Serif" panose="02000603000000000000" pitchFamily="2" charset="0"/>
-                    <a:cs typeface="CMU Sans Serif" panose="02000603000000000000" pitchFamily="2" charset="0"/>
-                  </a:rPr>
-                  <a:t>0.5</a:t>
-                </a:r>
-              </a:p>
-            </p:txBody>
-          </p:sp>
-          <p:sp>
-            <p:nvSpPr>
-              <p:cNvPr id="51" name="CuadroTexto 50">
-                <a:extLst>
-                  <a:ext uri="{FF2B5EF4-FFF2-40B4-BE49-F238E27FC236}">
-                    <a16:creationId xmlns:a16="http://schemas.microsoft.com/office/drawing/2014/main" id="{CCC74145-C687-EE0F-4EE7-514911B44EA4}"/>
-                  </a:ext>
-                </a:extLst>
-              </p:cNvPr>
-              <p:cNvSpPr txBox="1"/>
-              <p:nvPr/>
-            </p:nvSpPr>
-            <p:spPr>
-              <a:xfrm>
-                <a:off x="7323888" y="2816169"/>
-                <a:ext cx="535517" cy="230832"/>
-              </a:xfrm>
-              <a:prstGeom prst="rect">
-                <a:avLst/>
-              </a:prstGeom>
-              <a:noFill/>
-            </p:spPr>
-            <p:txBody>
-              <a:bodyPr wrap="square" rtlCol="0">
-                <a:spAutoFit/>
-              </a:bodyPr>
-              <a:lstStyle/>
-              <a:p>
-                <a:r>
-                  <a:rPr lang="es-ES" sz="900" b="1" dirty="0">
-                    <a:solidFill>
-                      <a:srgbClr val="FF0000"/>
-                    </a:solidFill>
-                    <a:latin typeface="CMU Sans Serif" panose="02000603000000000000" pitchFamily="2" charset="0"/>
-                    <a:ea typeface="CMU Sans Serif" panose="02000603000000000000" pitchFamily="2" charset="0"/>
-                    <a:cs typeface="CMU Sans Serif" panose="02000603000000000000" pitchFamily="2" charset="0"/>
-                  </a:rPr>
-                  <a:t>0.75</a:t>
-                </a:r>
-              </a:p>
-            </p:txBody>
-          </p:sp>
-          <p:sp>
-            <p:nvSpPr>
-              <p:cNvPr id="52" name="CuadroTexto 51">
-                <a:extLst>
-                  <a:ext uri="{FF2B5EF4-FFF2-40B4-BE49-F238E27FC236}">
-                    <a16:creationId xmlns:a16="http://schemas.microsoft.com/office/drawing/2014/main" id="{09132451-75D2-585F-8566-130DBC964F24}"/>
-                  </a:ext>
-                </a:extLst>
-              </p:cNvPr>
-              <p:cNvSpPr txBox="1"/>
-              <p:nvPr/>
-            </p:nvSpPr>
-            <p:spPr>
-              <a:xfrm>
-                <a:off x="7585542" y="2560989"/>
-                <a:ext cx="535517" cy="230832"/>
-              </a:xfrm>
-              <a:prstGeom prst="rect">
-                <a:avLst/>
-              </a:prstGeom>
-              <a:noFill/>
-            </p:spPr>
-            <p:txBody>
-              <a:bodyPr wrap="square" rtlCol="0">
-                <a:spAutoFit/>
-              </a:bodyPr>
-              <a:lstStyle/>
-              <a:p>
-                <a:r>
-                  <a:rPr lang="es-ES" sz="900" b="1" dirty="0">
-                    <a:solidFill>
-                      <a:srgbClr val="FF0000"/>
-                    </a:solidFill>
-                    <a:latin typeface="CMU Sans Serif" panose="02000603000000000000" pitchFamily="2" charset="0"/>
-                    <a:ea typeface="CMU Sans Serif" panose="02000603000000000000" pitchFamily="2" charset="0"/>
-                    <a:cs typeface="CMU Sans Serif" panose="02000603000000000000" pitchFamily="2" charset="0"/>
-                  </a:rPr>
-                  <a:t>1</a:t>
-                </a:r>
-              </a:p>
-            </p:txBody>
-          </p:sp>
-        </p:grpSp>
-        <mc:AlternateContent xmlns:mc="http://schemas.openxmlformats.org/markup-compatibility/2006">
-          <mc:Choice xmlns:a14="http://schemas.microsoft.com/office/drawing/2010/main" Requires="a14">
-            <p:sp>
-              <p:nvSpPr>
-                <p:cNvPr id="16" name="CuadroTexto 15">
-                  <a:extLst>
-                    <a:ext uri="{FF2B5EF4-FFF2-40B4-BE49-F238E27FC236}">
-                      <a16:creationId xmlns:a16="http://schemas.microsoft.com/office/drawing/2014/main" id="{A984E693-27B7-ECE2-73F2-F33B3EC0A244}"/>
-                    </a:ext>
-                  </a:extLst>
-                </p:cNvPr>
-                <p:cNvSpPr txBox="1"/>
-                <p:nvPr/>
-              </p:nvSpPr>
-              <p:spPr>
-                <a:xfrm>
-                  <a:off x="4044376" y="1383653"/>
-                  <a:ext cx="1003160" cy="344005"/>
-                </a:xfrm>
-                <a:prstGeom prst="rect">
-                  <a:avLst/>
-                </a:prstGeom>
-                <a:noFill/>
-                <a:effectLst>
-                  <a:glow rad="88900">
-                    <a:schemeClr val="bg1">
-                      <a:alpha val="60000"/>
-                    </a:schemeClr>
-                  </a:glow>
-                  <a:softEdge rad="0"/>
-                </a:effectLst>
-              </p:spPr>
-              <p:txBody>
-                <a:bodyPr wrap="none" lIns="0" tIns="0" rIns="0" bIns="0" rtlCol="0">
-                  <a:spAutoFit/>
-                </a:bodyPr>
-                <a:lstStyle/>
-                <a:p>
-                  <a:pPr/>
-                  <a14:m>
-                    <m:oMathPara xmlns:m="http://schemas.openxmlformats.org/officeDocument/2006/math">
-                      <m:oMathParaPr>
-                        <m:jc m:val="centerGroup"/>
-                      </m:oMathParaPr>
-                      <m:oMath xmlns:m="http://schemas.openxmlformats.org/officeDocument/2006/math">
-                        <m:f>
-                          <m:fPr>
-                            <m:ctrlPr>
-                              <a:rPr lang="es-ES" sz="900" b="0" i="1" smtClean="0">
-                                <a:solidFill>
-                                  <a:schemeClr val="tx1">
-                                    <a:alpha val="85000"/>
-                                  </a:schemeClr>
-                                </a:solidFill>
-                                <a:effectLst/>
-                                <a:latin typeface="Cambria Math" panose="02040503050406030204" pitchFamily="18" charset="0"/>
-                              </a:rPr>
-                            </m:ctrlPr>
-                          </m:fPr>
-                          <m:num>
-                            <m:d>
-                              <m:dPr>
-                                <m:ctrlPr>
-                                  <a:rPr lang="es-ES" sz="900" b="0" i="1" smtClean="0">
-                                    <a:solidFill>
-                                      <a:schemeClr val="tx1">
-                                        <a:alpha val="85000"/>
-                                      </a:schemeClr>
-                                    </a:solidFill>
-                                    <a:effectLst/>
-                                    <a:latin typeface="Cambria Math" panose="02040503050406030204" pitchFamily="18" charset="0"/>
-                                  </a:rPr>
-                                </m:ctrlPr>
-                              </m:dPr>
-                              <m:e>
-                                <m:sSub>
-                                  <m:sSubPr>
-                                    <m:ctrlPr>
-                                      <a:rPr lang="es-ES" sz="900" b="0" i="1" smtClean="0">
-                                        <a:solidFill>
-                                          <a:schemeClr val="tx1">
-                                            <a:alpha val="85000"/>
-                                          </a:schemeClr>
-                                        </a:solidFill>
-                                        <a:effectLst/>
-                                        <a:latin typeface="Cambria Math" panose="02040503050406030204" pitchFamily="18" charset="0"/>
-                                      </a:rPr>
-                                    </m:ctrlPr>
-                                  </m:sSubPr>
-                                  <m:e>
-                                    <m:r>
-                                      <a:rPr lang="es-ES" sz="900" b="0" i="1" smtClean="0">
-                                        <a:solidFill>
-                                          <a:schemeClr val="tx1">
-                                            <a:alpha val="85000"/>
-                                          </a:schemeClr>
-                                        </a:solidFill>
-                                        <a:effectLst/>
-                                        <a:latin typeface="Cambria Math" panose="02040503050406030204" pitchFamily="18" charset="0"/>
-                                      </a:rPr>
-                                      <m:t>𝑁</m:t>
-                                    </m:r>
-                                  </m:e>
-                                  <m:sub>
-                                    <m:r>
-                                      <m:rPr>
-                                        <m:sty m:val="p"/>
-                                      </m:rPr>
-                                      <a:rPr lang="es-ES" sz="900" b="0" i="0" smtClean="0">
-                                        <a:solidFill>
-                                          <a:schemeClr val="tx1">
-                                            <a:alpha val="85000"/>
-                                          </a:schemeClr>
-                                        </a:solidFill>
-                                        <a:effectLst/>
-                                        <a:latin typeface="Cambria Math" panose="02040503050406030204" pitchFamily="18" charset="0"/>
-                                      </a:rPr>
-                                      <m:t>LPC</m:t>
-                                    </m:r>
-                                  </m:sub>
-                                </m:sSub>
-                                <m:r>
-                                  <a:rPr lang="es-ES" sz="900" b="0" i="1" smtClean="0">
-                                    <a:solidFill>
-                                      <a:schemeClr val="tx1">
-                                        <a:alpha val="85000"/>
-                                      </a:schemeClr>
-                                    </a:solidFill>
-                                    <a:effectLst/>
-                                    <a:latin typeface="Cambria Math" panose="02040503050406030204" pitchFamily="18" charset="0"/>
-                                  </a:rPr>
-                                  <m:t>/</m:t>
-                                </m:r>
-                                <m:sSub>
-                                  <m:sSubPr>
-                                    <m:ctrlPr>
-                                      <a:rPr lang="es-ES" sz="900" b="0" i="1" smtClean="0">
-                                        <a:solidFill>
-                                          <a:schemeClr val="tx1">
-                                            <a:alpha val="85000"/>
-                                          </a:schemeClr>
-                                        </a:solidFill>
-                                        <a:effectLst/>
-                                        <a:latin typeface="Cambria Math" panose="02040503050406030204" pitchFamily="18" charset="0"/>
-                                      </a:rPr>
-                                    </m:ctrlPr>
-                                  </m:sSubPr>
-                                  <m:e>
-                                    <m:r>
-                                      <a:rPr lang="es-ES" sz="900" b="0" i="1" smtClean="0">
-                                        <a:solidFill>
-                                          <a:schemeClr val="tx1">
-                                            <a:alpha val="85000"/>
-                                          </a:schemeClr>
-                                        </a:solidFill>
-                                        <a:effectLst/>
-                                        <a:latin typeface="Cambria Math" panose="02040503050406030204" pitchFamily="18" charset="0"/>
-                                      </a:rPr>
-                                      <m:t>𝑁</m:t>
-                                    </m:r>
-                                  </m:e>
-                                  <m:sub>
-                                    <m:r>
-                                      <m:rPr>
-                                        <m:sty m:val="p"/>
-                                      </m:rPr>
-                                      <a:rPr lang="es-ES" sz="900" b="0" i="0" smtClean="0">
-                                        <a:solidFill>
-                                          <a:schemeClr val="tx1">
-                                            <a:alpha val="85000"/>
-                                          </a:schemeClr>
-                                        </a:solidFill>
-                                        <a:effectLst/>
-                                        <a:latin typeface="Cambria Math" panose="02040503050406030204" pitchFamily="18" charset="0"/>
-                                      </a:rPr>
-                                      <m:t>LPC</m:t>
-                                    </m:r>
-                                    <m:r>
-                                      <a:rPr lang="es-ES" sz="900" b="0" i="0" smtClean="0">
-                                        <a:solidFill>
-                                          <a:schemeClr val="tx1">
-                                            <a:alpha val="85000"/>
-                                          </a:schemeClr>
-                                        </a:solidFill>
-                                        <a:effectLst/>
-                                        <a:latin typeface="Cambria Math" panose="02040503050406030204" pitchFamily="18" charset="0"/>
-                                      </a:rPr>
-                                      <m:t>,</m:t>
-                                    </m:r>
-                                    <m:r>
-                                      <m:rPr>
-                                        <m:sty m:val="p"/>
-                                      </m:rPr>
-                                      <a:rPr lang="es-ES" sz="900" b="0" i="0" smtClean="0">
-                                        <a:solidFill>
-                                          <a:schemeClr val="tx1">
-                                            <a:alpha val="85000"/>
-                                          </a:schemeClr>
-                                        </a:solidFill>
-                                        <a:effectLst/>
-                                        <a:latin typeface="Cambria Math" panose="02040503050406030204" pitchFamily="18" charset="0"/>
-                                      </a:rPr>
-                                      <m:t>ref</m:t>
-                                    </m:r>
-                                  </m:sub>
-                                </m:sSub>
-                              </m:e>
-                            </m:d>
-                          </m:num>
-                          <m:den>
-                            <m:rad>
-                              <m:radPr>
-                                <m:degHide m:val="on"/>
-                                <m:ctrlPr>
-                                  <a:rPr lang="es-ES" sz="900" b="0" i="1" smtClean="0">
-                                    <a:solidFill>
-                                      <a:schemeClr val="tx1">
-                                        <a:alpha val="85000"/>
-                                      </a:schemeClr>
-                                    </a:solidFill>
-                                    <a:effectLst/>
-                                    <a:latin typeface="Cambria Math" panose="02040503050406030204" pitchFamily="18" charset="0"/>
-                                  </a:rPr>
-                                </m:ctrlPr>
-                              </m:radPr>
-                              <m:deg/>
-                              <m:e>
-                                <m:sSub>
-                                  <m:sSubPr>
-                                    <m:ctrlPr>
-                                      <a:rPr lang="es-ES" sz="900" b="0" i="1" smtClean="0">
-                                        <a:solidFill>
-                                          <a:schemeClr val="tx1">
-                                            <a:alpha val="85000"/>
-                                          </a:schemeClr>
-                                        </a:solidFill>
-                                        <a:effectLst/>
-                                        <a:latin typeface="Cambria Math" panose="02040503050406030204" pitchFamily="18" charset="0"/>
-                                      </a:rPr>
-                                    </m:ctrlPr>
-                                  </m:sSubPr>
-                                  <m:e>
-                                    <m:r>
-                                      <a:rPr lang="es-ES" sz="900" b="0" i="1" smtClean="0">
-                                        <a:solidFill>
-                                          <a:schemeClr val="tx1">
-                                            <a:alpha val="85000"/>
-                                          </a:schemeClr>
-                                        </a:solidFill>
-                                        <a:effectLst/>
-                                        <a:latin typeface="Cambria Math" panose="02040503050406030204" pitchFamily="18" charset="0"/>
-                                      </a:rPr>
-                                      <m:t>𝑇</m:t>
-                                    </m:r>
-                                  </m:e>
-                                  <m:sub>
-                                    <m:r>
-                                      <a:rPr lang="es-ES" sz="900" b="0" i="1" smtClean="0">
-                                        <a:solidFill>
-                                          <a:schemeClr val="tx1">
-                                            <a:alpha val="85000"/>
-                                          </a:schemeClr>
-                                        </a:solidFill>
-                                        <a:effectLst/>
-                                        <a:latin typeface="Cambria Math" panose="02040503050406030204" pitchFamily="18" charset="0"/>
-                                      </a:rPr>
-                                      <m:t>2</m:t>
-                                    </m:r>
-                                    <m:r>
-                                      <m:rPr>
-                                        <m:sty m:val="p"/>
-                                      </m:rPr>
-                                      <a:rPr lang="es-ES" sz="900" b="0" i="0" smtClean="0">
-                                        <a:solidFill>
-                                          <a:schemeClr val="tx1">
-                                            <a:alpha val="85000"/>
-                                          </a:schemeClr>
-                                        </a:solidFill>
-                                        <a:effectLst/>
-                                        <a:latin typeface="Cambria Math" panose="02040503050406030204" pitchFamily="18" charset="0"/>
-                                      </a:rPr>
-                                      <m:t>t</m:t>
-                                    </m:r>
-                                  </m:sub>
-                                </m:sSub>
-                                <m:r>
-                                  <a:rPr lang="es-ES" sz="900" b="0" i="1" smtClean="0">
-                                    <a:solidFill>
-                                      <a:schemeClr val="tx1">
-                                        <a:alpha val="85000"/>
-                                      </a:schemeClr>
-                                    </a:solidFill>
-                                    <a:effectLst/>
-                                    <a:latin typeface="Cambria Math" panose="02040503050406030204" pitchFamily="18" charset="0"/>
-                                  </a:rPr>
-                                  <m:t>/</m:t>
-                                </m:r>
-                                <m:sSub>
-                                  <m:sSubPr>
-                                    <m:ctrlPr>
-                                      <a:rPr lang="es-ES" sz="900" b="0" i="1" smtClean="0">
-                                        <a:solidFill>
-                                          <a:schemeClr val="tx1">
-                                            <a:alpha val="85000"/>
-                                          </a:schemeClr>
-                                        </a:solidFill>
-                                        <a:effectLst/>
-                                        <a:latin typeface="Cambria Math" panose="02040503050406030204" pitchFamily="18" charset="0"/>
-                                      </a:rPr>
-                                    </m:ctrlPr>
-                                  </m:sSubPr>
-                                  <m:e>
-                                    <m:r>
-                                      <a:rPr lang="es-ES" sz="900" b="0" i="1" smtClean="0">
-                                        <a:solidFill>
-                                          <a:schemeClr val="tx1">
-                                            <a:alpha val="85000"/>
-                                          </a:schemeClr>
-                                        </a:solidFill>
-                                        <a:effectLst/>
-                                        <a:latin typeface="Cambria Math" panose="02040503050406030204" pitchFamily="18" charset="0"/>
-                                      </a:rPr>
-                                      <m:t>𝑇</m:t>
-                                    </m:r>
-                                  </m:e>
-                                  <m:sub>
-                                    <m:r>
-                                      <m:rPr>
-                                        <m:sty m:val="p"/>
-                                      </m:rPr>
-                                      <a:rPr lang="es-ES" sz="900" b="0" i="0" smtClean="0">
-                                        <a:solidFill>
-                                          <a:schemeClr val="tx1">
-                                            <a:alpha val="85000"/>
-                                          </a:schemeClr>
-                                        </a:solidFill>
-                                        <a:effectLst/>
-                                        <a:latin typeface="Cambria Math" panose="02040503050406030204" pitchFamily="18" charset="0"/>
-                                      </a:rPr>
-                                      <m:t>ref</m:t>
-                                    </m:r>
-                                  </m:sub>
-                                </m:sSub>
-                              </m:e>
-                            </m:rad>
-                          </m:den>
-                        </m:f>
-                        <m:r>
-                          <a:rPr lang="es-ES" sz="900" b="0" i="1" smtClean="0">
-                            <a:solidFill>
-                              <a:schemeClr val="tx1">
-                                <a:alpha val="85000"/>
-                              </a:schemeClr>
-                            </a:solidFill>
-                            <a:effectLst/>
-                            <a:latin typeface="Cambria Math" panose="02040503050406030204" pitchFamily="18" charset="0"/>
-                          </a:rPr>
-                          <m:t> </m:t>
-                        </m:r>
-                        <m:r>
-                          <a:rPr lang="es-ES" sz="900" b="0" i="0" cap="none" baseline="0" smtClean="0">
-                            <a:solidFill>
-                              <a:schemeClr val="tx1">
-                                <a:alpha val="85000"/>
-                              </a:schemeClr>
-                            </a:solidFill>
-                            <a:effectLst/>
-                            <a:latin typeface="Cambria Math" panose="02040503050406030204" pitchFamily="18" charset="0"/>
-                          </a:rPr>
-                          <m:t>[−]</m:t>
-                        </m:r>
-                      </m:oMath>
-                    </m:oMathPara>
-                  </a14:m>
-                  <a:endParaRPr lang="es-ES" sz="900" dirty="0">
-                    <a:solidFill>
-                      <a:schemeClr val="tx1">
-                        <a:alpha val="85000"/>
-                      </a:schemeClr>
-                    </a:solidFill>
-                    <a:effectLst/>
-                    <a:latin typeface="Cambria" panose="02040503050406030204" pitchFamily="18" charset="0"/>
-                    <a:ea typeface="Cambria" panose="02040503050406030204" pitchFamily="18" charset="0"/>
-                    <a:cs typeface="Calibri Light" panose="020F0302020204030204" pitchFamily="34" charset="0"/>
-                  </a:endParaRPr>
-                </a:p>
-              </p:txBody>
-            </p:sp>
-          </mc:Choice>
-          <mc:Fallback>
-            <p:sp>
-              <p:nvSpPr>
-                <p:cNvPr id="16" name="CuadroTexto 15">
-                  <a:extLst>
-                    <a:ext uri="{FF2B5EF4-FFF2-40B4-BE49-F238E27FC236}">
-                      <a16:creationId xmlns:a16="http://schemas.microsoft.com/office/drawing/2014/main" id="{A984E693-27B7-ECE2-73F2-F33B3EC0A244}"/>
-                    </a:ext>
-                  </a:extLst>
-                </p:cNvPr>
-                <p:cNvSpPr txBox="1">
-                  <a:spLocks noRot="1" noChangeAspect="1" noMove="1" noResize="1" noEditPoints="1" noAdjustHandles="1" noChangeArrowheads="1" noChangeShapeType="1" noTextEdit="1"/>
-                </p:cNvSpPr>
-                <p:nvPr/>
-              </p:nvSpPr>
-              <p:spPr>
-                <a:xfrm>
-                  <a:off x="4044376" y="1383653"/>
-                  <a:ext cx="1003160" cy="344005"/>
-                </a:xfrm>
-                <a:prstGeom prst="rect">
-                  <a:avLst/>
-                </a:prstGeom>
-                <a:blipFill>
-                  <a:blip r:embed="rId7"/>
-                  <a:stretch>
-                    <a:fillRect/>
-                  </a:stretch>
-                </a:blipFill>
-                <a:effectLst>
-                  <a:glow rad="88900">
-                    <a:schemeClr val="bg1">
-                      <a:alpha val="60000"/>
-                    </a:schemeClr>
-                  </a:glow>
-                  <a:softEdge rad="0"/>
-                </a:effectLst>
-              </p:spPr>
-              <p:txBody>
-                <a:bodyPr/>
-                <a:lstStyle/>
-                <a:p>
-                  <a:r>
-                    <a:rPr lang="es-ES">
-                      <a:noFill/>
-                    </a:rPr>
-                    <a:t> </a:t>
-                  </a:r>
-                </a:p>
-              </p:txBody>
-            </p:sp>
-          </mc:Fallback>
-        </mc:AlternateContent>
+            </a:ln>
+          </p:spPr>
+          <p:txBody>
+            <a:bodyPr wrap="square" rtlCol="0">
+              <a:spAutoFit/>
+            </a:bodyPr>
+            <a:lstStyle>
+              <a:defPPr>
+                <a:defRPr lang="es-ES"/>
+              </a:defPPr>
+              <a:lvl1pPr marL="0" algn="l" defTabSz="914400" rtl="0" eaLnBrk="1" latinLnBrk="0" hangingPunct="1">
+                <a:defRPr sz="1800" kern="1200">
+                  <a:solidFill>
+                    <a:schemeClr val="tx1"/>
+                  </a:solidFill>
+                  <a:latin typeface="+mn-lt"/>
+                  <a:ea typeface="+mn-ea"/>
+                  <a:cs typeface="+mn-cs"/>
+                </a:defRPr>
+              </a:lvl1pPr>
+              <a:lvl2pPr marL="457200" algn="l" defTabSz="914400" rtl="0" eaLnBrk="1" latinLnBrk="0" hangingPunct="1">
+                <a:defRPr sz="1800" kern="1200">
+                  <a:solidFill>
+                    <a:schemeClr val="tx1"/>
+                  </a:solidFill>
+                  <a:latin typeface="+mn-lt"/>
+                  <a:ea typeface="+mn-ea"/>
+                  <a:cs typeface="+mn-cs"/>
+                </a:defRPr>
+              </a:lvl2pPr>
+              <a:lvl3pPr marL="914400" algn="l" defTabSz="914400" rtl="0" eaLnBrk="1" latinLnBrk="0" hangingPunct="1">
+                <a:defRPr sz="1800" kern="1200">
+                  <a:solidFill>
+                    <a:schemeClr val="tx1"/>
+                  </a:solidFill>
+                  <a:latin typeface="+mn-lt"/>
+                  <a:ea typeface="+mn-ea"/>
+                  <a:cs typeface="+mn-cs"/>
+                </a:defRPr>
+              </a:lvl3pPr>
+              <a:lvl4pPr marL="1371600" algn="l" defTabSz="914400" rtl="0" eaLnBrk="1" latinLnBrk="0" hangingPunct="1">
+                <a:defRPr sz="1800" kern="1200">
+                  <a:solidFill>
+                    <a:schemeClr val="tx1"/>
+                  </a:solidFill>
+                  <a:latin typeface="+mn-lt"/>
+                  <a:ea typeface="+mn-ea"/>
+                  <a:cs typeface="+mn-cs"/>
+                </a:defRPr>
+              </a:lvl4pPr>
+              <a:lvl5pPr marL="1828800" algn="l" defTabSz="914400" rtl="0" eaLnBrk="1" latinLnBrk="0" hangingPunct="1">
+                <a:defRPr sz="1800" kern="1200">
+                  <a:solidFill>
+                    <a:schemeClr val="tx1"/>
+                  </a:solidFill>
+                  <a:latin typeface="+mn-lt"/>
+                  <a:ea typeface="+mn-ea"/>
+                  <a:cs typeface="+mn-cs"/>
+                </a:defRPr>
+              </a:lvl5pPr>
+              <a:lvl6pPr marL="2286000" algn="l" defTabSz="914400" rtl="0" eaLnBrk="1" latinLnBrk="0" hangingPunct="1">
+                <a:defRPr sz="1800" kern="1200">
+                  <a:solidFill>
+                    <a:schemeClr val="tx1"/>
+                  </a:solidFill>
+                  <a:latin typeface="+mn-lt"/>
+                  <a:ea typeface="+mn-ea"/>
+                  <a:cs typeface="+mn-cs"/>
+                </a:defRPr>
+              </a:lvl6pPr>
+              <a:lvl7pPr marL="2743200" algn="l" defTabSz="914400" rtl="0" eaLnBrk="1" latinLnBrk="0" hangingPunct="1">
+                <a:defRPr sz="1800" kern="1200">
+                  <a:solidFill>
+                    <a:schemeClr val="tx1"/>
+                  </a:solidFill>
+                  <a:latin typeface="+mn-lt"/>
+                  <a:ea typeface="+mn-ea"/>
+                  <a:cs typeface="+mn-cs"/>
+                </a:defRPr>
+              </a:lvl7pPr>
+              <a:lvl8pPr marL="3200400" algn="l" defTabSz="914400" rtl="0" eaLnBrk="1" latinLnBrk="0" hangingPunct="1">
+                <a:defRPr sz="1800" kern="1200">
+                  <a:solidFill>
+                    <a:schemeClr val="tx1"/>
+                  </a:solidFill>
+                  <a:latin typeface="+mn-lt"/>
+                  <a:ea typeface="+mn-ea"/>
+                  <a:cs typeface="+mn-cs"/>
+                </a:defRPr>
+              </a:lvl8pPr>
+              <a:lvl9pPr marL="3657600" algn="l" defTabSz="914400" rtl="0" eaLnBrk="1" latinLnBrk="0" hangingPunct="1">
+                <a:defRPr sz="1800" kern="1200">
+                  <a:solidFill>
+                    <a:schemeClr val="tx1"/>
+                  </a:solidFill>
+                  <a:latin typeface="+mn-lt"/>
+                  <a:ea typeface="+mn-ea"/>
+                  <a:cs typeface="+mn-cs"/>
+                </a:defRPr>
+              </a:lvl9pPr>
+            </a:lstStyle>
+            <a:p>
+              <a:pPr algn="ctr"/>
+              <a:r>
+                <a:rPr lang="es-ES" sz="1000" dirty="0">
+                  <a:latin typeface="CMU Serif" panose="02000603000000000000" pitchFamily="2" charset="0"/>
+                  <a:ea typeface="CMU Serif" panose="02000603000000000000" pitchFamily="2" charset="0"/>
+                  <a:cs typeface="CMU Serif" panose="02000603000000000000" pitchFamily="2" charset="0"/>
+                </a:rPr>
+                <a:t>CHOKED NOZZLE         SUBSONIC NOZZLE</a:t>
+              </a:r>
+            </a:p>
+          </p:txBody>
+        </p:sp>
         <p:cxnSp>
           <p:nvCxnSpPr>
-            <p:cNvPr id="18" name="Conector recto 17">
+            <p:cNvPr id="11" name="Conector recto 10">
               <a:extLst>
                 <a:ext uri="{FF2B5EF4-FFF2-40B4-BE49-F238E27FC236}">
-                  <a16:creationId xmlns:a16="http://schemas.microsoft.com/office/drawing/2014/main" id="{6B872781-889C-D3B1-B88D-EEF167890B03}"/>
+                  <a16:creationId xmlns:a16="http://schemas.microsoft.com/office/drawing/2014/main" id="{7FCEC017-1368-BF2B-6B53-6DC945954E67}"/>
                 </a:ext>
               </a:extLst>
             </p:cNvPr>
@@ -4848,529 +5582,39 @@
           </p:nvCxnSpPr>
           <p:spPr>
             <a:xfrm>
-              <a:off x="4553339" y="1796143"/>
-              <a:ext cx="168239" cy="313468"/>
+              <a:off x="4622960" y="782972"/>
+              <a:ext cx="200204" cy="0"/>
             </a:xfrm>
             <a:prstGeom prst="line">
               <a:avLst/>
             </a:prstGeom>
-            <a:ln w="6350">
+            <a:ln w="28575">
               <a:solidFill>
-                <a:schemeClr val="tx1"/>
+                <a:srgbClr val="FF0000"/>
               </a:solidFill>
             </a:ln>
           </p:spPr>
           <p:style>
             <a:lnRef idx="2">
-              <a:schemeClr val="dk1"/>
+              <a:schemeClr val="accent1"/>
             </a:lnRef>
             <a:fillRef idx="0">
-              <a:schemeClr val="dk1"/>
+              <a:schemeClr val="accent1"/>
             </a:fillRef>
             <a:effectRef idx="1">
-              <a:schemeClr val="dk1"/>
+              <a:schemeClr val="accent1"/>
             </a:effectRef>
             <a:fontRef idx="minor">
               <a:schemeClr val="tx1"/>
             </a:fontRef>
           </p:style>
         </p:cxnSp>
-        <mc:AlternateContent xmlns:mc="http://schemas.openxmlformats.org/markup-compatibility/2006">
-          <mc:Choice xmlns:a14="http://schemas.microsoft.com/office/drawing/2010/main" Requires="a14">
-            <p:sp>
-              <p:nvSpPr>
-                <p:cNvPr id="21" name="CuadroTexto 20">
-                  <a:extLst>
-                    <a:ext uri="{FF2B5EF4-FFF2-40B4-BE49-F238E27FC236}">
-                      <a16:creationId xmlns:a16="http://schemas.microsoft.com/office/drawing/2014/main" id="{1E688612-B3DE-086E-8469-DAF493032BFE}"/>
-                    </a:ext>
-                  </a:extLst>
-                </p:cNvPr>
-                <p:cNvSpPr txBox="1"/>
-                <p:nvPr/>
-              </p:nvSpPr>
-              <p:spPr>
-                <a:xfrm>
-                  <a:off x="9576054" y="4270190"/>
-                  <a:ext cx="1037272" cy="322011"/>
-                </a:xfrm>
-                <a:prstGeom prst="rect">
-                  <a:avLst/>
-                </a:prstGeom>
-                <a:noFill/>
-              </p:spPr>
-              <p:txBody>
-                <a:bodyPr wrap="none" lIns="0" tIns="0" rIns="0" bIns="0" rtlCol="0">
-                  <a:spAutoFit/>
-                </a:bodyPr>
-                <a:lstStyle/>
-                <a:p>
-                  <a:pPr/>
-                  <a14:m>
-                    <m:oMathPara xmlns:m="http://schemas.openxmlformats.org/officeDocument/2006/math">
-                      <m:oMathParaPr>
-                        <m:jc m:val="centerGroup"/>
-                      </m:oMathParaPr>
-                      <m:oMath xmlns:m="http://schemas.openxmlformats.org/officeDocument/2006/math">
-                        <m:f>
-                          <m:fPr>
-                            <m:ctrlPr>
-                              <a:rPr lang="es-ES" sz="900" b="0" i="1" smtClean="0">
-                                <a:ln w="0">
-                                  <a:noFill/>
-                                </a:ln>
-                                <a:solidFill>
-                                  <a:schemeClr val="tx1">
-                                    <a:alpha val="80000"/>
-                                  </a:schemeClr>
-                                </a:solidFill>
-                                <a:effectLst/>
-                                <a:latin typeface="Cambria Math" panose="02040503050406030204" pitchFamily="18" charset="0"/>
-                              </a:rPr>
-                            </m:ctrlPr>
-                          </m:fPr>
-                          <m:num>
-                            <m:sSub>
-                              <m:sSubPr>
-                                <m:ctrlPr>
-                                  <a:rPr lang="es-ES" sz="900" b="0" i="1" smtClean="0">
-                                    <a:ln w="0">
-                                      <a:noFill/>
-                                    </a:ln>
-                                    <a:solidFill>
-                                      <a:schemeClr val="tx1">
-                                        <a:alpha val="80000"/>
-                                      </a:schemeClr>
-                                    </a:solidFill>
-                                    <a:effectLst/>
-                                    <a:latin typeface="Cambria Math" panose="02040503050406030204" pitchFamily="18" charset="0"/>
-                                  </a:rPr>
-                                </m:ctrlPr>
-                              </m:sSubPr>
-                              <m:e>
-                                <m:r>
-                                  <a:rPr lang="es-ES" sz="900" b="0" i="1" smtClean="0">
-                                    <a:ln w="0">
-                                      <a:noFill/>
-                                    </a:ln>
-                                    <a:solidFill>
-                                      <a:schemeClr val="tx1">
-                                        <a:alpha val="80000"/>
-                                      </a:schemeClr>
-                                    </a:solidFill>
-                                    <a:effectLst/>
-                                    <a:latin typeface="Cambria Math" panose="02040503050406030204" pitchFamily="18" charset="0"/>
-                                  </a:rPr>
-                                  <m:t>(</m:t>
-                                </m:r>
-                                <m:r>
-                                  <a:rPr lang="es-ES" sz="900" b="0" i="1" smtClean="0">
-                                    <a:ln w="0">
-                                      <a:noFill/>
-                                    </a:ln>
-                                    <a:solidFill>
-                                      <a:schemeClr val="tx1">
-                                        <a:alpha val="80000"/>
-                                      </a:schemeClr>
-                                    </a:solidFill>
-                                    <a:effectLst/>
-                                    <a:latin typeface="Cambria Math" panose="02040503050406030204" pitchFamily="18" charset="0"/>
-                                  </a:rPr>
-                                  <m:t>𝑁</m:t>
-                                </m:r>
-                              </m:e>
-                              <m:sub>
-                                <m:r>
-                                  <m:rPr>
-                                    <m:sty m:val="p"/>
-                                  </m:rPr>
-                                  <a:rPr lang="es-ES" sz="900" b="0" i="0" smtClean="0">
-                                    <a:ln w="0">
-                                      <a:noFill/>
-                                    </a:ln>
-                                    <a:solidFill>
-                                      <a:schemeClr val="tx1">
-                                        <a:alpha val="80000"/>
-                                      </a:schemeClr>
-                                    </a:solidFill>
-                                    <a:effectLst/>
-                                    <a:latin typeface="Cambria Math" panose="02040503050406030204" pitchFamily="18" charset="0"/>
-                                  </a:rPr>
-                                  <m:t>HPC</m:t>
-                                </m:r>
-                              </m:sub>
-                            </m:sSub>
-                            <m:r>
-                              <a:rPr lang="es-ES" sz="900" b="0" i="1" smtClean="0">
-                                <a:ln w="0">
-                                  <a:noFill/>
-                                </a:ln>
-                                <a:solidFill>
-                                  <a:schemeClr val="tx1">
-                                    <a:alpha val="80000"/>
-                                  </a:schemeClr>
-                                </a:solidFill>
-                                <a:effectLst/>
-                                <a:latin typeface="Cambria Math" panose="02040503050406030204" pitchFamily="18" charset="0"/>
-                              </a:rPr>
-                              <m:t>/</m:t>
-                            </m:r>
-                            <m:sSub>
-                              <m:sSubPr>
-                                <m:ctrlPr>
-                                  <a:rPr lang="es-ES" sz="900" b="0" i="1" smtClean="0">
-                                    <a:ln w="0">
-                                      <a:noFill/>
-                                    </a:ln>
-                                    <a:solidFill>
-                                      <a:schemeClr val="tx1">
-                                        <a:alpha val="80000"/>
-                                      </a:schemeClr>
-                                    </a:solidFill>
-                                    <a:effectLst/>
-                                    <a:latin typeface="Cambria Math" panose="02040503050406030204" pitchFamily="18" charset="0"/>
-                                  </a:rPr>
-                                </m:ctrlPr>
-                              </m:sSubPr>
-                              <m:e>
-                                <m:r>
-                                  <a:rPr lang="es-ES" sz="900" b="0" i="1" smtClean="0">
-                                    <a:ln w="0">
-                                      <a:noFill/>
-                                    </a:ln>
-                                    <a:solidFill>
-                                      <a:schemeClr val="tx1">
-                                        <a:alpha val="80000"/>
-                                      </a:schemeClr>
-                                    </a:solidFill>
-                                    <a:effectLst/>
-                                    <a:latin typeface="Cambria Math" panose="02040503050406030204" pitchFamily="18" charset="0"/>
-                                  </a:rPr>
-                                  <m:t>𝑁</m:t>
-                                </m:r>
-                              </m:e>
-                              <m:sub>
-                                <m:r>
-                                  <m:rPr>
-                                    <m:sty m:val="p"/>
-                                  </m:rPr>
-                                  <a:rPr lang="es-ES" sz="900" b="0" i="0" smtClean="0">
-                                    <a:ln w="0">
-                                      <a:noFill/>
-                                    </a:ln>
-                                    <a:solidFill>
-                                      <a:schemeClr val="tx1">
-                                        <a:alpha val="80000"/>
-                                      </a:schemeClr>
-                                    </a:solidFill>
-                                    <a:effectLst/>
-                                    <a:latin typeface="Cambria Math" panose="02040503050406030204" pitchFamily="18" charset="0"/>
-                                  </a:rPr>
-                                  <m:t>HPC</m:t>
-                                </m:r>
-                                <m:r>
-                                  <a:rPr lang="es-ES" sz="900" b="0" i="0" smtClean="0">
-                                    <a:ln w="0">
-                                      <a:noFill/>
-                                    </a:ln>
-                                    <a:solidFill>
-                                      <a:schemeClr val="tx1">
-                                        <a:alpha val="80000"/>
-                                      </a:schemeClr>
-                                    </a:solidFill>
-                                    <a:effectLst/>
-                                    <a:latin typeface="Cambria Math" panose="02040503050406030204" pitchFamily="18" charset="0"/>
-                                  </a:rPr>
-                                  <m:t>,</m:t>
-                                </m:r>
-                                <m:r>
-                                  <m:rPr>
-                                    <m:sty m:val="p"/>
-                                  </m:rPr>
-                                  <a:rPr lang="es-ES" sz="900" b="0" i="0" smtClean="0">
-                                    <a:ln w="0">
-                                      <a:noFill/>
-                                    </a:ln>
-                                    <a:solidFill>
-                                      <a:schemeClr val="tx1">
-                                        <a:alpha val="80000"/>
-                                      </a:schemeClr>
-                                    </a:solidFill>
-                                    <a:effectLst/>
-                                    <a:latin typeface="Cambria Math" panose="02040503050406030204" pitchFamily="18" charset="0"/>
-                                  </a:rPr>
-                                  <m:t>ref</m:t>
-                                </m:r>
-                              </m:sub>
-                            </m:sSub>
-                            <m:r>
-                              <a:rPr lang="es-ES" sz="900" b="0" i="1" smtClean="0">
-                                <a:ln w="0">
-                                  <a:noFill/>
-                                </a:ln>
-                                <a:solidFill>
-                                  <a:schemeClr val="tx1">
-                                    <a:alpha val="80000"/>
-                                  </a:schemeClr>
-                                </a:solidFill>
-                                <a:effectLst/>
-                                <a:latin typeface="Cambria Math" panose="02040503050406030204" pitchFamily="18" charset="0"/>
-                              </a:rPr>
-                              <m:t>)</m:t>
-                            </m:r>
-                          </m:num>
-                          <m:den>
-                            <m:rad>
-                              <m:radPr>
-                                <m:degHide m:val="on"/>
-                                <m:ctrlPr>
-                                  <a:rPr lang="es-ES" sz="900" b="0" i="1" smtClean="0">
-                                    <a:ln w="0">
-                                      <a:noFill/>
-                                    </a:ln>
-                                    <a:solidFill>
-                                      <a:schemeClr val="tx1">
-                                        <a:alpha val="80000"/>
-                                      </a:schemeClr>
-                                    </a:solidFill>
-                                    <a:effectLst/>
-                                    <a:latin typeface="Cambria Math" panose="02040503050406030204" pitchFamily="18" charset="0"/>
-                                  </a:rPr>
-                                </m:ctrlPr>
-                              </m:radPr>
-                              <m:deg/>
-                              <m:e>
-                                <m:sSub>
-                                  <m:sSubPr>
-                                    <m:ctrlPr>
-                                      <a:rPr lang="es-ES" sz="900" b="0" i="1" smtClean="0">
-                                        <a:ln w="0">
-                                          <a:noFill/>
-                                        </a:ln>
-                                        <a:solidFill>
-                                          <a:schemeClr val="tx1">
-                                            <a:alpha val="80000"/>
-                                          </a:schemeClr>
-                                        </a:solidFill>
-                                        <a:effectLst/>
-                                        <a:latin typeface="Cambria Math" panose="02040503050406030204" pitchFamily="18" charset="0"/>
-                                      </a:rPr>
-                                    </m:ctrlPr>
-                                  </m:sSubPr>
-                                  <m:e>
-                                    <m:r>
-                                      <a:rPr lang="es-ES" sz="900" b="0" i="1" smtClean="0">
-                                        <a:ln w="0">
-                                          <a:noFill/>
-                                        </a:ln>
-                                        <a:solidFill>
-                                          <a:schemeClr val="tx1">
-                                            <a:alpha val="80000"/>
-                                          </a:schemeClr>
-                                        </a:solidFill>
-                                        <a:effectLst/>
-                                        <a:latin typeface="Cambria Math" panose="02040503050406030204" pitchFamily="18" charset="0"/>
-                                      </a:rPr>
-                                      <m:t>𝑇</m:t>
-                                    </m:r>
-                                  </m:e>
-                                  <m:sub>
-                                    <m:r>
-                                      <a:rPr lang="es-ES" sz="900" b="0" i="1" smtClean="0">
-                                        <a:ln w="0">
-                                          <a:noFill/>
-                                        </a:ln>
-                                        <a:solidFill>
-                                          <a:schemeClr val="tx1">
-                                            <a:alpha val="80000"/>
-                                          </a:schemeClr>
-                                        </a:solidFill>
-                                        <a:effectLst/>
-                                        <a:latin typeface="Cambria Math" panose="02040503050406030204" pitchFamily="18" charset="0"/>
-                                      </a:rPr>
-                                      <m:t>25</m:t>
-                                    </m:r>
-                                    <m:r>
-                                      <m:rPr>
-                                        <m:sty m:val="p"/>
-                                      </m:rPr>
-                                      <a:rPr lang="es-ES" sz="900" b="0" i="0" smtClean="0">
-                                        <a:ln w="0">
-                                          <a:noFill/>
-                                        </a:ln>
-                                        <a:solidFill>
-                                          <a:schemeClr val="tx1">
-                                            <a:alpha val="80000"/>
-                                          </a:schemeClr>
-                                        </a:solidFill>
-                                        <a:effectLst/>
-                                        <a:latin typeface="Cambria Math" panose="02040503050406030204" pitchFamily="18" charset="0"/>
-                                      </a:rPr>
-                                      <m:t>t</m:t>
-                                    </m:r>
-                                  </m:sub>
-                                </m:sSub>
-                                <m:r>
-                                  <a:rPr lang="es-ES" sz="900" b="0" i="1" smtClean="0">
-                                    <a:ln w="0">
-                                      <a:noFill/>
-                                    </a:ln>
-                                    <a:solidFill>
-                                      <a:schemeClr val="tx1">
-                                        <a:alpha val="80000"/>
-                                      </a:schemeClr>
-                                    </a:solidFill>
-                                    <a:effectLst/>
-                                    <a:latin typeface="Cambria Math" panose="02040503050406030204" pitchFamily="18" charset="0"/>
-                                  </a:rPr>
-                                  <m:t>/</m:t>
-                                </m:r>
-                                <m:sSub>
-                                  <m:sSubPr>
-                                    <m:ctrlPr>
-                                      <a:rPr lang="es-ES" sz="900" b="0" i="1" smtClean="0">
-                                        <a:ln w="0">
-                                          <a:noFill/>
-                                        </a:ln>
-                                        <a:solidFill>
-                                          <a:schemeClr val="tx1">
-                                            <a:alpha val="80000"/>
-                                          </a:schemeClr>
-                                        </a:solidFill>
-                                        <a:effectLst/>
-                                        <a:latin typeface="Cambria Math" panose="02040503050406030204" pitchFamily="18" charset="0"/>
-                                      </a:rPr>
-                                    </m:ctrlPr>
-                                  </m:sSubPr>
-                                  <m:e>
-                                    <m:r>
-                                      <a:rPr lang="es-ES" sz="900" b="0" i="1" smtClean="0">
-                                        <a:ln w="0">
-                                          <a:noFill/>
-                                        </a:ln>
-                                        <a:solidFill>
-                                          <a:schemeClr val="tx1">
-                                            <a:alpha val="80000"/>
-                                          </a:schemeClr>
-                                        </a:solidFill>
-                                        <a:effectLst/>
-                                        <a:latin typeface="Cambria Math" panose="02040503050406030204" pitchFamily="18" charset="0"/>
-                                      </a:rPr>
-                                      <m:t>𝑇</m:t>
-                                    </m:r>
-                                  </m:e>
-                                  <m:sub>
-                                    <m:r>
-                                      <m:rPr>
-                                        <m:sty m:val="p"/>
-                                      </m:rPr>
-                                      <a:rPr lang="es-ES" sz="900" b="0" i="0" smtClean="0">
-                                        <a:ln w="0">
-                                          <a:noFill/>
-                                        </a:ln>
-                                        <a:solidFill>
-                                          <a:schemeClr val="tx1">
-                                            <a:alpha val="80000"/>
-                                          </a:schemeClr>
-                                        </a:solidFill>
-                                        <a:effectLst/>
-                                        <a:latin typeface="Cambria Math" panose="02040503050406030204" pitchFamily="18" charset="0"/>
-                                      </a:rPr>
-                                      <m:t>ref</m:t>
-                                    </m:r>
-                                  </m:sub>
-                                </m:sSub>
-                              </m:e>
-                            </m:rad>
-                          </m:den>
-                        </m:f>
-                        <m:r>
-                          <a:rPr lang="es-ES" sz="900" b="0" i="1" smtClean="0">
-                            <a:ln w="0">
-                              <a:noFill/>
-                            </a:ln>
-                            <a:solidFill>
-                              <a:schemeClr val="tx1">
-                                <a:alpha val="80000"/>
-                              </a:schemeClr>
-                            </a:solidFill>
-                            <a:effectLst/>
-                            <a:latin typeface="Cambria Math" panose="02040503050406030204" pitchFamily="18" charset="0"/>
-                          </a:rPr>
-                          <m:t> [−]</m:t>
-                        </m:r>
-                      </m:oMath>
-                    </m:oMathPara>
-                  </a14:m>
-                  <a:endParaRPr lang="es-ES" sz="900" dirty="0">
-                    <a:ln w="0">
-                      <a:noFill/>
-                    </a:ln>
-                    <a:solidFill>
-                      <a:schemeClr val="tx1">
-                        <a:alpha val="80000"/>
-                      </a:schemeClr>
-                    </a:solidFill>
-                    <a:effectLst/>
-                    <a:latin typeface="CMU Bright" panose="02000603000000000000" pitchFamily="2" charset="0"/>
-                    <a:ea typeface="CMU Bright" panose="02000603000000000000" pitchFamily="2" charset="0"/>
-                    <a:cs typeface="CMU Bright" panose="02000603000000000000" pitchFamily="2" charset="0"/>
-                  </a:endParaRPr>
-                </a:p>
-              </p:txBody>
-            </p:sp>
-          </mc:Choice>
-          <mc:Fallback>
-            <p:sp>
-              <p:nvSpPr>
-                <p:cNvPr id="21" name="CuadroTexto 20">
-                  <a:extLst>
-                    <a:ext uri="{FF2B5EF4-FFF2-40B4-BE49-F238E27FC236}">
-                      <a16:creationId xmlns:a16="http://schemas.microsoft.com/office/drawing/2014/main" id="{1E688612-B3DE-086E-8469-DAF493032BFE}"/>
-                    </a:ext>
-                  </a:extLst>
-                </p:cNvPr>
-                <p:cNvSpPr txBox="1">
-                  <a:spLocks noRot="1" noChangeAspect="1" noMove="1" noResize="1" noEditPoints="1" noAdjustHandles="1" noChangeArrowheads="1" noChangeShapeType="1" noTextEdit="1"/>
-                </p:cNvSpPr>
-                <p:nvPr/>
-              </p:nvSpPr>
-              <p:spPr>
-                <a:xfrm>
-                  <a:off x="9576054" y="4270190"/>
-                  <a:ext cx="1037272" cy="322011"/>
-                </a:xfrm>
-                <a:prstGeom prst="rect">
-                  <a:avLst/>
-                </a:prstGeom>
-                <a:blipFill>
-                  <a:blip r:embed="rId8"/>
-                  <a:stretch>
-                    <a:fillRect l="-2941" t="-1887" r="-3529" b="-11321"/>
-                  </a:stretch>
-                </a:blipFill>
-              </p:spPr>
-              <p:txBody>
-                <a:bodyPr/>
-                <a:lstStyle/>
-                <a:p>
-                  <a:r>
-                    <a:rPr lang="es-ES">
-                      <a:noFill/>
-                    </a:rPr>
-                    <a:t> </a:t>
-                  </a:r>
-                </a:p>
-              </p:txBody>
-            </p:sp>
-          </mc:Fallback>
-        </mc:AlternateContent>
         <p:cxnSp>
           <p:nvCxnSpPr>
-            <p:cNvPr id="22" name="Conector recto 21">
+            <p:cNvPr id="12" name="Conector recto 11">
               <a:extLst>
                 <a:ext uri="{FF2B5EF4-FFF2-40B4-BE49-F238E27FC236}">
-                  <a16:creationId xmlns:a16="http://schemas.microsoft.com/office/drawing/2014/main" id="{A30A26F9-23E9-3654-AC81-9E825C799B61}"/>
+                  <a16:creationId xmlns:a16="http://schemas.microsoft.com/office/drawing/2014/main" id="{634ECA09-9CF8-69B7-245D-C9F5746D726A}"/>
                 </a:ext>
               </a:extLst>
             </p:cNvPr>
@@ -5381,27 +5625,28 @@
           </p:nvCxnSpPr>
           <p:spPr>
             <a:xfrm>
-              <a:off x="9637776" y="4055364"/>
-              <a:ext cx="150876" cy="214826"/>
+              <a:off x="6134136" y="779372"/>
+              <a:ext cx="200204" cy="0"/>
             </a:xfrm>
             <a:prstGeom prst="line">
               <a:avLst/>
             </a:prstGeom>
-            <a:ln w="6350">
+            <a:ln w="28575">
               <a:solidFill>
-                <a:schemeClr val="tx1"/>
+                <a:srgbClr val="FF0000"/>
               </a:solidFill>
+              <a:prstDash val="sysDot"/>
             </a:ln>
           </p:spPr>
           <p:style>
             <a:lnRef idx="2">
-              <a:schemeClr val="dk1"/>
+              <a:schemeClr val="accent1"/>
             </a:lnRef>
             <a:fillRef idx="0">
-              <a:schemeClr val="dk1"/>
+              <a:schemeClr val="accent1"/>
             </a:fillRef>
             <a:effectRef idx="1">
-              <a:schemeClr val="dk1"/>
+              <a:schemeClr val="accent1"/>
             </a:effectRef>
             <a:fontRef idx="minor">
               <a:schemeClr val="tx1"/>
@@ -5441,10 +5686,10 @@
       </p:grpSpPr>
       <p:grpSp>
         <p:nvGrpSpPr>
-          <p:cNvPr id="39" name="Grupo 38">
+          <p:cNvPr id="10" name="Grupo 9">
             <a:extLst>
               <a:ext uri="{FF2B5EF4-FFF2-40B4-BE49-F238E27FC236}">
-                <a16:creationId xmlns:a16="http://schemas.microsoft.com/office/drawing/2014/main" id="{47B1880D-46A1-FFDE-E90D-58F91DB5AD60}"/>
+                <a16:creationId xmlns:a16="http://schemas.microsoft.com/office/drawing/2014/main" id="{A8A848B1-B2AE-CA83-5107-22F6CD30D698}"/>
               </a:ext>
             </a:extLst>
           </p:cNvPr>
@@ -5461,10 +5706,10 @@
         </p:grpSpPr>
         <p:grpSp>
           <p:nvGrpSpPr>
-            <p:cNvPr id="21" name="Grupo 20">
+            <p:cNvPr id="39" name="Grupo 38">
               <a:extLst>
                 <a:ext uri="{FF2B5EF4-FFF2-40B4-BE49-F238E27FC236}">
-                  <a16:creationId xmlns:a16="http://schemas.microsoft.com/office/drawing/2014/main" id="{21CC86BC-FB85-2D7D-74F8-F811947898E5}"/>
+                  <a16:creationId xmlns:a16="http://schemas.microsoft.com/office/drawing/2014/main" id="{47B1880D-46A1-FFDE-E90D-58F91DB5AD60}"/>
                 </a:ext>
               </a:extLst>
             </p:cNvPr>
@@ -5479,118 +5724,1236 @@
               <a:chExt cx="12192000" cy="6108706"/>
             </a:xfrm>
           </p:grpSpPr>
-          <p:pic>
-            <p:nvPicPr>
-              <p:cNvPr id="11" name="Imagen 10" descr="Gráfico, Histograma&#10;&#10;Descripción generada automáticamente">
+          <p:grpSp>
+            <p:nvGrpSpPr>
+              <p:cNvPr id="21" name="Grupo 20">
                 <a:extLst>
                   <a:ext uri="{FF2B5EF4-FFF2-40B4-BE49-F238E27FC236}">
-                    <a16:creationId xmlns:a16="http://schemas.microsoft.com/office/drawing/2014/main" id="{7802C935-4302-9E94-126E-62BECC127A60}"/>
+                    <a16:creationId xmlns:a16="http://schemas.microsoft.com/office/drawing/2014/main" id="{21CC86BC-FB85-2D7D-74F8-F811947898E5}"/>
                   </a:ext>
                 </a:extLst>
               </p:cNvPr>
-              <p:cNvPicPr>
-                <a:picLocks noChangeAspect="1"/>
-              </p:cNvPicPr>
+              <p:cNvGrpSpPr/>
               <p:nvPr/>
-            </p:nvPicPr>
-            <p:blipFill>
-              <a:blip r:embed="rId2">
-                <a:extLst>
-                  <a:ext uri="{28A0092B-C50C-407E-A947-70E740481C1C}">
-                    <a14:useLocalDpi xmlns:a14="http://schemas.microsoft.com/office/drawing/2010/main" val="0"/>
-                  </a:ext>
-                </a:extLst>
-              </a:blip>
-              <a:stretch>
-                <a:fillRect/>
-              </a:stretch>
-            </p:blipFill>
-            <p:spPr>
+            </p:nvGrpSpPr>
+            <p:grpSpPr>
               <a:xfrm>
                 <a:off x="0" y="374647"/>
                 <a:ext cx="12192000" cy="6108706"/>
+                <a:chOff x="0" y="374647"/>
+                <a:chExt cx="12192000" cy="6108706"/>
+              </a:xfrm>
+            </p:grpSpPr>
+            <p:pic>
+              <p:nvPicPr>
+                <p:cNvPr id="11" name="Imagen 10" descr="Gráfico, Histograma&#10;&#10;Descripción generada automáticamente">
+                  <a:extLst>
+                    <a:ext uri="{FF2B5EF4-FFF2-40B4-BE49-F238E27FC236}">
+                      <a16:creationId xmlns:a16="http://schemas.microsoft.com/office/drawing/2014/main" id="{7802C935-4302-9E94-126E-62BECC127A60}"/>
+                    </a:ext>
+                  </a:extLst>
+                </p:cNvPr>
+                <p:cNvPicPr>
+                  <a:picLocks noChangeAspect="1"/>
+                </p:cNvPicPr>
+                <p:nvPr/>
+              </p:nvPicPr>
+              <p:blipFill>
+                <a:blip r:embed="rId2">
+                  <a:extLst>
+                    <a:ext uri="{28A0092B-C50C-407E-A947-70E740481C1C}">
+                      <a14:useLocalDpi xmlns:a14="http://schemas.microsoft.com/office/drawing/2010/main" val="0"/>
+                    </a:ext>
+                  </a:extLst>
+                </a:blip>
+                <a:stretch>
+                  <a:fillRect/>
+                </a:stretch>
+              </p:blipFill>
+              <p:spPr>
+                <a:xfrm>
+                  <a:off x="0" y="374647"/>
+                  <a:ext cx="12192000" cy="6108706"/>
+                </a:xfrm>
+                <a:prstGeom prst="rect">
+                  <a:avLst/>
+                </a:prstGeom>
+              </p:spPr>
+            </p:pic>
+            <p:pic>
+              <p:nvPicPr>
+                <p:cNvPr id="5" name="Imagen 4">
+                  <a:extLst>
+                    <a:ext uri="{FF2B5EF4-FFF2-40B4-BE49-F238E27FC236}">
+                      <a16:creationId xmlns:a16="http://schemas.microsoft.com/office/drawing/2014/main" id="{35349380-779F-E4D3-56AF-5442F2487233}"/>
+                    </a:ext>
+                  </a:extLst>
+                </p:cNvPr>
+                <p:cNvPicPr>
+                  <a:picLocks noChangeAspect="1"/>
+                </p:cNvPicPr>
+                <p:nvPr/>
+              </p:nvPicPr>
+              <p:blipFill rotWithShape="1">
+                <a:blip r:embed="rId3"/>
+                <a:srcRect l="8315" t="4288" r="5807"/>
+                <a:stretch/>
+              </p:blipFill>
+              <p:spPr>
+                <a:xfrm>
+                  <a:off x="2486400" y="1117601"/>
+                  <a:ext cx="2182984" cy="2601559"/>
+                </a:xfrm>
+                <a:prstGeom prst="rect">
+                  <a:avLst/>
+                </a:prstGeom>
+                <a:ln>
+                  <a:solidFill>
+                    <a:schemeClr val="tx1"/>
+                  </a:solidFill>
+                </a:ln>
+              </p:spPr>
+            </p:pic>
+            <p:pic>
+              <p:nvPicPr>
+                <p:cNvPr id="7" name="Imagen 6">
+                  <a:extLst>
+                    <a:ext uri="{FF2B5EF4-FFF2-40B4-BE49-F238E27FC236}">
+                      <a16:creationId xmlns:a16="http://schemas.microsoft.com/office/drawing/2014/main" id="{DB832F78-E316-D02E-5EFF-235484467311}"/>
+                    </a:ext>
+                  </a:extLst>
+                </p:cNvPr>
+                <p:cNvPicPr>
+                  <a:picLocks noChangeAspect="1"/>
+                </p:cNvPicPr>
+                <p:nvPr/>
+              </p:nvPicPr>
+              <p:blipFill rotWithShape="1">
+                <a:blip r:embed="rId4"/>
+                <a:srcRect l="26922" t="6138" r="5886" b="33518"/>
+                <a:stretch/>
+              </p:blipFill>
+              <p:spPr>
+                <a:xfrm>
+                  <a:off x="7636017" y="1117601"/>
+                  <a:ext cx="2128469" cy="2601559"/>
+                </a:xfrm>
+                <a:prstGeom prst="rect">
+                  <a:avLst/>
+                </a:prstGeom>
+                <a:ln>
+                  <a:solidFill>
+                    <a:schemeClr val="tx1"/>
+                  </a:solidFill>
+                </a:ln>
+              </p:spPr>
+            </p:pic>
+            <mc:AlternateContent xmlns:mc="http://schemas.openxmlformats.org/markup-compatibility/2006" xmlns:a14="http://schemas.microsoft.com/office/drawing/2010/main">
+              <mc:Choice Requires="a14">
+                <p:sp>
+                  <p:nvSpPr>
+                    <p:cNvPr id="12" name="CuadroTexto 11">
+                      <a:extLst>
+                        <a:ext uri="{FF2B5EF4-FFF2-40B4-BE49-F238E27FC236}">
+                          <a16:creationId xmlns:a16="http://schemas.microsoft.com/office/drawing/2014/main" id="{F1F49DBE-8019-6F6D-C609-D8928FDEF1EA}"/>
+                        </a:ext>
+                      </a:extLst>
+                    </p:cNvPr>
+                    <p:cNvSpPr txBox="1"/>
+                    <p:nvPr/>
+                  </p:nvSpPr>
+                  <p:spPr>
+                    <a:xfrm>
+                      <a:off x="2592349" y="4123262"/>
+                      <a:ext cx="1048044" cy="344005"/>
+                    </a:xfrm>
+                    <a:prstGeom prst="rect">
+                      <a:avLst/>
+                    </a:prstGeom>
+                    <a:noFill/>
+                  </p:spPr>
+                  <p:txBody>
+                    <a:bodyPr wrap="none" lIns="0" tIns="0" rIns="0" bIns="0" rtlCol="0">
+                      <a:spAutoFit/>
+                    </a:bodyPr>
+                    <a:lstStyle/>
+                    <a:p>
+                      <a:pPr/>
+                      <a14:m>
+                        <m:oMathPara xmlns:m="http://schemas.openxmlformats.org/officeDocument/2006/math">
+                          <m:oMathParaPr>
+                            <m:jc m:val="centerGroup"/>
+                          </m:oMathParaPr>
+                          <m:oMath xmlns:m="http://schemas.openxmlformats.org/officeDocument/2006/math">
+                            <m:f>
+                              <m:fPr>
+                                <m:ctrlPr>
+                                  <a:rPr lang="es-ES" sz="900" b="0" i="1" smtClean="0">
+                                    <a:solidFill>
+                                      <a:schemeClr val="tx1">
+                                        <a:alpha val="85000"/>
+                                      </a:schemeClr>
+                                    </a:solidFill>
+                                    <a:latin typeface="Cambria Math" panose="02040503050406030204" pitchFamily="18" charset="0"/>
+                                  </a:rPr>
+                                </m:ctrlPr>
+                              </m:fPr>
+                              <m:num>
+                                <m:d>
+                                  <m:dPr>
+                                    <m:ctrlPr>
+                                      <a:rPr lang="es-ES" sz="900" b="0" i="1" smtClean="0">
+                                        <a:solidFill>
+                                          <a:schemeClr val="tx1">
+                                            <a:alpha val="85000"/>
+                                          </a:schemeClr>
+                                        </a:solidFill>
+                                        <a:latin typeface="Cambria Math" panose="02040503050406030204" pitchFamily="18" charset="0"/>
+                                      </a:rPr>
+                                    </m:ctrlPr>
+                                  </m:dPr>
+                                  <m:e>
+                                    <m:sSub>
+                                      <m:sSubPr>
+                                        <m:ctrlPr>
+                                          <a:rPr lang="es-ES" sz="900" b="0" i="1" smtClean="0">
+                                            <a:solidFill>
+                                              <a:schemeClr val="tx1">
+                                                <a:alpha val="85000"/>
+                                              </a:schemeClr>
+                                            </a:solidFill>
+                                            <a:latin typeface="Cambria Math" panose="02040503050406030204" pitchFamily="18" charset="0"/>
+                                          </a:rPr>
+                                        </m:ctrlPr>
+                                      </m:sSubPr>
+                                      <m:e>
+                                        <m:r>
+                                          <a:rPr lang="es-ES" sz="900" b="0" i="1" smtClean="0">
+                                            <a:solidFill>
+                                              <a:schemeClr val="tx1">
+                                                <a:alpha val="85000"/>
+                                              </a:schemeClr>
+                                            </a:solidFill>
+                                            <a:latin typeface="Cambria Math" panose="02040503050406030204" pitchFamily="18" charset="0"/>
+                                          </a:rPr>
+                                          <m:t>𝑁</m:t>
+                                        </m:r>
+                                      </m:e>
+                                      <m:sub>
+                                        <m:r>
+                                          <m:rPr>
+                                            <m:sty m:val="p"/>
+                                          </m:rPr>
+                                          <a:rPr lang="es-ES" sz="900" b="0" i="0" smtClean="0">
+                                            <a:solidFill>
+                                              <a:schemeClr val="tx1">
+                                                <a:alpha val="85000"/>
+                                              </a:schemeClr>
+                                            </a:solidFill>
+                                            <a:latin typeface="Cambria Math" panose="02040503050406030204" pitchFamily="18" charset="0"/>
+                                          </a:rPr>
+                                          <m:t>HPT</m:t>
+                                        </m:r>
+                                      </m:sub>
+                                    </m:sSub>
+                                    <m:r>
+                                      <a:rPr lang="es-ES" sz="900" b="0" i="1" smtClean="0">
+                                        <a:solidFill>
+                                          <a:schemeClr val="tx1">
+                                            <a:alpha val="85000"/>
+                                          </a:schemeClr>
+                                        </a:solidFill>
+                                        <a:latin typeface="Cambria Math" panose="02040503050406030204" pitchFamily="18" charset="0"/>
+                                      </a:rPr>
+                                      <m:t>/</m:t>
+                                    </m:r>
+                                    <m:sSub>
+                                      <m:sSubPr>
+                                        <m:ctrlPr>
+                                          <a:rPr lang="es-ES" sz="900" b="0" i="1" smtClean="0">
+                                            <a:solidFill>
+                                              <a:schemeClr val="tx1">
+                                                <a:alpha val="85000"/>
+                                              </a:schemeClr>
+                                            </a:solidFill>
+                                            <a:latin typeface="Cambria Math" panose="02040503050406030204" pitchFamily="18" charset="0"/>
+                                          </a:rPr>
+                                        </m:ctrlPr>
+                                      </m:sSubPr>
+                                      <m:e>
+                                        <m:r>
+                                          <a:rPr lang="es-ES" sz="900" b="0" i="1" smtClean="0">
+                                            <a:solidFill>
+                                              <a:schemeClr val="tx1">
+                                                <a:alpha val="85000"/>
+                                              </a:schemeClr>
+                                            </a:solidFill>
+                                            <a:latin typeface="Cambria Math" panose="02040503050406030204" pitchFamily="18" charset="0"/>
+                                          </a:rPr>
+                                          <m:t>𝑁</m:t>
+                                        </m:r>
+                                      </m:e>
+                                      <m:sub>
+                                        <m:r>
+                                          <m:rPr>
+                                            <m:sty m:val="p"/>
+                                          </m:rPr>
+                                          <a:rPr lang="es-ES" sz="900" b="0" i="0" smtClean="0">
+                                            <a:solidFill>
+                                              <a:schemeClr val="tx1">
+                                                <a:alpha val="85000"/>
+                                              </a:schemeClr>
+                                            </a:solidFill>
+                                            <a:latin typeface="Cambria Math" panose="02040503050406030204" pitchFamily="18" charset="0"/>
+                                          </a:rPr>
+                                          <m:t>HPT</m:t>
+                                        </m:r>
+                                        <m:r>
+                                          <a:rPr lang="es-ES" sz="900" b="0" i="0" smtClean="0">
+                                            <a:solidFill>
+                                              <a:schemeClr val="tx1">
+                                                <a:alpha val="85000"/>
+                                              </a:schemeClr>
+                                            </a:solidFill>
+                                            <a:latin typeface="Cambria Math" panose="02040503050406030204" pitchFamily="18" charset="0"/>
+                                          </a:rPr>
+                                          <m:t>,</m:t>
+                                        </m:r>
+                                        <m:r>
+                                          <m:rPr>
+                                            <m:sty m:val="p"/>
+                                          </m:rPr>
+                                          <a:rPr lang="es-ES" sz="900" b="0" i="0" smtClean="0">
+                                            <a:solidFill>
+                                              <a:schemeClr val="tx1">
+                                                <a:alpha val="85000"/>
+                                              </a:schemeClr>
+                                            </a:solidFill>
+                                            <a:latin typeface="Cambria Math" panose="02040503050406030204" pitchFamily="18" charset="0"/>
+                                          </a:rPr>
+                                          <m:t>ref</m:t>
+                                        </m:r>
+                                      </m:sub>
+                                    </m:sSub>
+                                  </m:e>
+                                </m:d>
+                              </m:num>
+                              <m:den>
+                                <m:rad>
+                                  <m:radPr>
+                                    <m:degHide m:val="on"/>
+                                    <m:ctrlPr>
+                                      <a:rPr lang="es-ES" sz="900" b="0" i="1" smtClean="0">
+                                        <a:solidFill>
+                                          <a:schemeClr val="tx1">
+                                            <a:alpha val="85000"/>
+                                          </a:schemeClr>
+                                        </a:solidFill>
+                                        <a:latin typeface="Cambria Math" panose="02040503050406030204" pitchFamily="18" charset="0"/>
+                                      </a:rPr>
+                                    </m:ctrlPr>
+                                  </m:radPr>
+                                  <m:deg/>
+                                  <m:e>
+                                    <m:sSub>
+                                      <m:sSubPr>
+                                        <m:ctrlPr>
+                                          <a:rPr lang="es-ES" sz="900" b="0" i="1" smtClean="0">
+                                            <a:solidFill>
+                                              <a:schemeClr val="tx1">
+                                                <a:alpha val="85000"/>
+                                              </a:schemeClr>
+                                            </a:solidFill>
+                                            <a:latin typeface="Cambria Math" panose="02040503050406030204" pitchFamily="18" charset="0"/>
+                                          </a:rPr>
+                                        </m:ctrlPr>
+                                      </m:sSubPr>
+                                      <m:e>
+                                        <m:r>
+                                          <a:rPr lang="es-ES" sz="900" b="0" i="1" smtClean="0">
+                                            <a:solidFill>
+                                              <a:schemeClr val="tx1">
+                                                <a:alpha val="85000"/>
+                                              </a:schemeClr>
+                                            </a:solidFill>
+                                            <a:latin typeface="Cambria Math" panose="02040503050406030204" pitchFamily="18" charset="0"/>
+                                          </a:rPr>
+                                          <m:t>𝑇</m:t>
+                                        </m:r>
+                                      </m:e>
+                                      <m:sub>
+                                        <m:r>
+                                          <a:rPr lang="es-ES" sz="900" b="0" i="1" smtClean="0">
+                                            <a:solidFill>
+                                              <a:schemeClr val="tx1">
+                                                <a:alpha val="85000"/>
+                                              </a:schemeClr>
+                                            </a:solidFill>
+                                            <a:latin typeface="Cambria Math" panose="02040503050406030204" pitchFamily="18" charset="0"/>
+                                          </a:rPr>
+                                          <m:t>41</m:t>
+                                        </m:r>
+                                        <m:r>
+                                          <m:rPr>
+                                            <m:sty m:val="p"/>
+                                          </m:rPr>
+                                          <a:rPr lang="es-ES" sz="900" b="0" i="0" smtClean="0">
+                                            <a:solidFill>
+                                              <a:schemeClr val="tx1">
+                                                <a:alpha val="85000"/>
+                                              </a:schemeClr>
+                                            </a:solidFill>
+                                            <a:latin typeface="Cambria Math" panose="02040503050406030204" pitchFamily="18" charset="0"/>
+                                          </a:rPr>
+                                          <m:t>t</m:t>
+                                        </m:r>
+                                      </m:sub>
+                                    </m:sSub>
+                                    <m:r>
+                                      <a:rPr lang="es-ES" sz="900" b="0" i="1" smtClean="0">
+                                        <a:solidFill>
+                                          <a:schemeClr val="tx1">
+                                            <a:alpha val="85000"/>
+                                          </a:schemeClr>
+                                        </a:solidFill>
+                                        <a:latin typeface="Cambria Math" panose="02040503050406030204" pitchFamily="18" charset="0"/>
+                                      </a:rPr>
+                                      <m:t>/</m:t>
+                                    </m:r>
+                                    <m:sSub>
+                                      <m:sSubPr>
+                                        <m:ctrlPr>
+                                          <a:rPr lang="es-ES" sz="900" b="0" i="1" smtClean="0">
+                                            <a:solidFill>
+                                              <a:schemeClr val="tx1">
+                                                <a:alpha val="85000"/>
+                                              </a:schemeClr>
+                                            </a:solidFill>
+                                            <a:latin typeface="Cambria Math" panose="02040503050406030204" pitchFamily="18" charset="0"/>
+                                          </a:rPr>
+                                        </m:ctrlPr>
+                                      </m:sSubPr>
+                                      <m:e>
+                                        <m:r>
+                                          <a:rPr lang="es-ES" sz="900" b="0" i="1" smtClean="0">
+                                            <a:solidFill>
+                                              <a:schemeClr val="tx1">
+                                                <a:alpha val="85000"/>
+                                              </a:schemeClr>
+                                            </a:solidFill>
+                                            <a:latin typeface="Cambria Math" panose="02040503050406030204" pitchFamily="18" charset="0"/>
+                                          </a:rPr>
+                                          <m:t>𝑇</m:t>
+                                        </m:r>
+                                      </m:e>
+                                      <m:sub>
+                                        <m:r>
+                                          <m:rPr>
+                                            <m:sty m:val="p"/>
+                                          </m:rPr>
+                                          <a:rPr lang="es-ES" sz="900" b="0" i="0" smtClean="0">
+                                            <a:solidFill>
+                                              <a:schemeClr val="tx1">
+                                                <a:alpha val="85000"/>
+                                              </a:schemeClr>
+                                            </a:solidFill>
+                                            <a:latin typeface="Cambria Math" panose="02040503050406030204" pitchFamily="18" charset="0"/>
+                                          </a:rPr>
+                                          <m:t>ref</m:t>
+                                        </m:r>
+                                      </m:sub>
+                                    </m:sSub>
+                                  </m:e>
+                                </m:rad>
+                              </m:den>
+                            </m:f>
+                            <m:r>
+                              <a:rPr lang="es-ES" sz="900" b="0" i="1" smtClean="0">
+                                <a:solidFill>
+                                  <a:schemeClr val="tx1">
+                                    <a:alpha val="85000"/>
+                                  </a:schemeClr>
+                                </a:solidFill>
+                                <a:latin typeface="Cambria Math" panose="02040503050406030204" pitchFamily="18" charset="0"/>
+                              </a:rPr>
+                              <m:t> </m:t>
+                            </m:r>
+                            <m:r>
+                              <a:rPr lang="es-ES" sz="900" b="0" i="0" cap="none" baseline="0" smtClean="0">
+                                <a:solidFill>
+                                  <a:schemeClr val="tx1">
+                                    <a:alpha val="85000"/>
+                                  </a:schemeClr>
+                                </a:solidFill>
+                                <a:latin typeface="Cambria Math" panose="02040503050406030204" pitchFamily="18" charset="0"/>
+                              </a:rPr>
+                              <m:t>[−]</m:t>
+                            </m:r>
+                          </m:oMath>
+                        </m:oMathPara>
+                      </a14:m>
+                      <a:endParaRPr lang="es-ES" sz="900" dirty="0">
+                        <a:solidFill>
+                          <a:schemeClr val="tx1">
+                            <a:alpha val="85000"/>
+                          </a:schemeClr>
+                        </a:solidFill>
+                        <a:latin typeface="CMU Serif" panose="02000603000000000000" pitchFamily="2" charset="0"/>
+                        <a:ea typeface="CMU Bright" panose="02000603000000000000" pitchFamily="2" charset="0"/>
+                        <a:cs typeface="CMU Bright" panose="02000603000000000000" pitchFamily="2" charset="0"/>
+                      </a:endParaRPr>
+                    </a:p>
+                  </p:txBody>
+                </p:sp>
+              </mc:Choice>
+              <mc:Fallback xmlns="">
+                <p:sp>
+                  <p:nvSpPr>
+                    <p:cNvPr id="12" name="CuadroTexto 11">
+                      <a:extLst>
+                        <a:ext uri="{FF2B5EF4-FFF2-40B4-BE49-F238E27FC236}">
+                          <a16:creationId xmlns:a16="http://schemas.microsoft.com/office/drawing/2014/main" id="{F1F49DBE-8019-6F6D-C609-D8928FDEF1EA}"/>
+                        </a:ext>
+                      </a:extLst>
+                    </p:cNvPr>
+                    <p:cNvSpPr txBox="1">
+                      <a:spLocks noRot="1" noChangeAspect="1" noMove="1" noResize="1" noEditPoints="1" noAdjustHandles="1" noChangeArrowheads="1" noChangeShapeType="1" noTextEdit="1"/>
+                    </p:cNvSpPr>
+                    <p:nvPr/>
+                  </p:nvSpPr>
+                  <p:spPr>
+                    <a:xfrm>
+                      <a:off x="2592349" y="4123262"/>
+                      <a:ext cx="1048044" cy="344005"/>
+                    </a:xfrm>
+                    <a:prstGeom prst="rect">
+                      <a:avLst/>
+                    </a:prstGeom>
+                    <a:blipFill>
+                      <a:blip r:embed="rId5"/>
+                      <a:stretch>
+                        <a:fillRect r="-3488" b="-10526"/>
+                      </a:stretch>
+                    </a:blipFill>
+                  </p:spPr>
+                  <p:txBody>
+                    <a:bodyPr/>
+                    <a:lstStyle/>
+                    <a:p>
+                      <a:r>
+                        <a:rPr lang="es-ES">
+                          <a:noFill/>
+                        </a:rPr>
+                        <a:t> </a:t>
+                      </a:r>
+                    </a:p>
+                  </p:txBody>
+                </p:sp>
+              </mc:Fallback>
+            </mc:AlternateContent>
+            <p:cxnSp>
+              <p:nvCxnSpPr>
+                <p:cNvPr id="13" name="Conector recto 12">
+                  <a:extLst>
+                    <a:ext uri="{FF2B5EF4-FFF2-40B4-BE49-F238E27FC236}">
+                      <a16:creationId xmlns:a16="http://schemas.microsoft.com/office/drawing/2014/main" id="{115445FF-CF4C-0A0D-06D3-8C5535A93153}"/>
+                    </a:ext>
+                  </a:extLst>
+                </p:cNvPr>
+                <p:cNvCxnSpPr>
+                  <a:cxnSpLocks/>
+                </p:cNvCxnSpPr>
+                <p:nvPr/>
+              </p:nvCxnSpPr>
+              <p:spPr>
+                <a:xfrm>
+                  <a:off x="3112394" y="4499020"/>
+                  <a:ext cx="293567" cy="511690"/>
+                </a:xfrm>
+                <a:prstGeom prst="line">
+                  <a:avLst/>
+                </a:prstGeom>
+                <a:ln w="6350">
+                  <a:solidFill>
+                    <a:schemeClr val="tx1"/>
+                  </a:solidFill>
+                </a:ln>
+              </p:spPr>
+              <p:style>
+                <a:lnRef idx="2">
+                  <a:schemeClr val="dk1"/>
+                </a:lnRef>
+                <a:fillRef idx="0">
+                  <a:schemeClr val="dk1"/>
+                </a:fillRef>
+                <a:effectRef idx="1">
+                  <a:schemeClr val="dk1"/>
+                </a:effectRef>
+                <a:fontRef idx="minor">
+                  <a:schemeClr val="tx1"/>
+                </a:fontRef>
+              </p:style>
+            </p:cxnSp>
+            <mc:AlternateContent xmlns:mc="http://schemas.openxmlformats.org/markup-compatibility/2006" xmlns:a14="http://schemas.microsoft.com/office/drawing/2010/main">
+              <mc:Choice Requires="a14">
+                <p:sp>
+                  <p:nvSpPr>
+                    <p:cNvPr id="14" name="CuadroTexto 13">
+                      <a:extLst>
+                        <a:ext uri="{FF2B5EF4-FFF2-40B4-BE49-F238E27FC236}">
+                          <a16:creationId xmlns:a16="http://schemas.microsoft.com/office/drawing/2014/main" id="{6D6BD025-5CD7-7145-4A9A-D288BB6B2BC5}"/>
+                        </a:ext>
+                      </a:extLst>
+                    </p:cNvPr>
+                    <p:cNvSpPr txBox="1"/>
+                    <p:nvPr/>
+                  </p:nvSpPr>
+                  <p:spPr>
+                    <a:xfrm>
+                      <a:off x="7699083" y="4262340"/>
+                      <a:ext cx="1011624" cy="322011"/>
+                    </a:xfrm>
+                    <a:prstGeom prst="rect">
+                      <a:avLst/>
+                    </a:prstGeom>
+                    <a:noFill/>
+                  </p:spPr>
+                  <p:txBody>
+                    <a:bodyPr wrap="none" lIns="0" tIns="0" rIns="0" bIns="0" rtlCol="0">
+                      <a:spAutoFit/>
+                    </a:bodyPr>
+                    <a:lstStyle/>
+                    <a:p>
+                      <a:pPr/>
+                      <a14:m>
+                        <m:oMathPara xmlns:m="http://schemas.openxmlformats.org/officeDocument/2006/math">
+                          <m:oMathParaPr>
+                            <m:jc m:val="centerGroup"/>
+                          </m:oMathParaPr>
+                          <m:oMath xmlns:m="http://schemas.openxmlformats.org/officeDocument/2006/math">
+                            <m:f>
+                              <m:fPr>
+                                <m:ctrlPr>
+                                  <a:rPr lang="es-ES" sz="900" b="0" i="1" smtClean="0">
+                                    <a:solidFill>
+                                      <a:schemeClr val="tx1">
+                                        <a:alpha val="85000"/>
+                                      </a:schemeClr>
+                                    </a:solidFill>
+                                    <a:latin typeface="Cambria Math" panose="02040503050406030204" pitchFamily="18" charset="0"/>
+                                  </a:rPr>
+                                </m:ctrlPr>
+                              </m:fPr>
+                              <m:num>
+                                <m:sSub>
+                                  <m:sSubPr>
+                                    <m:ctrlPr>
+                                      <a:rPr lang="es-ES" sz="900" b="0" i="1" smtClean="0">
+                                        <a:solidFill>
+                                          <a:schemeClr val="tx1">
+                                            <a:alpha val="85000"/>
+                                          </a:schemeClr>
+                                        </a:solidFill>
+                                        <a:latin typeface="Cambria Math" panose="02040503050406030204" pitchFamily="18" charset="0"/>
+                                      </a:rPr>
+                                    </m:ctrlPr>
+                                  </m:sSubPr>
+                                  <m:e>
+                                    <m:r>
+                                      <a:rPr lang="es-ES" sz="900" b="0" i="1" smtClean="0">
+                                        <a:solidFill>
+                                          <a:schemeClr val="tx1">
+                                            <a:alpha val="85000"/>
+                                          </a:schemeClr>
+                                        </a:solidFill>
+                                        <a:latin typeface="Cambria Math" panose="02040503050406030204" pitchFamily="18" charset="0"/>
+                                      </a:rPr>
+                                      <m:t>(</m:t>
+                                    </m:r>
+                                    <m:r>
+                                      <a:rPr lang="es-ES" sz="900" b="0" i="1" smtClean="0">
+                                        <a:solidFill>
+                                          <a:schemeClr val="tx1">
+                                            <a:alpha val="85000"/>
+                                          </a:schemeClr>
+                                        </a:solidFill>
+                                        <a:latin typeface="Cambria Math" panose="02040503050406030204" pitchFamily="18" charset="0"/>
+                                      </a:rPr>
+                                      <m:t>𝑁</m:t>
+                                    </m:r>
+                                  </m:e>
+                                  <m:sub>
+                                    <m:r>
+                                      <m:rPr>
+                                        <m:sty m:val="p"/>
+                                      </m:rPr>
+                                      <a:rPr lang="es-ES" sz="900" b="0" i="0" smtClean="0">
+                                        <a:solidFill>
+                                          <a:schemeClr val="tx1">
+                                            <a:alpha val="85000"/>
+                                          </a:schemeClr>
+                                        </a:solidFill>
+                                        <a:latin typeface="Cambria Math" panose="02040503050406030204" pitchFamily="18" charset="0"/>
+                                      </a:rPr>
+                                      <m:t>LPT</m:t>
+                                    </m:r>
+                                  </m:sub>
+                                </m:sSub>
+                                <m:r>
+                                  <a:rPr lang="es-ES" sz="900" b="0" i="1" smtClean="0">
+                                    <a:solidFill>
+                                      <a:schemeClr val="tx1">
+                                        <a:alpha val="85000"/>
+                                      </a:schemeClr>
+                                    </a:solidFill>
+                                    <a:latin typeface="Cambria Math" panose="02040503050406030204" pitchFamily="18" charset="0"/>
+                                  </a:rPr>
+                                  <m:t>/</m:t>
+                                </m:r>
+                                <m:sSub>
+                                  <m:sSubPr>
+                                    <m:ctrlPr>
+                                      <a:rPr lang="es-ES" sz="900" b="0" i="1" smtClean="0">
+                                        <a:solidFill>
+                                          <a:schemeClr val="tx1">
+                                            <a:alpha val="85000"/>
+                                          </a:schemeClr>
+                                        </a:solidFill>
+                                        <a:latin typeface="Cambria Math" panose="02040503050406030204" pitchFamily="18" charset="0"/>
+                                      </a:rPr>
+                                    </m:ctrlPr>
+                                  </m:sSubPr>
+                                  <m:e>
+                                    <m:r>
+                                      <a:rPr lang="es-ES" sz="900" b="0" i="1" smtClean="0">
+                                        <a:solidFill>
+                                          <a:schemeClr val="tx1">
+                                            <a:alpha val="85000"/>
+                                          </a:schemeClr>
+                                        </a:solidFill>
+                                        <a:latin typeface="Cambria Math" panose="02040503050406030204" pitchFamily="18" charset="0"/>
+                                      </a:rPr>
+                                      <m:t>𝑁</m:t>
+                                    </m:r>
+                                  </m:e>
+                                  <m:sub>
+                                    <m:r>
+                                      <m:rPr>
+                                        <m:sty m:val="p"/>
+                                      </m:rPr>
+                                      <a:rPr lang="es-ES" sz="900" b="0" i="0" smtClean="0">
+                                        <a:solidFill>
+                                          <a:schemeClr val="tx1">
+                                            <a:alpha val="85000"/>
+                                          </a:schemeClr>
+                                        </a:solidFill>
+                                        <a:latin typeface="Cambria Math" panose="02040503050406030204" pitchFamily="18" charset="0"/>
+                                      </a:rPr>
+                                      <m:t>LPT</m:t>
+                                    </m:r>
+                                    <m:r>
+                                      <a:rPr lang="es-ES" sz="900" b="0" i="0" smtClean="0">
+                                        <a:solidFill>
+                                          <a:schemeClr val="tx1">
+                                            <a:alpha val="85000"/>
+                                          </a:schemeClr>
+                                        </a:solidFill>
+                                        <a:latin typeface="Cambria Math" panose="02040503050406030204" pitchFamily="18" charset="0"/>
+                                      </a:rPr>
+                                      <m:t>,</m:t>
+                                    </m:r>
+                                    <m:r>
+                                      <m:rPr>
+                                        <m:sty m:val="p"/>
+                                      </m:rPr>
+                                      <a:rPr lang="es-ES" sz="900" b="0" i="0" smtClean="0">
+                                        <a:solidFill>
+                                          <a:schemeClr val="tx1">
+                                            <a:alpha val="85000"/>
+                                          </a:schemeClr>
+                                        </a:solidFill>
+                                        <a:latin typeface="Cambria Math" panose="02040503050406030204" pitchFamily="18" charset="0"/>
+                                      </a:rPr>
+                                      <m:t>ref</m:t>
+                                    </m:r>
+                                  </m:sub>
+                                </m:sSub>
+                                <m:r>
+                                  <a:rPr lang="es-ES" sz="900" b="0" i="1" smtClean="0">
+                                    <a:solidFill>
+                                      <a:schemeClr val="tx1">
+                                        <a:alpha val="85000"/>
+                                      </a:schemeClr>
+                                    </a:solidFill>
+                                    <a:latin typeface="Cambria Math" panose="02040503050406030204" pitchFamily="18" charset="0"/>
+                                  </a:rPr>
+                                  <m:t>)</m:t>
+                                </m:r>
+                              </m:num>
+                              <m:den>
+                                <m:rad>
+                                  <m:radPr>
+                                    <m:degHide m:val="on"/>
+                                    <m:ctrlPr>
+                                      <a:rPr lang="es-ES" sz="900" b="0" i="1" smtClean="0">
+                                        <a:solidFill>
+                                          <a:schemeClr val="tx1">
+                                            <a:alpha val="85000"/>
+                                          </a:schemeClr>
+                                        </a:solidFill>
+                                        <a:latin typeface="Cambria Math" panose="02040503050406030204" pitchFamily="18" charset="0"/>
+                                      </a:rPr>
+                                    </m:ctrlPr>
+                                  </m:radPr>
+                                  <m:deg/>
+                                  <m:e>
+                                    <m:sSub>
+                                      <m:sSubPr>
+                                        <m:ctrlPr>
+                                          <a:rPr lang="es-ES" sz="900" b="0" i="1" smtClean="0">
+                                            <a:solidFill>
+                                              <a:schemeClr val="tx1">
+                                                <a:alpha val="85000"/>
+                                              </a:schemeClr>
+                                            </a:solidFill>
+                                            <a:latin typeface="Cambria Math" panose="02040503050406030204" pitchFamily="18" charset="0"/>
+                                          </a:rPr>
+                                        </m:ctrlPr>
+                                      </m:sSubPr>
+                                      <m:e>
+                                        <m:r>
+                                          <a:rPr lang="es-ES" sz="900" b="0" i="1" smtClean="0">
+                                            <a:solidFill>
+                                              <a:schemeClr val="tx1">
+                                                <a:alpha val="85000"/>
+                                              </a:schemeClr>
+                                            </a:solidFill>
+                                            <a:latin typeface="Cambria Math" panose="02040503050406030204" pitchFamily="18" charset="0"/>
+                                          </a:rPr>
+                                          <m:t>𝑇</m:t>
+                                        </m:r>
+                                      </m:e>
+                                      <m:sub>
+                                        <m:r>
+                                          <a:rPr lang="es-ES" sz="900" b="0" i="1" smtClean="0">
+                                            <a:solidFill>
+                                              <a:schemeClr val="tx1">
+                                                <a:alpha val="85000"/>
+                                              </a:schemeClr>
+                                            </a:solidFill>
+                                            <a:latin typeface="Cambria Math" panose="02040503050406030204" pitchFamily="18" charset="0"/>
+                                          </a:rPr>
+                                          <m:t>45</m:t>
+                                        </m:r>
+                                        <m:r>
+                                          <m:rPr>
+                                            <m:sty m:val="p"/>
+                                          </m:rPr>
+                                          <a:rPr lang="es-ES" sz="900" b="0" i="0" smtClean="0">
+                                            <a:solidFill>
+                                              <a:schemeClr val="tx1">
+                                                <a:alpha val="85000"/>
+                                              </a:schemeClr>
+                                            </a:solidFill>
+                                            <a:latin typeface="Cambria Math" panose="02040503050406030204" pitchFamily="18" charset="0"/>
+                                          </a:rPr>
+                                          <m:t>t</m:t>
+                                        </m:r>
+                                      </m:sub>
+                                    </m:sSub>
+                                    <m:r>
+                                      <a:rPr lang="es-ES" sz="900" b="0" i="1" smtClean="0">
+                                        <a:solidFill>
+                                          <a:schemeClr val="tx1">
+                                            <a:alpha val="85000"/>
+                                          </a:schemeClr>
+                                        </a:solidFill>
+                                        <a:latin typeface="Cambria Math" panose="02040503050406030204" pitchFamily="18" charset="0"/>
+                                      </a:rPr>
+                                      <m:t>/</m:t>
+                                    </m:r>
+                                    <m:sSub>
+                                      <m:sSubPr>
+                                        <m:ctrlPr>
+                                          <a:rPr lang="es-ES" sz="900" b="0" i="1" smtClean="0">
+                                            <a:solidFill>
+                                              <a:schemeClr val="tx1">
+                                                <a:alpha val="85000"/>
+                                              </a:schemeClr>
+                                            </a:solidFill>
+                                            <a:latin typeface="Cambria Math" panose="02040503050406030204" pitchFamily="18" charset="0"/>
+                                          </a:rPr>
+                                        </m:ctrlPr>
+                                      </m:sSubPr>
+                                      <m:e>
+                                        <m:r>
+                                          <a:rPr lang="es-ES" sz="900" b="0" i="1" smtClean="0">
+                                            <a:solidFill>
+                                              <a:schemeClr val="tx1">
+                                                <a:alpha val="85000"/>
+                                              </a:schemeClr>
+                                            </a:solidFill>
+                                            <a:latin typeface="Cambria Math" panose="02040503050406030204" pitchFamily="18" charset="0"/>
+                                          </a:rPr>
+                                          <m:t>𝑇</m:t>
+                                        </m:r>
+                                      </m:e>
+                                      <m:sub>
+                                        <m:r>
+                                          <m:rPr>
+                                            <m:sty m:val="p"/>
+                                          </m:rPr>
+                                          <a:rPr lang="es-ES" sz="900" b="0" i="0" smtClean="0">
+                                            <a:solidFill>
+                                              <a:schemeClr val="tx1">
+                                                <a:alpha val="85000"/>
+                                              </a:schemeClr>
+                                            </a:solidFill>
+                                            <a:latin typeface="Cambria Math" panose="02040503050406030204" pitchFamily="18" charset="0"/>
+                                          </a:rPr>
+                                          <m:t>ref</m:t>
+                                        </m:r>
+                                      </m:sub>
+                                    </m:sSub>
+                                  </m:e>
+                                </m:rad>
+                              </m:den>
+                            </m:f>
+                            <m:r>
+                              <a:rPr lang="es-ES" sz="900" b="0" i="1" smtClean="0">
+                                <a:solidFill>
+                                  <a:schemeClr val="tx1">
+                                    <a:alpha val="85000"/>
+                                  </a:schemeClr>
+                                </a:solidFill>
+                                <a:latin typeface="Cambria Math" panose="02040503050406030204" pitchFamily="18" charset="0"/>
+                              </a:rPr>
+                              <m:t> [−]</m:t>
+                            </m:r>
+                          </m:oMath>
+                        </m:oMathPara>
+                      </a14:m>
+                      <a:endParaRPr lang="es-ES" sz="900" dirty="0">
+                        <a:solidFill>
+                          <a:schemeClr val="tx1">
+                            <a:alpha val="85000"/>
+                          </a:schemeClr>
+                        </a:solidFill>
+                        <a:latin typeface="CMU Bright" panose="02000603000000000000" pitchFamily="2" charset="0"/>
+                        <a:ea typeface="CMU Bright" panose="02000603000000000000" pitchFamily="2" charset="0"/>
+                        <a:cs typeface="CMU Bright" panose="02000603000000000000" pitchFamily="2" charset="0"/>
+                      </a:endParaRPr>
+                    </a:p>
+                  </p:txBody>
+                </p:sp>
+              </mc:Choice>
+              <mc:Fallback xmlns="">
+                <p:sp>
+                  <p:nvSpPr>
+                    <p:cNvPr id="14" name="CuadroTexto 13">
+                      <a:extLst>
+                        <a:ext uri="{FF2B5EF4-FFF2-40B4-BE49-F238E27FC236}">
+                          <a16:creationId xmlns:a16="http://schemas.microsoft.com/office/drawing/2014/main" id="{6D6BD025-5CD7-7145-4A9A-D288BB6B2BC5}"/>
+                        </a:ext>
+                      </a:extLst>
+                    </p:cNvPr>
+                    <p:cNvSpPr txBox="1">
+                      <a:spLocks noRot="1" noChangeAspect="1" noMove="1" noResize="1" noEditPoints="1" noAdjustHandles="1" noChangeArrowheads="1" noChangeShapeType="1" noTextEdit="1"/>
+                    </p:cNvSpPr>
+                    <p:nvPr/>
+                  </p:nvSpPr>
+                  <p:spPr>
+                    <a:xfrm>
+                      <a:off x="7699083" y="4262340"/>
+                      <a:ext cx="1011624" cy="322011"/>
+                    </a:xfrm>
+                    <a:prstGeom prst="rect">
+                      <a:avLst/>
+                    </a:prstGeom>
+                    <a:blipFill>
+                      <a:blip r:embed="rId6"/>
+                      <a:stretch>
+                        <a:fillRect l="-3012" t="-3774" r="-3614" b="-11321"/>
+                      </a:stretch>
+                    </a:blipFill>
+                  </p:spPr>
+                  <p:txBody>
+                    <a:bodyPr/>
+                    <a:lstStyle/>
+                    <a:p>
+                      <a:r>
+                        <a:rPr lang="es-ES">
+                          <a:noFill/>
+                        </a:rPr>
+                        <a:t> </a:t>
+                      </a:r>
+                    </a:p>
+                  </p:txBody>
+                </p:sp>
+              </mc:Fallback>
+            </mc:AlternateContent>
+            <p:cxnSp>
+              <p:nvCxnSpPr>
+                <p:cNvPr id="15" name="Conector recto 14">
+                  <a:extLst>
+                    <a:ext uri="{FF2B5EF4-FFF2-40B4-BE49-F238E27FC236}">
+                      <a16:creationId xmlns:a16="http://schemas.microsoft.com/office/drawing/2014/main" id="{65017507-5F76-F419-B7F8-0665A5DB725A}"/>
+                    </a:ext>
+                  </a:extLst>
+                </p:cNvPr>
+                <p:cNvCxnSpPr>
+                  <a:cxnSpLocks/>
+                </p:cNvCxnSpPr>
+                <p:nvPr/>
+              </p:nvCxnSpPr>
+              <p:spPr>
+                <a:xfrm>
+                  <a:off x="8171234" y="4614802"/>
+                  <a:ext cx="241458" cy="430273"/>
+                </a:xfrm>
+                <a:prstGeom prst="line">
+                  <a:avLst/>
+                </a:prstGeom>
+                <a:ln w="6350">
+                  <a:solidFill>
+                    <a:schemeClr val="tx1"/>
+                  </a:solidFill>
+                </a:ln>
+              </p:spPr>
+              <p:style>
+                <a:lnRef idx="2">
+                  <a:schemeClr val="dk1"/>
+                </a:lnRef>
+                <a:fillRef idx="0">
+                  <a:schemeClr val="dk1"/>
+                </a:fillRef>
+                <a:effectRef idx="1">
+                  <a:schemeClr val="dk1"/>
+                </a:effectRef>
+                <a:fontRef idx="minor">
+                  <a:schemeClr val="tx1"/>
+                </a:fontRef>
+              </p:style>
+            </p:cxnSp>
+          </p:grpSp>
+          <p:sp>
+            <p:nvSpPr>
+              <p:cNvPr id="22" name="CuadroTexto 21">
+                <a:extLst>
+                  <a:ext uri="{FF2B5EF4-FFF2-40B4-BE49-F238E27FC236}">
+                    <a16:creationId xmlns:a16="http://schemas.microsoft.com/office/drawing/2014/main" id="{D378AC32-0C39-B578-FE1B-7B0A5601457C}"/>
+                  </a:ext>
+                </a:extLst>
+              </p:cNvPr>
+              <p:cNvSpPr txBox="1"/>
+              <p:nvPr/>
+            </p:nvSpPr>
+            <p:spPr>
+              <a:xfrm>
+                <a:off x="3236919" y="3528746"/>
+                <a:ext cx="535517" cy="230832"/>
               </a:xfrm>
               <a:prstGeom prst="rect">
                 <a:avLst/>
               </a:prstGeom>
+              <a:noFill/>
             </p:spPr>
-          </p:pic>
-          <p:pic>
-            <p:nvPicPr>
-              <p:cNvPr id="5" name="Imagen 4">
+            <p:txBody>
+              <a:bodyPr wrap="square" rtlCol="0">
+                <a:spAutoFit/>
+              </a:bodyPr>
+              <a:lstStyle/>
+              <a:p>
+                <a:r>
+                  <a:rPr lang="es-ES" sz="900" b="1" dirty="0">
+                    <a:solidFill>
+                      <a:srgbClr val="FF0000"/>
+                    </a:solidFill>
+                    <a:latin typeface="CMU Sans Serif" panose="02000603000000000000" pitchFamily="2" charset="0"/>
+                    <a:ea typeface="CMU Sans Serif" panose="02000603000000000000" pitchFamily="2" charset="0"/>
+                    <a:cs typeface="CMU Sans Serif" panose="02000603000000000000" pitchFamily="2" charset="0"/>
+                  </a:rPr>
+                  <a:t>0.0</a:t>
+                </a:r>
+              </a:p>
+            </p:txBody>
+          </p:sp>
+          <p:sp>
+            <p:nvSpPr>
+              <p:cNvPr id="23" name="CuadroTexto 22">
                 <a:extLst>
                   <a:ext uri="{FF2B5EF4-FFF2-40B4-BE49-F238E27FC236}">
-                    <a16:creationId xmlns:a16="http://schemas.microsoft.com/office/drawing/2014/main" id="{35349380-779F-E4D3-56AF-5442F2487233}"/>
+                    <a16:creationId xmlns:a16="http://schemas.microsoft.com/office/drawing/2014/main" id="{57DE262E-7BAD-421A-FE66-97851BCFCED9}"/>
                   </a:ext>
                 </a:extLst>
               </p:cNvPr>
-              <p:cNvPicPr>
-                <a:picLocks noChangeAspect="1"/>
-              </p:cNvPicPr>
+              <p:cNvSpPr txBox="1"/>
               <p:nvPr/>
-            </p:nvPicPr>
-            <p:blipFill rotWithShape="1">
-              <a:blip r:embed="rId3"/>
-              <a:srcRect l="8315" t="4288" r="5807"/>
-              <a:stretch/>
-            </p:blipFill>
+            </p:nvSpPr>
             <p:spPr>
               <a:xfrm>
-                <a:off x="2486400" y="1117601"/>
-                <a:ext cx="2182984" cy="2601559"/>
+                <a:off x="2910891" y="3384564"/>
+                <a:ext cx="535517" cy="230832"/>
               </a:xfrm>
               <a:prstGeom prst="rect">
                 <a:avLst/>
               </a:prstGeom>
-              <a:ln>
-                <a:solidFill>
-                  <a:schemeClr val="tx1"/>
-                </a:solidFill>
-              </a:ln>
+              <a:noFill/>
             </p:spPr>
-          </p:pic>
-          <p:pic>
-            <p:nvPicPr>
-              <p:cNvPr id="7" name="Imagen 6">
+            <p:txBody>
+              <a:bodyPr wrap="square" rtlCol="0">
+                <a:spAutoFit/>
+              </a:bodyPr>
+              <a:lstStyle/>
+              <a:p>
+                <a:r>
+                  <a:rPr lang="es-ES" sz="900" b="1" dirty="0">
+                    <a:solidFill>
+                      <a:srgbClr val="FF0000"/>
+                    </a:solidFill>
+                    <a:latin typeface="CMU Sans Serif" panose="02000603000000000000" pitchFamily="2" charset="0"/>
+                    <a:ea typeface="CMU Sans Serif" panose="02000603000000000000" pitchFamily="2" charset="0"/>
+                    <a:cs typeface="CMU Sans Serif" panose="02000603000000000000" pitchFamily="2" charset="0"/>
+                  </a:rPr>
+                  <a:t>0.25</a:t>
+                </a:r>
+              </a:p>
+            </p:txBody>
+          </p:sp>
+          <p:sp>
+            <p:nvSpPr>
+              <p:cNvPr id="24" name="CuadroTexto 23">
                 <a:extLst>
                   <a:ext uri="{FF2B5EF4-FFF2-40B4-BE49-F238E27FC236}">
-                    <a16:creationId xmlns:a16="http://schemas.microsoft.com/office/drawing/2014/main" id="{DB832F78-E316-D02E-5EFF-235484467311}"/>
+                    <a16:creationId xmlns:a16="http://schemas.microsoft.com/office/drawing/2014/main" id="{4453CADB-08D3-7343-24C2-325F562FABFD}"/>
                   </a:ext>
                 </a:extLst>
               </p:cNvPr>
-              <p:cNvPicPr>
-                <a:picLocks noChangeAspect="1"/>
-              </p:cNvPicPr>
+              <p:cNvSpPr txBox="1"/>
               <p:nvPr/>
-            </p:nvPicPr>
-            <p:blipFill rotWithShape="1">
-              <a:blip r:embed="rId4"/>
-              <a:srcRect l="26922" t="6138" r="5886" b="33518"/>
-              <a:stretch/>
-            </p:blipFill>
+            </p:nvSpPr>
             <p:spPr>
               <a:xfrm>
-                <a:off x="7636017" y="1117601"/>
-                <a:ext cx="2128469" cy="2601559"/>
+                <a:off x="3022607" y="2987416"/>
+                <a:ext cx="535517" cy="230832"/>
               </a:xfrm>
               <a:prstGeom prst="rect">
                 <a:avLst/>
               </a:prstGeom>
-              <a:ln>
-                <a:solidFill>
-                  <a:schemeClr val="tx1"/>
-                </a:solidFill>
-              </a:ln>
+              <a:noFill/>
             </p:spPr>
-          </p:pic>
-          <mc:AlternateContent xmlns:mc="http://schemas.openxmlformats.org/markup-compatibility/2006">
-            <mc:Choice xmlns:a14="http://schemas.microsoft.com/office/drawing/2010/main" Requires="a14">
+            <p:txBody>
+              <a:bodyPr wrap="square" rtlCol="0">
+                <a:spAutoFit/>
+              </a:bodyPr>
+              <a:lstStyle/>
+              <a:p>
+                <a:r>
+                  <a:rPr lang="es-ES" sz="900" b="1" dirty="0">
+                    <a:solidFill>
+                      <a:srgbClr val="FF0000"/>
+                    </a:solidFill>
+                    <a:latin typeface="CMU Sans Serif" panose="02000603000000000000" pitchFamily="2" charset="0"/>
+                    <a:ea typeface="CMU Sans Serif" panose="02000603000000000000" pitchFamily="2" charset="0"/>
+                    <a:cs typeface="CMU Sans Serif" panose="02000603000000000000" pitchFamily="2" charset="0"/>
+                  </a:rPr>
+                  <a:t>0.5</a:t>
+                </a:r>
+              </a:p>
+            </p:txBody>
+          </p:sp>
+          <p:sp>
+            <p:nvSpPr>
+              <p:cNvPr id="25" name="CuadroTexto 24">
+                <a:extLst>
+                  <a:ext uri="{FF2B5EF4-FFF2-40B4-BE49-F238E27FC236}">
+                    <a16:creationId xmlns:a16="http://schemas.microsoft.com/office/drawing/2014/main" id="{13EB6A97-D221-5E8F-E055-7C195CD10DCE}"/>
+                  </a:ext>
+                </a:extLst>
+              </p:cNvPr>
+              <p:cNvSpPr txBox="1"/>
+              <p:nvPr/>
+            </p:nvSpPr>
+            <p:spPr>
+              <a:xfrm>
+                <a:off x="3335383" y="1411556"/>
+                <a:ext cx="535517" cy="230832"/>
+              </a:xfrm>
+              <a:prstGeom prst="rect">
+                <a:avLst/>
+              </a:prstGeom>
+              <a:noFill/>
+            </p:spPr>
+            <p:txBody>
+              <a:bodyPr wrap="square" rtlCol="0">
+                <a:spAutoFit/>
+              </a:bodyPr>
+              <a:lstStyle/>
+              <a:p>
+                <a:r>
+                  <a:rPr lang="es-ES" sz="900" b="1" dirty="0">
+                    <a:solidFill>
+                      <a:srgbClr val="FF0000"/>
+                    </a:solidFill>
+                    <a:latin typeface="CMU Sans Serif" panose="02000603000000000000" pitchFamily="2" charset="0"/>
+                    <a:ea typeface="CMU Sans Serif" panose="02000603000000000000" pitchFamily="2" charset="0"/>
+                    <a:cs typeface="CMU Sans Serif" panose="02000603000000000000" pitchFamily="2" charset="0"/>
+                  </a:rPr>
+                  <a:t>0.75</a:t>
+                </a:r>
+              </a:p>
+            </p:txBody>
+          </p:sp>
+          <p:sp>
+            <p:nvSpPr>
+              <p:cNvPr id="26" name="CuadroTexto 25">
+                <a:extLst>
+                  <a:ext uri="{FF2B5EF4-FFF2-40B4-BE49-F238E27FC236}">
+                    <a16:creationId xmlns:a16="http://schemas.microsoft.com/office/drawing/2014/main" id="{5A7D53A4-D772-9912-333B-A96D19666D3A}"/>
+                  </a:ext>
+                </a:extLst>
+              </p:cNvPr>
+              <p:cNvSpPr txBox="1"/>
+              <p:nvPr/>
+            </p:nvSpPr>
+            <p:spPr>
+              <a:xfrm>
+                <a:off x="3429013" y="1121403"/>
+                <a:ext cx="535517" cy="230832"/>
+              </a:xfrm>
+              <a:prstGeom prst="rect">
+                <a:avLst/>
+              </a:prstGeom>
+              <a:noFill/>
+            </p:spPr>
+            <p:txBody>
+              <a:bodyPr wrap="square" rtlCol="0">
+                <a:spAutoFit/>
+              </a:bodyPr>
+              <a:lstStyle/>
+              <a:p>
+                <a:r>
+                  <a:rPr lang="es-ES" sz="900" b="1" dirty="0">
+                    <a:solidFill>
+                      <a:srgbClr val="FF0000"/>
+                    </a:solidFill>
+                    <a:latin typeface="CMU Sans Serif" panose="02000603000000000000" pitchFamily="2" charset="0"/>
+                    <a:ea typeface="CMU Sans Serif" panose="02000603000000000000" pitchFamily="2" charset="0"/>
+                    <a:cs typeface="CMU Sans Serif" panose="02000603000000000000" pitchFamily="2" charset="0"/>
+                  </a:rPr>
+                  <a:t>1.0</a:t>
+                </a:r>
+              </a:p>
+            </p:txBody>
+          </p:sp>
+          <mc:AlternateContent xmlns:mc="http://schemas.openxmlformats.org/markup-compatibility/2006" xmlns:a14="http://schemas.microsoft.com/office/drawing/2010/main">
+            <mc:Choice Requires="a14">
               <p:sp>
                 <p:nvSpPr>
-                  <p:cNvPr id="12" name="CuadroTexto 11">
+                  <p:cNvPr id="27" name="CuadroTexto 26">
                     <a:extLst>
                       <a:ext uri="{FF2B5EF4-FFF2-40B4-BE49-F238E27FC236}">
-                        <a16:creationId xmlns:a16="http://schemas.microsoft.com/office/drawing/2014/main" id="{F1F49DBE-8019-6F6D-C609-D8928FDEF1EA}"/>
+                        <a16:creationId xmlns:a16="http://schemas.microsoft.com/office/drawing/2014/main" id="{A788DB87-64E7-7EF5-E8D2-7A8FD342C88F}"/>
                       </a:ext>
                     </a:extLst>
                   </p:cNvPr>
@@ -5599,355 +6962,114 @@
                 </p:nvSpPr>
                 <p:spPr>
                   <a:xfrm>
-                    <a:off x="2592349" y="4123262"/>
-                    <a:ext cx="1048044" cy="344005"/>
+                    <a:off x="2565014" y="1183604"/>
+                    <a:ext cx="625658" cy="261610"/>
                   </a:xfrm>
                   <a:prstGeom prst="rect">
                     <a:avLst/>
                   </a:prstGeom>
                   <a:noFill/>
+                  <a:ln w="9525">
+                    <a:solidFill>
+                      <a:schemeClr val="tx1"/>
+                    </a:solidFill>
+                  </a:ln>
                 </p:spPr>
                 <p:txBody>
-                  <a:bodyPr wrap="none" lIns="0" tIns="0" rIns="0" bIns="0" rtlCol="0">
+                  <a:bodyPr wrap="square" rtlCol="0">
                     <a:spAutoFit/>
                   </a:bodyPr>
                   <a:lstStyle/>
                   <a:p>
-                    <a:pPr/>
+                    <a:r>
+                      <a:rPr lang="es-ES" sz="1100" i="1" dirty="0">
+                        <a:solidFill>
+                          <a:srgbClr val="FF0000"/>
+                        </a:solidFill>
+                        <a:latin typeface="CMU Serif" panose="02000603000000000000" pitchFamily="2" charset="0"/>
+                        <a:ea typeface="CMU Serif" panose="02000603000000000000" pitchFamily="2" charset="0"/>
+                        <a:cs typeface="CMU Serif" panose="02000603000000000000" pitchFamily="2" charset="0"/>
+                      </a:rPr>
+                      <a:t>M</a:t>
+                    </a:r>
+                    <a:r>
+                      <a:rPr lang="es-ES" sz="1100" baseline="-25000" dirty="0">
+                        <a:solidFill>
+                          <a:srgbClr val="FF0000"/>
+                        </a:solidFill>
+                        <a:latin typeface="CMU Serif" panose="02000603000000000000" pitchFamily="2" charset="0"/>
+                        <a:ea typeface="CMU Serif" panose="02000603000000000000" pitchFamily="2" charset="0"/>
+                        <a:cs typeface="CMU Serif" panose="02000603000000000000" pitchFamily="2" charset="0"/>
+                      </a:rPr>
+                      <a:t>0</a:t>
+                    </a:r>
+                    <a:r>
+                      <a:rPr lang="es-ES" sz="1100" dirty="0">
+                        <a:solidFill>
+                          <a:srgbClr val="FF0000"/>
+                        </a:solidFill>
+                        <a:latin typeface="CMU Serif" panose="02000603000000000000" pitchFamily="2" charset="0"/>
+                        <a:ea typeface="CMU Serif" panose="02000603000000000000" pitchFamily="2" charset="0"/>
+                        <a:cs typeface="CMU Serif" panose="02000603000000000000" pitchFamily="2" charset="0"/>
+                      </a:rPr>
+                      <a:t> </a:t>
+                    </a:r>
                     <a14:m>
-                      <m:oMathPara xmlns:m="http://schemas.openxmlformats.org/officeDocument/2006/math">
-                        <m:oMathParaPr>
-                          <m:jc m:val="centerGroup"/>
-                        </m:oMathParaPr>
-                        <m:oMath xmlns:m="http://schemas.openxmlformats.org/officeDocument/2006/math">
-                          <m:f>
-                            <m:fPr>
-                              <m:ctrlPr>
-                                <a:rPr lang="es-ES" sz="900" b="0" i="1" smtClean="0">
-                                  <a:solidFill>
-                                    <a:schemeClr val="tx1">
-                                      <a:alpha val="85000"/>
-                                    </a:schemeClr>
-                                  </a:solidFill>
-                                  <a:latin typeface="Cambria Math" panose="02040503050406030204" pitchFamily="18" charset="0"/>
-                                </a:rPr>
-                              </m:ctrlPr>
-                            </m:fPr>
-                            <m:num>
-                              <m:d>
-                                <m:dPr>
-                                  <m:ctrlPr>
-                                    <a:rPr lang="es-ES" sz="900" b="0" i="1" smtClean="0">
-                                      <a:solidFill>
-                                        <a:schemeClr val="tx1">
-                                          <a:alpha val="85000"/>
-                                        </a:schemeClr>
-                                      </a:solidFill>
-                                      <a:latin typeface="Cambria Math" panose="02040503050406030204" pitchFamily="18" charset="0"/>
-                                    </a:rPr>
-                                  </m:ctrlPr>
-                                </m:dPr>
-                                <m:e>
-                                  <m:sSub>
-                                    <m:sSubPr>
-                                      <m:ctrlPr>
-                                        <a:rPr lang="es-ES" sz="900" b="0" i="1" smtClean="0">
-                                          <a:solidFill>
-                                            <a:schemeClr val="tx1">
-                                              <a:alpha val="85000"/>
-                                            </a:schemeClr>
-                                          </a:solidFill>
-                                          <a:latin typeface="Cambria Math" panose="02040503050406030204" pitchFamily="18" charset="0"/>
-                                        </a:rPr>
-                                      </m:ctrlPr>
-                                    </m:sSubPr>
-                                    <m:e>
-                                      <m:r>
-                                        <a:rPr lang="es-ES" sz="900" b="0" i="1" smtClean="0">
-                                          <a:solidFill>
-                                            <a:schemeClr val="tx1">
-                                              <a:alpha val="85000"/>
-                                            </a:schemeClr>
-                                          </a:solidFill>
-                                          <a:latin typeface="Cambria Math" panose="02040503050406030204" pitchFamily="18" charset="0"/>
-                                        </a:rPr>
-                                        <m:t>𝑁</m:t>
-                                      </m:r>
-                                    </m:e>
-                                    <m:sub>
-                                      <m:r>
-                                        <m:rPr>
-                                          <m:sty m:val="p"/>
-                                        </m:rPr>
-                                        <a:rPr lang="es-ES" sz="900" b="0" i="0" smtClean="0">
-                                          <a:solidFill>
-                                            <a:schemeClr val="tx1">
-                                              <a:alpha val="85000"/>
-                                            </a:schemeClr>
-                                          </a:solidFill>
-                                          <a:latin typeface="Cambria Math" panose="02040503050406030204" pitchFamily="18" charset="0"/>
-                                        </a:rPr>
-                                        <m:t>HPT</m:t>
-                                      </m:r>
-                                    </m:sub>
-                                  </m:sSub>
-                                  <m:r>
-                                    <a:rPr lang="es-ES" sz="900" b="0" i="1" smtClean="0">
-                                      <a:solidFill>
-                                        <a:schemeClr val="tx1">
-                                          <a:alpha val="85000"/>
-                                        </a:schemeClr>
-                                      </a:solidFill>
-                                      <a:latin typeface="Cambria Math" panose="02040503050406030204" pitchFamily="18" charset="0"/>
-                                    </a:rPr>
-                                    <m:t>/</m:t>
-                                  </m:r>
-                                  <m:sSub>
-                                    <m:sSubPr>
-                                      <m:ctrlPr>
-                                        <a:rPr lang="es-ES" sz="900" b="0" i="1" smtClean="0">
-                                          <a:solidFill>
-                                            <a:schemeClr val="tx1">
-                                              <a:alpha val="85000"/>
-                                            </a:schemeClr>
-                                          </a:solidFill>
-                                          <a:latin typeface="Cambria Math" panose="02040503050406030204" pitchFamily="18" charset="0"/>
-                                        </a:rPr>
-                                      </m:ctrlPr>
-                                    </m:sSubPr>
-                                    <m:e>
-                                      <m:r>
-                                        <a:rPr lang="es-ES" sz="900" b="0" i="1" smtClean="0">
-                                          <a:solidFill>
-                                            <a:schemeClr val="tx1">
-                                              <a:alpha val="85000"/>
-                                            </a:schemeClr>
-                                          </a:solidFill>
-                                          <a:latin typeface="Cambria Math" panose="02040503050406030204" pitchFamily="18" charset="0"/>
-                                        </a:rPr>
-                                        <m:t>𝑁</m:t>
-                                      </m:r>
-                                    </m:e>
-                                    <m:sub>
-                                      <m:r>
-                                        <m:rPr>
-                                          <m:sty m:val="p"/>
-                                        </m:rPr>
-                                        <a:rPr lang="es-ES" sz="900" b="0" i="0" smtClean="0">
-                                          <a:solidFill>
-                                            <a:schemeClr val="tx1">
-                                              <a:alpha val="85000"/>
-                                            </a:schemeClr>
-                                          </a:solidFill>
-                                          <a:latin typeface="Cambria Math" panose="02040503050406030204" pitchFamily="18" charset="0"/>
-                                        </a:rPr>
-                                        <m:t>HPT</m:t>
-                                      </m:r>
-                                      <m:r>
-                                        <a:rPr lang="es-ES" sz="900" b="0" i="0" smtClean="0">
-                                          <a:solidFill>
-                                            <a:schemeClr val="tx1">
-                                              <a:alpha val="85000"/>
-                                            </a:schemeClr>
-                                          </a:solidFill>
-                                          <a:latin typeface="Cambria Math" panose="02040503050406030204" pitchFamily="18" charset="0"/>
-                                        </a:rPr>
-                                        <m:t>,</m:t>
-                                      </m:r>
-                                      <m:r>
-                                        <m:rPr>
-                                          <m:sty m:val="p"/>
-                                        </m:rPr>
-                                        <a:rPr lang="es-ES" sz="900" b="0" i="0" smtClean="0">
-                                          <a:solidFill>
-                                            <a:schemeClr val="tx1">
-                                              <a:alpha val="85000"/>
-                                            </a:schemeClr>
-                                          </a:solidFill>
-                                          <a:latin typeface="Cambria Math" panose="02040503050406030204" pitchFamily="18" charset="0"/>
-                                        </a:rPr>
-                                        <m:t>ref</m:t>
-                                      </m:r>
-                                    </m:sub>
-                                  </m:sSub>
-                                </m:e>
-                              </m:d>
-                            </m:num>
-                            <m:den>
-                              <m:rad>
-                                <m:radPr>
-                                  <m:degHide m:val="on"/>
-                                  <m:ctrlPr>
-                                    <a:rPr lang="es-ES" sz="900" b="0" i="1" smtClean="0">
-                                      <a:solidFill>
-                                        <a:schemeClr val="tx1">
-                                          <a:alpha val="85000"/>
-                                        </a:schemeClr>
-                                      </a:solidFill>
-                                      <a:latin typeface="Cambria Math" panose="02040503050406030204" pitchFamily="18" charset="0"/>
-                                    </a:rPr>
-                                  </m:ctrlPr>
-                                </m:radPr>
-                                <m:deg/>
-                                <m:e>
-                                  <m:sSub>
-                                    <m:sSubPr>
-                                      <m:ctrlPr>
-                                        <a:rPr lang="es-ES" sz="900" b="0" i="1" smtClean="0">
-                                          <a:solidFill>
-                                            <a:schemeClr val="tx1">
-                                              <a:alpha val="85000"/>
-                                            </a:schemeClr>
-                                          </a:solidFill>
-                                          <a:latin typeface="Cambria Math" panose="02040503050406030204" pitchFamily="18" charset="0"/>
-                                        </a:rPr>
-                                      </m:ctrlPr>
-                                    </m:sSubPr>
-                                    <m:e>
-                                      <m:r>
-                                        <a:rPr lang="es-ES" sz="900" b="0" i="1" smtClean="0">
-                                          <a:solidFill>
-                                            <a:schemeClr val="tx1">
-                                              <a:alpha val="85000"/>
-                                            </a:schemeClr>
-                                          </a:solidFill>
-                                          <a:latin typeface="Cambria Math" panose="02040503050406030204" pitchFamily="18" charset="0"/>
-                                        </a:rPr>
-                                        <m:t>𝑇</m:t>
-                                      </m:r>
-                                    </m:e>
-                                    <m:sub>
-                                      <m:r>
-                                        <a:rPr lang="es-ES" sz="900" b="0" i="1" smtClean="0">
-                                          <a:solidFill>
-                                            <a:schemeClr val="tx1">
-                                              <a:alpha val="85000"/>
-                                            </a:schemeClr>
-                                          </a:solidFill>
-                                          <a:latin typeface="Cambria Math" panose="02040503050406030204" pitchFamily="18" charset="0"/>
-                                        </a:rPr>
-                                        <m:t>41</m:t>
-                                      </m:r>
-                                      <m:r>
-                                        <m:rPr>
-                                          <m:sty m:val="p"/>
-                                        </m:rPr>
-                                        <a:rPr lang="es-ES" sz="900" b="0" i="0" smtClean="0">
-                                          <a:solidFill>
-                                            <a:schemeClr val="tx1">
-                                              <a:alpha val="85000"/>
-                                            </a:schemeClr>
-                                          </a:solidFill>
-                                          <a:latin typeface="Cambria Math" panose="02040503050406030204" pitchFamily="18" charset="0"/>
-                                        </a:rPr>
-                                        <m:t>t</m:t>
-                                      </m:r>
-                                    </m:sub>
-                                  </m:sSub>
-                                  <m:r>
-                                    <a:rPr lang="es-ES" sz="900" b="0" i="1" smtClean="0">
-                                      <a:solidFill>
-                                        <a:schemeClr val="tx1">
-                                          <a:alpha val="85000"/>
-                                        </a:schemeClr>
-                                      </a:solidFill>
-                                      <a:latin typeface="Cambria Math" panose="02040503050406030204" pitchFamily="18" charset="0"/>
-                                    </a:rPr>
-                                    <m:t>/</m:t>
-                                  </m:r>
-                                  <m:sSub>
-                                    <m:sSubPr>
-                                      <m:ctrlPr>
-                                        <a:rPr lang="es-ES" sz="900" b="0" i="1" smtClean="0">
-                                          <a:solidFill>
-                                            <a:schemeClr val="tx1">
-                                              <a:alpha val="85000"/>
-                                            </a:schemeClr>
-                                          </a:solidFill>
-                                          <a:latin typeface="Cambria Math" panose="02040503050406030204" pitchFamily="18" charset="0"/>
-                                        </a:rPr>
-                                      </m:ctrlPr>
-                                    </m:sSubPr>
-                                    <m:e>
-                                      <m:r>
-                                        <a:rPr lang="es-ES" sz="900" b="0" i="1" smtClean="0">
-                                          <a:solidFill>
-                                            <a:schemeClr val="tx1">
-                                              <a:alpha val="85000"/>
-                                            </a:schemeClr>
-                                          </a:solidFill>
-                                          <a:latin typeface="Cambria Math" panose="02040503050406030204" pitchFamily="18" charset="0"/>
-                                        </a:rPr>
-                                        <m:t>𝑇</m:t>
-                                      </m:r>
-                                    </m:e>
-                                    <m:sub>
-                                      <m:r>
-                                        <m:rPr>
-                                          <m:sty m:val="p"/>
-                                        </m:rPr>
-                                        <a:rPr lang="es-ES" sz="900" b="0" i="0" smtClean="0">
-                                          <a:solidFill>
-                                            <a:schemeClr val="tx1">
-                                              <a:alpha val="85000"/>
-                                            </a:schemeClr>
-                                          </a:solidFill>
-                                          <a:latin typeface="Cambria Math" panose="02040503050406030204" pitchFamily="18" charset="0"/>
-                                        </a:rPr>
-                                        <m:t>ref</m:t>
-                                      </m:r>
-                                    </m:sub>
-                                  </m:sSub>
-                                </m:e>
-                              </m:rad>
-                            </m:den>
-                          </m:f>
-                          <m:r>
-                            <a:rPr lang="es-ES" sz="900" b="0" i="1" smtClean="0">
-                              <a:solidFill>
-                                <a:schemeClr val="tx1">
-                                  <a:alpha val="85000"/>
-                                </a:schemeClr>
-                              </a:solidFill>
-                              <a:latin typeface="Cambria Math" panose="02040503050406030204" pitchFamily="18" charset="0"/>
-                            </a:rPr>
-                            <m:t> </m:t>
-                          </m:r>
-                          <m:r>
-                            <a:rPr lang="es-ES" sz="900" b="0" i="0" cap="none" baseline="0" smtClean="0">
-                              <a:solidFill>
-                                <a:schemeClr val="tx1">
-                                  <a:alpha val="85000"/>
-                                </a:schemeClr>
-                              </a:solidFill>
-                              <a:latin typeface="Cambria Math" panose="02040503050406030204" pitchFamily="18" charset="0"/>
-                            </a:rPr>
-                            <m:t>[−]</m:t>
-                          </m:r>
-                        </m:oMath>
-                      </m:oMathPara>
+                      <m:oMath xmlns:m="http://schemas.openxmlformats.org/officeDocument/2006/math">
+                        <m:r>
+                          <a:rPr lang="es-ES" sz="1050" b="0" i="0" dirty="0" smtClean="0">
+                            <a:solidFill>
+                              <a:srgbClr val="FF0000"/>
+                            </a:solidFill>
+                            <a:latin typeface="Cambria Math" panose="02040503050406030204" pitchFamily="18" charset="0"/>
+                            <a:ea typeface="Adobe Ming Std L" panose="02020300000000000000" pitchFamily="18" charset="-128"/>
+                            <a:cs typeface="CMU Serif" panose="02000603000000000000" pitchFamily="2" charset="0"/>
+                          </a:rPr>
+                          <m:t>[</m:t>
+                        </m:r>
+                        <m:r>
+                          <a:rPr lang="es-ES" sz="1050" i="1" dirty="0" smtClean="0">
+                            <a:solidFill>
+                              <a:srgbClr val="FF0000"/>
+                            </a:solidFill>
+                            <a:latin typeface="Cambria Math" panose="02040503050406030204" pitchFamily="18" charset="0"/>
+                            <a:ea typeface="Adobe Ming Std L" panose="02020300000000000000" pitchFamily="18" charset="-128"/>
+                            <a:cs typeface="CMU Serif" panose="02000603000000000000" pitchFamily="2" charset="0"/>
+                          </a:rPr>
+                          <m:t>−</m:t>
+                        </m:r>
+                        <m:r>
+                          <a:rPr lang="es-ES" sz="1050" b="0" i="0" dirty="0" smtClean="0">
+                            <a:solidFill>
+                              <a:srgbClr val="FF0000"/>
+                            </a:solidFill>
+                            <a:latin typeface="Cambria Math" panose="02040503050406030204" pitchFamily="18" charset="0"/>
+                            <a:ea typeface="Adobe Ming Std L" panose="02020300000000000000" pitchFamily="18" charset="-128"/>
+                            <a:cs typeface="CMU Serif" panose="02000603000000000000" pitchFamily="2" charset="0"/>
+                          </a:rPr>
+                          <m:t>]</m:t>
+                        </m:r>
+                      </m:oMath>
                     </a14:m>
-                    <a:endParaRPr lang="es-ES" sz="900" dirty="0">
+                    <a:endParaRPr lang="es-ES" sz="1100" dirty="0">
                       <a:solidFill>
-                        <a:schemeClr val="tx1">
-                          <a:alpha val="85000"/>
-                        </a:schemeClr>
+                        <a:srgbClr val="FF0000"/>
                       </a:solidFill>
                       <a:latin typeface="CMU Serif" panose="02000603000000000000" pitchFamily="2" charset="0"/>
-                      <a:ea typeface="CMU Bright" panose="02000603000000000000" pitchFamily="2" charset="0"/>
-                      <a:cs typeface="CMU Bright" panose="02000603000000000000" pitchFamily="2" charset="0"/>
+                      <a:ea typeface="CMU Serif" panose="02000603000000000000" pitchFamily="2" charset="0"/>
+                      <a:cs typeface="CMU Serif" panose="02000603000000000000" pitchFamily="2" charset="0"/>
                     </a:endParaRPr>
                   </a:p>
                 </p:txBody>
               </p:sp>
             </mc:Choice>
-            <mc:Fallback>
+            <mc:Fallback xmlns="">
               <p:sp>
                 <p:nvSpPr>
-                  <p:cNvPr id="12" name="CuadroTexto 11">
+                  <p:cNvPr id="27" name="CuadroTexto 26">
                     <a:extLst>
                       <a:ext uri="{FF2B5EF4-FFF2-40B4-BE49-F238E27FC236}">
-                        <a16:creationId xmlns:a16="http://schemas.microsoft.com/office/drawing/2014/main" id="{F1F49DBE-8019-6F6D-C609-D8928FDEF1EA}"/>
+                        <a16:creationId xmlns:a16="http://schemas.microsoft.com/office/drawing/2014/main" id="{A788DB87-64E7-7EF5-E8D2-7A8FD342C88F}"/>
                       </a:ext>
                     </a:extLst>
                   </p:cNvPr>
@@ -5958,18 +7080,23 @@
                 </p:nvSpPr>
                 <p:spPr>
                   <a:xfrm>
-                    <a:off x="2592349" y="4123262"/>
-                    <a:ext cx="1048044" cy="344005"/>
+                    <a:off x="2565014" y="1183604"/>
+                    <a:ext cx="625658" cy="261610"/>
                   </a:xfrm>
                   <a:prstGeom prst="rect">
                     <a:avLst/>
                   </a:prstGeom>
                   <a:blipFill>
-                    <a:blip r:embed="rId5"/>
+                    <a:blip r:embed="rId7"/>
                     <a:stretch>
-                      <a:fillRect r="-3488" b="-10526"/>
+                      <a:fillRect b="-13333"/>
                     </a:stretch>
                   </a:blipFill>
+                  <a:ln w="9525">
+                    <a:solidFill>
+                      <a:schemeClr val="tx1"/>
+                    </a:solidFill>
+                  </a:ln>
                 </p:spPr>
                 <p:txBody>
                   <a:bodyPr/>
@@ -5986,57 +7113,14 @@
               </p:sp>
             </mc:Fallback>
           </mc:AlternateContent>
-          <p:cxnSp>
-            <p:nvCxnSpPr>
-              <p:cNvPr id="13" name="Conector recto 12">
-                <a:extLst>
-                  <a:ext uri="{FF2B5EF4-FFF2-40B4-BE49-F238E27FC236}">
-                    <a16:creationId xmlns:a16="http://schemas.microsoft.com/office/drawing/2014/main" id="{115445FF-CF4C-0A0D-06D3-8C5535A93153}"/>
-                  </a:ext>
-                </a:extLst>
-              </p:cNvPr>
-              <p:cNvCxnSpPr>
-                <a:cxnSpLocks/>
-              </p:cNvCxnSpPr>
-              <p:nvPr/>
-            </p:nvCxnSpPr>
-            <p:spPr>
-              <a:xfrm>
-                <a:off x="3112394" y="4499020"/>
-                <a:ext cx="293567" cy="511690"/>
-              </a:xfrm>
-              <a:prstGeom prst="line">
-                <a:avLst/>
-              </a:prstGeom>
-              <a:ln w="6350">
-                <a:solidFill>
-                  <a:schemeClr val="tx1"/>
-                </a:solidFill>
-              </a:ln>
-            </p:spPr>
-            <p:style>
-              <a:lnRef idx="2">
-                <a:schemeClr val="dk1"/>
-              </a:lnRef>
-              <a:fillRef idx="0">
-                <a:schemeClr val="dk1"/>
-              </a:fillRef>
-              <a:effectRef idx="1">
-                <a:schemeClr val="dk1"/>
-              </a:effectRef>
-              <a:fontRef idx="minor">
-                <a:schemeClr val="tx1"/>
-              </a:fontRef>
-            </p:style>
-          </p:cxnSp>
-          <mc:AlternateContent xmlns:mc="http://schemas.openxmlformats.org/markup-compatibility/2006">
-            <mc:Choice xmlns:a14="http://schemas.microsoft.com/office/drawing/2010/main" Requires="a14">
+          <mc:AlternateContent xmlns:mc="http://schemas.openxmlformats.org/markup-compatibility/2006" xmlns:a14="http://schemas.microsoft.com/office/drawing/2010/main">
+            <mc:Choice Requires="a14">
               <p:sp>
                 <p:nvSpPr>
-                  <p:cNvPr id="14" name="CuadroTexto 13">
+                  <p:cNvPr id="28" name="CuadroTexto 27">
                     <a:extLst>
                       <a:ext uri="{FF2B5EF4-FFF2-40B4-BE49-F238E27FC236}">
-                        <a16:creationId xmlns:a16="http://schemas.microsoft.com/office/drawing/2014/main" id="{6D6BD025-5CD7-7145-4A9A-D288BB6B2BC5}"/>
+                        <a16:creationId xmlns:a16="http://schemas.microsoft.com/office/drawing/2014/main" id="{F845F60B-E254-6C83-B26D-50B6F7F2A86A}"/>
                       </a:ext>
                     </a:extLst>
                   </p:cNvPr>
@@ -6045,350 +7129,105 @@
                 </p:nvSpPr>
                 <p:spPr>
                   <a:xfrm>
-                    <a:off x="7699083" y="4262340"/>
-                    <a:ext cx="1011624" cy="322011"/>
+                    <a:off x="9041835" y="1170905"/>
+                    <a:ext cx="663765" cy="276999"/>
                   </a:xfrm>
                   <a:prstGeom prst="rect">
                     <a:avLst/>
                   </a:prstGeom>
-                  <a:noFill/>
+                  <a:solidFill>
+                    <a:schemeClr val="bg1"/>
+                  </a:solidFill>
+                  <a:ln w="9525">
+                    <a:solidFill>
+                      <a:schemeClr val="tx1"/>
+                    </a:solidFill>
+                  </a:ln>
                 </p:spPr>
                 <p:txBody>
-                  <a:bodyPr wrap="none" lIns="0" tIns="0" rIns="0" bIns="0" rtlCol="0">
+                  <a:bodyPr wrap="square" rtlCol="0">
                     <a:spAutoFit/>
                   </a:bodyPr>
                   <a:lstStyle/>
                   <a:p>
-                    <a:pPr/>
+                    <a:r>
+                      <a:rPr lang="es-ES" sz="1200" i="1" dirty="0">
+                        <a:solidFill>
+                          <a:srgbClr val="FF0000"/>
+                        </a:solidFill>
+                        <a:latin typeface="CMU Serif" panose="02000603000000000000" pitchFamily="2" charset="0"/>
+                        <a:ea typeface="CMU Serif" panose="02000603000000000000" pitchFamily="2" charset="0"/>
+                        <a:cs typeface="CMU Serif" panose="02000603000000000000" pitchFamily="2" charset="0"/>
+                      </a:rPr>
+                      <a:t>M</a:t>
+                    </a:r>
+                    <a:r>
+                      <a:rPr lang="es-ES" sz="1200" baseline="-25000" dirty="0">
+                        <a:solidFill>
+                          <a:srgbClr val="FF0000"/>
+                        </a:solidFill>
+                        <a:latin typeface="CMU Serif" panose="02000603000000000000" pitchFamily="2" charset="0"/>
+                        <a:ea typeface="CMU Serif" panose="02000603000000000000" pitchFamily="2" charset="0"/>
+                        <a:cs typeface="CMU Serif" panose="02000603000000000000" pitchFamily="2" charset="0"/>
+                      </a:rPr>
+                      <a:t>0</a:t>
+                    </a:r>
                     <a14:m>
-                      <m:oMathPara xmlns:m="http://schemas.openxmlformats.org/officeDocument/2006/math">
-                        <m:oMathParaPr>
-                          <m:jc m:val="centerGroup"/>
-                        </m:oMathParaPr>
-                        <m:oMath xmlns:m="http://schemas.openxmlformats.org/officeDocument/2006/math">
-                          <m:f>
-                            <m:fPr>
-                              <m:ctrlPr>
-                                <a:rPr lang="es-ES" sz="900" b="0" i="1" smtClean="0">
-                                  <a:solidFill>
-                                    <a:schemeClr val="tx1">
-                                      <a:alpha val="85000"/>
-                                    </a:schemeClr>
-                                  </a:solidFill>
-                                  <a:latin typeface="Cambria Math" panose="02040503050406030204" pitchFamily="18" charset="0"/>
-                                </a:rPr>
-                              </m:ctrlPr>
-                            </m:fPr>
-                            <m:num>
-                              <m:sSub>
-                                <m:sSubPr>
-                                  <m:ctrlPr>
-                                    <a:rPr lang="es-ES" sz="900" b="0" i="1" smtClean="0">
-                                      <a:solidFill>
-                                        <a:schemeClr val="tx1">
-                                          <a:alpha val="85000"/>
-                                        </a:schemeClr>
-                                      </a:solidFill>
-                                      <a:latin typeface="Cambria Math" panose="02040503050406030204" pitchFamily="18" charset="0"/>
-                                    </a:rPr>
-                                  </m:ctrlPr>
-                                </m:sSubPr>
-                                <m:e>
-                                  <m:r>
-                                    <a:rPr lang="es-ES" sz="900" b="0" i="1" smtClean="0">
-                                      <a:solidFill>
-                                        <a:schemeClr val="tx1">
-                                          <a:alpha val="85000"/>
-                                        </a:schemeClr>
-                                      </a:solidFill>
-                                      <a:latin typeface="Cambria Math" panose="02040503050406030204" pitchFamily="18" charset="0"/>
-                                    </a:rPr>
-                                    <m:t>(</m:t>
-                                  </m:r>
-                                  <m:r>
-                                    <a:rPr lang="es-ES" sz="900" b="0" i="1" smtClean="0">
-                                      <a:solidFill>
-                                        <a:schemeClr val="tx1">
-                                          <a:alpha val="85000"/>
-                                        </a:schemeClr>
-                                      </a:solidFill>
-                                      <a:latin typeface="Cambria Math" panose="02040503050406030204" pitchFamily="18" charset="0"/>
-                                    </a:rPr>
-                                    <m:t>𝑁</m:t>
-                                  </m:r>
-                                </m:e>
-                                <m:sub>
-                                  <m:r>
-                                    <m:rPr>
-                                      <m:sty m:val="p"/>
-                                    </m:rPr>
-                                    <a:rPr lang="es-ES" sz="900" b="0" i="0" smtClean="0">
-                                      <a:solidFill>
-                                        <a:schemeClr val="tx1">
-                                          <a:alpha val="85000"/>
-                                        </a:schemeClr>
-                                      </a:solidFill>
-                                      <a:latin typeface="Cambria Math" panose="02040503050406030204" pitchFamily="18" charset="0"/>
-                                    </a:rPr>
-                                    <m:t>LPT</m:t>
-                                  </m:r>
-                                </m:sub>
-                              </m:sSub>
-                              <m:r>
-                                <a:rPr lang="es-ES" sz="900" b="0" i="1" smtClean="0">
-                                  <a:solidFill>
-                                    <a:schemeClr val="tx1">
-                                      <a:alpha val="85000"/>
-                                    </a:schemeClr>
-                                  </a:solidFill>
-                                  <a:latin typeface="Cambria Math" panose="02040503050406030204" pitchFamily="18" charset="0"/>
-                                </a:rPr>
-                                <m:t>/</m:t>
-                              </m:r>
-                              <m:sSub>
-                                <m:sSubPr>
-                                  <m:ctrlPr>
-                                    <a:rPr lang="es-ES" sz="900" b="0" i="1" smtClean="0">
-                                      <a:solidFill>
-                                        <a:schemeClr val="tx1">
-                                          <a:alpha val="85000"/>
-                                        </a:schemeClr>
-                                      </a:solidFill>
-                                      <a:latin typeface="Cambria Math" panose="02040503050406030204" pitchFamily="18" charset="0"/>
-                                    </a:rPr>
-                                  </m:ctrlPr>
-                                </m:sSubPr>
-                                <m:e>
-                                  <m:r>
-                                    <a:rPr lang="es-ES" sz="900" b="0" i="1" smtClean="0">
-                                      <a:solidFill>
-                                        <a:schemeClr val="tx1">
-                                          <a:alpha val="85000"/>
-                                        </a:schemeClr>
-                                      </a:solidFill>
-                                      <a:latin typeface="Cambria Math" panose="02040503050406030204" pitchFamily="18" charset="0"/>
-                                    </a:rPr>
-                                    <m:t>𝑁</m:t>
-                                  </m:r>
-                                </m:e>
-                                <m:sub>
-                                  <m:r>
-                                    <m:rPr>
-                                      <m:sty m:val="p"/>
-                                    </m:rPr>
-                                    <a:rPr lang="es-ES" sz="900" b="0" i="0" smtClean="0">
-                                      <a:solidFill>
-                                        <a:schemeClr val="tx1">
-                                          <a:alpha val="85000"/>
-                                        </a:schemeClr>
-                                      </a:solidFill>
-                                      <a:latin typeface="Cambria Math" panose="02040503050406030204" pitchFamily="18" charset="0"/>
-                                    </a:rPr>
-                                    <m:t>LPT</m:t>
-                                  </m:r>
-                                  <m:r>
-                                    <a:rPr lang="es-ES" sz="900" b="0" i="0" smtClean="0">
-                                      <a:solidFill>
-                                        <a:schemeClr val="tx1">
-                                          <a:alpha val="85000"/>
-                                        </a:schemeClr>
-                                      </a:solidFill>
-                                      <a:latin typeface="Cambria Math" panose="02040503050406030204" pitchFamily="18" charset="0"/>
-                                    </a:rPr>
-                                    <m:t>,</m:t>
-                                  </m:r>
-                                  <m:r>
-                                    <m:rPr>
-                                      <m:sty m:val="p"/>
-                                    </m:rPr>
-                                    <a:rPr lang="es-ES" sz="900" b="0" i="0" smtClean="0">
-                                      <a:solidFill>
-                                        <a:schemeClr val="tx1">
-                                          <a:alpha val="85000"/>
-                                        </a:schemeClr>
-                                      </a:solidFill>
-                                      <a:latin typeface="Cambria Math" panose="02040503050406030204" pitchFamily="18" charset="0"/>
-                                    </a:rPr>
-                                    <m:t>ref</m:t>
-                                  </m:r>
-                                </m:sub>
-                              </m:sSub>
-                              <m:r>
-                                <a:rPr lang="es-ES" sz="900" b="0" i="1" smtClean="0">
-                                  <a:solidFill>
-                                    <a:schemeClr val="tx1">
-                                      <a:alpha val="85000"/>
-                                    </a:schemeClr>
-                                  </a:solidFill>
-                                  <a:latin typeface="Cambria Math" panose="02040503050406030204" pitchFamily="18" charset="0"/>
-                                </a:rPr>
-                                <m:t>)</m:t>
-                              </m:r>
-                            </m:num>
-                            <m:den>
-                              <m:rad>
-                                <m:radPr>
-                                  <m:degHide m:val="on"/>
-                                  <m:ctrlPr>
-                                    <a:rPr lang="es-ES" sz="900" b="0" i="1" smtClean="0">
-                                      <a:solidFill>
-                                        <a:schemeClr val="tx1">
-                                          <a:alpha val="85000"/>
-                                        </a:schemeClr>
-                                      </a:solidFill>
-                                      <a:latin typeface="Cambria Math" panose="02040503050406030204" pitchFamily="18" charset="0"/>
-                                    </a:rPr>
-                                  </m:ctrlPr>
-                                </m:radPr>
-                                <m:deg/>
-                                <m:e>
-                                  <m:sSub>
-                                    <m:sSubPr>
-                                      <m:ctrlPr>
-                                        <a:rPr lang="es-ES" sz="900" b="0" i="1" smtClean="0">
-                                          <a:solidFill>
-                                            <a:schemeClr val="tx1">
-                                              <a:alpha val="85000"/>
-                                            </a:schemeClr>
-                                          </a:solidFill>
-                                          <a:latin typeface="Cambria Math" panose="02040503050406030204" pitchFamily="18" charset="0"/>
-                                        </a:rPr>
-                                      </m:ctrlPr>
-                                    </m:sSubPr>
-                                    <m:e>
-                                      <m:r>
-                                        <a:rPr lang="es-ES" sz="900" b="0" i="1" smtClean="0">
-                                          <a:solidFill>
-                                            <a:schemeClr val="tx1">
-                                              <a:alpha val="85000"/>
-                                            </a:schemeClr>
-                                          </a:solidFill>
-                                          <a:latin typeface="Cambria Math" panose="02040503050406030204" pitchFamily="18" charset="0"/>
-                                        </a:rPr>
-                                        <m:t>𝑇</m:t>
-                                      </m:r>
-                                    </m:e>
-                                    <m:sub>
-                                      <m:r>
-                                        <a:rPr lang="es-ES" sz="900" b="0" i="1" smtClean="0">
-                                          <a:solidFill>
-                                            <a:schemeClr val="tx1">
-                                              <a:alpha val="85000"/>
-                                            </a:schemeClr>
-                                          </a:solidFill>
-                                          <a:latin typeface="Cambria Math" panose="02040503050406030204" pitchFamily="18" charset="0"/>
-                                        </a:rPr>
-                                        <m:t>45</m:t>
-                                      </m:r>
-                                      <m:r>
-                                        <m:rPr>
-                                          <m:sty m:val="p"/>
-                                        </m:rPr>
-                                        <a:rPr lang="es-ES" sz="900" b="0" i="0" smtClean="0">
-                                          <a:solidFill>
-                                            <a:schemeClr val="tx1">
-                                              <a:alpha val="85000"/>
-                                            </a:schemeClr>
-                                          </a:solidFill>
-                                          <a:latin typeface="Cambria Math" panose="02040503050406030204" pitchFamily="18" charset="0"/>
-                                        </a:rPr>
-                                        <m:t>t</m:t>
-                                      </m:r>
-                                    </m:sub>
-                                  </m:sSub>
-                                  <m:r>
-                                    <a:rPr lang="es-ES" sz="900" b="0" i="1" smtClean="0">
-                                      <a:solidFill>
-                                        <a:schemeClr val="tx1">
-                                          <a:alpha val="85000"/>
-                                        </a:schemeClr>
-                                      </a:solidFill>
-                                      <a:latin typeface="Cambria Math" panose="02040503050406030204" pitchFamily="18" charset="0"/>
-                                    </a:rPr>
-                                    <m:t>/</m:t>
-                                  </m:r>
-                                  <m:sSub>
-                                    <m:sSubPr>
-                                      <m:ctrlPr>
-                                        <a:rPr lang="es-ES" sz="900" b="0" i="1" smtClean="0">
-                                          <a:solidFill>
-                                            <a:schemeClr val="tx1">
-                                              <a:alpha val="85000"/>
-                                            </a:schemeClr>
-                                          </a:solidFill>
-                                          <a:latin typeface="Cambria Math" panose="02040503050406030204" pitchFamily="18" charset="0"/>
-                                        </a:rPr>
-                                      </m:ctrlPr>
-                                    </m:sSubPr>
-                                    <m:e>
-                                      <m:r>
-                                        <a:rPr lang="es-ES" sz="900" b="0" i="1" smtClean="0">
-                                          <a:solidFill>
-                                            <a:schemeClr val="tx1">
-                                              <a:alpha val="85000"/>
-                                            </a:schemeClr>
-                                          </a:solidFill>
-                                          <a:latin typeface="Cambria Math" panose="02040503050406030204" pitchFamily="18" charset="0"/>
-                                        </a:rPr>
-                                        <m:t>𝑇</m:t>
-                                      </m:r>
-                                    </m:e>
-                                    <m:sub>
-                                      <m:r>
-                                        <m:rPr>
-                                          <m:sty m:val="p"/>
-                                        </m:rPr>
-                                        <a:rPr lang="es-ES" sz="900" b="0" i="0" smtClean="0">
-                                          <a:solidFill>
-                                            <a:schemeClr val="tx1">
-                                              <a:alpha val="85000"/>
-                                            </a:schemeClr>
-                                          </a:solidFill>
-                                          <a:latin typeface="Cambria Math" panose="02040503050406030204" pitchFamily="18" charset="0"/>
-                                        </a:rPr>
-                                        <m:t>ref</m:t>
-                                      </m:r>
-                                    </m:sub>
-                                  </m:sSub>
-                                </m:e>
-                              </m:rad>
-                            </m:den>
-                          </m:f>
-                          <m:r>
-                            <a:rPr lang="es-ES" sz="900" b="0" i="1" smtClean="0">
-                              <a:solidFill>
-                                <a:schemeClr val="tx1">
-                                  <a:alpha val="85000"/>
-                                </a:schemeClr>
-                              </a:solidFill>
-                              <a:latin typeface="Cambria Math" panose="02040503050406030204" pitchFamily="18" charset="0"/>
-                            </a:rPr>
-                            <m:t> [−]</m:t>
-                          </m:r>
-                        </m:oMath>
-                      </m:oMathPara>
+                      <m:oMath xmlns:m="http://schemas.openxmlformats.org/officeDocument/2006/math">
+                        <m:r>
+                          <a:rPr lang="es-ES" sz="1100" b="0" i="0" dirty="0" smtClean="0">
+                            <a:solidFill>
+                              <a:srgbClr val="FF0000"/>
+                            </a:solidFill>
+                            <a:latin typeface="Cambria Math" panose="02040503050406030204" pitchFamily="18" charset="0"/>
+                            <a:ea typeface="Adobe Ming Std L" panose="02020300000000000000" pitchFamily="18" charset="-128"/>
+                            <a:cs typeface="CMU Serif" panose="02000603000000000000" pitchFamily="2" charset="0"/>
+                          </a:rPr>
+                          <m:t>  [</m:t>
+                        </m:r>
+                        <m:r>
+                          <a:rPr lang="es-ES" sz="1100" i="1" dirty="0" smtClean="0">
+                            <a:solidFill>
+                              <a:srgbClr val="FF0000"/>
+                            </a:solidFill>
+                            <a:latin typeface="Cambria Math" panose="02040503050406030204" pitchFamily="18" charset="0"/>
+                            <a:ea typeface="Adobe Ming Std L" panose="02020300000000000000" pitchFamily="18" charset="-128"/>
+                            <a:cs typeface="CMU Serif" panose="02000603000000000000" pitchFamily="2" charset="0"/>
+                          </a:rPr>
+                          <m:t>−</m:t>
+                        </m:r>
+                        <m:r>
+                          <a:rPr lang="es-ES" sz="1100" b="0" i="0" dirty="0" smtClean="0">
+                            <a:solidFill>
+                              <a:srgbClr val="FF0000"/>
+                            </a:solidFill>
+                            <a:latin typeface="Cambria Math" panose="02040503050406030204" pitchFamily="18" charset="0"/>
+                            <a:ea typeface="Adobe Ming Std L" panose="02020300000000000000" pitchFamily="18" charset="-128"/>
+                            <a:cs typeface="CMU Serif" panose="02000603000000000000" pitchFamily="2" charset="0"/>
+                          </a:rPr>
+                          <m:t>]</m:t>
+                        </m:r>
+                      </m:oMath>
                     </a14:m>
-                    <a:endParaRPr lang="es-ES" sz="900" dirty="0">
+                    <a:endParaRPr lang="es-ES" sz="1200" dirty="0">
                       <a:solidFill>
-                        <a:schemeClr val="tx1">
-                          <a:alpha val="85000"/>
-                        </a:schemeClr>
+                        <a:srgbClr val="FF0000"/>
                       </a:solidFill>
-                      <a:latin typeface="CMU Bright" panose="02000603000000000000" pitchFamily="2" charset="0"/>
-                      <a:ea typeface="CMU Bright" panose="02000603000000000000" pitchFamily="2" charset="0"/>
-                      <a:cs typeface="CMU Bright" panose="02000603000000000000" pitchFamily="2" charset="0"/>
+                      <a:latin typeface="CMU Serif" panose="02000603000000000000" pitchFamily="2" charset="0"/>
+                      <a:ea typeface="CMU Serif" panose="02000603000000000000" pitchFamily="2" charset="0"/>
+                      <a:cs typeface="CMU Serif" panose="02000603000000000000" pitchFamily="2" charset="0"/>
                     </a:endParaRPr>
                   </a:p>
                 </p:txBody>
               </p:sp>
             </mc:Choice>
-            <mc:Fallback>
+            <mc:Fallback xmlns="">
               <p:sp>
                 <p:nvSpPr>
-                  <p:cNvPr id="14" name="CuadroTexto 13">
+                  <p:cNvPr id="28" name="CuadroTexto 27">
                     <a:extLst>
                       <a:ext uri="{FF2B5EF4-FFF2-40B4-BE49-F238E27FC236}">
-                        <a16:creationId xmlns:a16="http://schemas.microsoft.com/office/drawing/2014/main" id="{6D6BD025-5CD7-7145-4A9A-D288BB6B2BC5}"/>
+                        <a16:creationId xmlns:a16="http://schemas.microsoft.com/office/drawing/2014/main" id="{F845F60B-E254-6C83-B26D-50B6F7F2A86A}"/>
                       </a:ext>
                     </a:extLst>
                   </p:cNvPr>
@@ -6399,18 +7238,23 @@
                 </p:nvSpPr>
                 <p:spPr>
                   <a:xfrm>
-                    <a:off x="7699083" y="4262340"/>
-                    <a:ext cx="1011624" cy="322011"/>
+                    <a:off x="9041835" y="1170905"/>
+                    <a:ext cx="663765" cy="276999"/>
                   </a:xfrm>
                   <a:prstGeom prst="rect">
                     <a:avLst/>
                   </a:prstGeom>
                   <a:blipFill>
-                    <a:blip r:embed="rId6"/>
+                    <a:blip r:embed="rId8"/>
                     <a:stretch>
-                      <a:fillRect l="-3012" t="-3774" r="-3614" b="-11321"/>
+                      <a:fillRect b="-12500"/>
                     </a:stretch>
                   </a:blipFill>
+                  <a:ln w="9525">
+                    <a:solidFill>
+                      <a:schemeClr val="tx1"/>
+                    </a:solidFill>
+                  </a:ln>
                 </p:spPr>
                 <p:txBody>
                   <a:bodyPr/>
@@ -6427,56 +7271,223 @@
               </p:sp>
             </mc:Fallback>
           </mc:AlternateContent>
-          <p:cxnSp>
-            <p:nvCxnSpPr>
-              <p:cNvPr id="15" name="Conector recto 14">
+          <p:sp>
+            <p:nvSpPr>
+              <p:cNvPr id="29" name="CuadroTexto 28">
                 <a:extLst>
                   <a:ext uri="{FF2B5EF4-FFF2-40B4-BE49-F238E27FC236}">
-                    <a16:creationId xmlns:a16="http://schemas.microsoft.com/office/drawing/2014/main" id="{65017507-5F76-F419-B7F8-0665A5DB725A}"/>
+                    <a16:creationId xmlns:a16="http://schemas.microsoft.com/office/drawing/2014/main" id="{3EC8171B-20FA-35B2-D678-7340BB93E935}"/>
                   </a:ext>
                 </a:extLst>
               </p:cNvPr>
-              <p:cNvCxnSpPr>
-                <a:cxnSpLocks/>
-              </p:cNvCxnSpPr>
+              <p:cNvSpPr txBox="1"/>
               <p:nvPr/>
-            </p:nvCxnSpPr>
+            </p:nvSpPr>
             <p:spPr>
               <a:xfrm>
-                <a:off x="8171234" y="4614802"/>
-                <a:ext cx="241458" cy="430273"/>
+                <a:off x="8136467" y="3533969"/>
+                <a:ext cx="535517" cy="230832"/>
               </a:xfrm>
-              <a:prstGeom prst="line">
+              <a:prstGeom prst="rect">
                 <a:avLst/>
               </a:prstGeom>
-              <a:ln w="6350">
-                <a:solidFill>
-                  <a:schemeClr val="tx1"/>
-                </a:solidFill>
-              </a:ln>
+              <a:noFill/>
             </p:spPr>
-            <p:style>
-              <a:lnRef idx="2">
-                <a:schemeClr val="dk1"/>
-              </a:lnRef>
-              <a:fillRef idx="0">
-                <a:schemeClr val="dk1"/>
-              </a:fillRef>
-              <a:effectRef idx="1">
-                <a:schemeClr val="dk1"/>
-              </a:effectRef>
-              <a:fontRef idx="minor">
-                <a:schemeClr val="tx1"/>
-              </a:fontRef>
-            </p:style>
-          </p:cxnSp>
+            <p:txBody>
+              <a:bodyPr wrap="square" rtlCol="0">
+                <a:spAutoFit/>
+              </a:bodyPr>
+              <a:lstStyle/>
+              <a:p>
+                <a:r>
+                  <a:rPr lang="es-ES" sz="900" b="1" dirty="0">
+                    <a:solidFill>
+                      <a:srgbClr val="FF0000"/>
+                    </a:solidFill>
+                    <a:latin typeface="CMU Sans Serif" panose="02000603000000000000" pitchFamily="2" charset="0"/>
+                    <a:ea typeface="CMU Sans Serif" panose="02000603000000000000" pitchFamily="2" charset="0"/>
+                    <a:cs typeface="CMU Sans Serif" panose="02000603000000000000" pitchFamily="2" charset="0"/>
+                  </a:rPr>
+                  <a:t>0.0</a:t>
+                </a:r>
+              </a:p>
+            </p:txBody>
+          </p:sp>
+          <p:sp>
+            <p:nvSpPr>
+              <p:cNvPr id="30" name="CuadroTexto 29">
+                <a:extLst>
+                  <a:ext uri="{FF2B5EF4-FFF2-40B4-BE49-F238E27FC236}">
+                    <a16:creationId xmlns:a16="http://schemas.microsoft.com/office/drawing/2014/main" id="{6B70AF7D-F1B5-F93F-0345-7C43B7A0A556}"/>
+                  </a:ext>
+                </a:extLst>
+              </p:cNvPr>
+              <p:cNvSpPr txBox="1"/>
+              <p:nvPr/>
+            </p:nvSpPr>
+            <p:spPr>
+              <a:xfrm>
+                <a:off x="8615205" y="1471909"/>
+                <a:ext cx="535517" cy="230832"/>
+              </a:xfrm>
+              <a:prstGeom prst="rect">
+                <a:avLst/>
+              </a:prstGeom>
+              <a:noFill/>
+            </p:spPr>
+            <p:txBody>
+              <a:bodyPr wrap="square" rtlCol="0">
+                <a:spAutoFit/>
+              </a:bodyPr>
+              <a:lstStyle/>
+              <a:p>
+                <a:r>
+                  <a:rPr lang="es-ES" sz="900" b="1" dirty="0">
+                    <a:solidFill>
+                      <a:srgbClr val="FF0000"/>
+                    </a:solidFill>
+                    <a:latin typeface="CMU Sans Serif" panose="02000603000000000000" pitchFamily="2" charset="0"/>
+                    <a:ea typeface="CMU Sans Serif" panose="02000603000000000000" pitchFamily="2" charset="0"/>
+                    <a:cs typeface="CMU Sans Serif" panose="02000603000000000000" pitchFamily="2" charset="0"/>
+                  </a:rPr>
+                  <a:t>0.5</a:t>
+                </a:r>
+              </a:p>
+            </p:txBody>
+          </p:sp>
+          <p:sp>
+            <p:nvSpPr>
+              <p:cNvPr id="31" name="CuadroTexto 30">
+                <a:extLst>
+                  <a:ext uri="{FF2B5EF4-FFF2-40B4-BE49-F238E27FC236}">
+                    <a16:creationId xmlns:a16="http://schemas.microsoft.com/office/drawing/2014/main" id="{559801D6-EDEE-0EB3-802E-EF2CC788BBEC}"/>
+                  </a:ext>
+                </a:extLst>
+              </p:cNvPr>
+              <p:cNvSpPr txBox="1"/>
+              <p:nvPr/>
+            </p:nvSpPr>
+            <p:spPr>
+              <a:xfrm>
+                <a:off x="8573621" y="1378139"/>
+                <a:ext cx="535517" cy="230832"/>
+              </a:xfrm>
+              <a:prstGeom prst="rect">
+                <a:avLst/>
+              </a:prstGeom>
+              <a:noFill/>
+            </p:spPr>
+            <p:txBody>
+              <a:bodyPr wrap="square" rtlCol="0">
+                <a:spAutoFit/>
+              </a:bodyPr>
+              <a:lstStyle/>
+              <a:p>
+                <a:r>
+                  <a:rPr lang="es-ES" sz="900" b="1" dirty="0">
+                    <a:solidFill>
+                      <a:srgbClr val="FF0000"/>
+                    </a:solidFill>
+                    <a:latin typeface="CMU Sans Serif" panose="02000603000000000000" pitchFamily="2" charset="0"/>
+                    <a:ea typeface="CMU Sans Serif" panose="02000603000000000000" pitchFamily="2" charset="0"/>
+                    <a:cs typeface="CMU Sans Serif" panose="02000603000000000000" pitchFamily="2" charset="0"/>
+                  </a:rPr>
+                  <a:t>0.25</a:t>
+                </a:r>
+              </a:p>
+            </p:txBody>
+          </p:sp>
+          <p:sp>
+            <p:nvSpPr>
+              <p:cNvPr id="32" name="CuadroTexto 31">
+                <a:extLst>
+                  <a:ext uri="{FF2B5EF4-FFF2-40B4-BE49-F238E27FC236}">
+                    <a16:creationId xmlns:a16="http://schemas.microsoft.com/office/drawing/2014/main" id="{FD9DC6EB-A4D7-228E-8542-A5296B4F675F}"/>
+                  </a:ext>
+                </a:extLst>
+              </p:cNvPr>
+              <p:cNvSpPr txBox="1"/>
+              <p:nvPr/>
+            </p:nvSpPr>
+            <p:spPr>
+              <a:xfrm>
+                <a:off x="8434482" y="3528746"/>
+                <a:ext cx="535517" cy="230832"/>
+              </a:xfrm>
+              <a:prstGeom prst="rect">
+                <a:avLst/>
+              </a:prstGeom>
+              <a:noFill/>
+            </p:spPr>
+            <p:txBody>
+              <a:bodyPr wrap="square" rtlCol="0">
+                <a:spAutoFit/>
+              </a:bodyPr>
+              <a:lstStyle/>
+              <a:p>
+                <a:r>
+                  <a:rPr lang="es-ES" sz="900" b="1" dirty="0">
+                    <a:solidFill>
+                      <a:srgbClr val="FF0000"/>
+                    </a:solidFill>
+                    <a:latin typeface="CMU Sans Serif" panose="02000603000000000000" pitchFamily="2" charset="0"/>
+                    <a:ea typeface="CMU Sans Serif" panose="02000603000000000000" pitchFamily="2" charset="0"/>
+                    <a:cs typeface="CMU Sans Serif" panose="02000603000000000000" pitchFamily="2" charset="0"/>
+                  </a:rPr>
+                  <a:t>0.75</a:t>
+                </a:r>
+              </a:p>
+            </p:txBody>
+          </p:sp>
+          <p:sp>
+            <p:nvSpPr>
+              <p:cNvPr id="33" name="CuadroTexto 32">
+                <a:extLst>
+                  <a:ext uri="{FF2B5EF4-FFF2-40B4-BE49-F238E27FC236}">
+                    <a16:creationId xmlns:a16="http://schemas.microsoft.com/office/drawing/2014/main" id="{8181C3E5-3BD9-1D4D-6C5E-09A331CD0496}"/>
+                  </a:ext>
+                </a:extLst>
+              </p:cNvPr>
+              <p:cNvSpPr txBox="1"/>
+              <p:nvPr/>
+            </p:nvSpPr>
+            <p:spPr>
+              <a:xfrm>
+                <a:off x="8680450" y="1632682"/>
+                <a:ext cx="535517" cy="230832"/>
+              </a:xfrm>
+              <a:prstGeom prst="rect">
+                <a:avLst/>
+              </a:prstGeom>
+              <a:noFill/>
+            </p:spPr>
+            <p:txBody>
+              <a:bodyPr wrap="square" rtlCol="0">
+                <a:spAutoFit/>
+              </a:bodyPr>
+              <a:lstStyle/>
+              <a:p>
+                <a:r>
+                  <a:rPr lang="es-ES" sz="900" b="1" dirty="0">
+                    <a:solidFill>
+                      <a:srgbClr val="FF0000"/>
+                    </a:solidFill>
+                    <a:latin typeface="CMU Sans Serif" panose="02000603000000000000" pitchFamily="2" charset="0"/>
+                    <a:ea typeface="CMU Sans Serif" panose="02000603000000000000" pitchFamily="2" charset="0"/>
+                    <a:cs typeface="CMU Sans Serif" panose="02000603000000000000" pitchFamily="2" charset="0"/>
+                  </a:rPr>
+                  <a:t>1.0</a:t>
+                </a:r>
+              </a:p>
+            </p:txBody>
+          </p:sp>
         </p:grpSp>
         <p:sp>
           <p:nvSpPr>
-            <p:cNvPr id="22" name="CuadroTexto 21">
+            <p:cNvPr id="6" name="CuadroTexto 4">
               <a:extLst>
                 <a:ext uri="{FF2B5EF4-FFF2-40B4-BE49-F238E27FC236}">
-                  <a16:creationId xmlns:a16="http://schemas.microsoft.com/office/drawing/2014/main" id="{D378AC32-0C39-B578-FE1B-7B0A5601457C}"/>
+                  <a16:creationId xmlns:a16="http://schemas.microsoft.com/office/drawing/2014/main" id="{E32ECD1D-0888-4155-6BEE-795AAE20B31C}"/>
                 </a:ext>
               </a:extLst>
             </p:cNvPr>
@@ -6485,737 +7496,216 @@
           </p:nvSpPr>
           <p:spPr>
             <a:xfrm>
-              <a:off x="3236919" y="3528746"/>
-              <a:ext cx="535517" cy="230832"/>
+              <a:off x="4565693" y="673225"/>
+              <a:ext cx="3363685" cy="246221"/>
             </a:xfrm>
             <a:prstGeom prst="rect">
               <a:avLst/>
             </a:prstGeom>
             <a:noFill/>
+            <a:ln w="28575">
+              <a:noFill/>
+            </a:ln>
           </p:spPr>
           <p:txBody>
             <a:bodyPr wrap="square" rtlCol="0">
               <a:spAutoFit/>
             </a:bodyPr>
-            <a:lstStyle/>
+            <a:lstStyle>
+              <a:defPPr>
+                <a:defRPr lang="es-ES"/>
+              </a:defPPr>
+              <a:lvl1pPr marL="0" algn="l" defTabSz="914400" rtl="0" eaLnBrk="1" latinLnBrk="0" hangingPunct="1">
+                <a:defRPr sz="1800" kern="1200">
+                  <a:solidFill>
+                    <a:schemeClr val="tx1"/>
+                  </a:solidFill>
+                  <a:latin typeface="+mn-lt"/>
+                  <a:ea typeface="+mn-ea"/>
+                  <a:cs typeface="+mn-cs"/>
+                </a:defRPr>
+              </a:lvl1pPr>
+              <a:lvl2pPr marL="457200" algn="l" defTabSz="914400" rtl="0" eaLnBrk="1" latinLnBrk="0" hangingPunct="1">
+                <a:defRPr sz="1800" kern="1200">
+                  <a:solidFill>
+                    <a:schemeClr val="tx1"/>
+                  </a:solidFill>
+                  <a:latin typeface="+mn-lt"/>
+                  <a:ea typeface="+mn-ea"/>
+                  <a:cs typeface="+mn-cs"/>
+                </a:defRPr>
+              </a:lvl2pPr>
+              <a:lvl3pPr marL="914400" algn="l" defTabSz="914400" rtl="0" eaLnBrk="1" latinLnBrk="0" hangingPunct="1">
+                <a:defRPr sz="1800" kern="1200">
+                  <a:solidFill>
+                    <a:schemeClr val="tx1"/>
+                  </a:solidFill>
+                  <a:latin typeface="+mn-lt"/>
+                  <a:ea typeface="+mn-ea"/>
+                  <a:cs typeface="+mn-cs"/>
+                </a:defRPr>
+              </a:lvl3pPr>
+              <a:lvl4pPr marL="1371600" algn="l" defTabSz="914400" rtl="0" eaLnBrk="1" latinLnBrk="0" hangingPunct="1">
+                <a:defRPr sz="1800" kern="1200">
+                  <a:solidFill>
+                    <a:schemeClr val="tx1"/>
+                  </a:solidFill>
+                  <a:latin typeface="+mn-lt"/>
+                  <a:ea typeface="+mn-ea"/>
+                  <a:cs typeface="+mn-cs"/>
+                </a:defRPr>
+              </a:lvl4pPr>
+              <a:lvl5pPr marL="1828800" algn="l" defTabSz="914400" rtl="0" eaLnBrk="1" latinLnBrk="0" hangingPunct="1">
+                <a:defRPr sz="1800" kern="1200">
+                  <a:solidFill>
+                    <a:schemeClr val="tx1"/>
+                  </a:solidFill>
+                  <a:latin typeface="+mn-lt"/>
+                  <a:ea typeface="+mn-ea"/>
+                  <a:cs typeface="+mn-cs"/>
+                </a:defRPr>
+              </a:lvl5pPr>
+              <a:lvl6pPr marL="2286000" algn="l" defTabSz="914400" rtl="0" eaLnBrk="1" latinLnBrk="0" hangingPunct="1">
+                <a:defRPr sz="1800" kern="1200">
+                  <a:solidFill>
+                    <a:schemeClr val="tx1"/>
+                  </a:solidFill>
+                  <a:latin typeface="+mn-lt"/>
+                  <a:ea typeface="+mn-ea"/>
+                  <a:cs typeface="+mn-cs"/>
+                </a:defRPr>
+              </a:lvl6pPr>
+              <a:lvl7pPr marL="2743200" algn="l" defTabSz="914400" rtl="0" eaLnBrk="1" latinLnBrk="0" hangingPunct="1">
+                <a:defRPr sz="1800" kern="1200">
+                  <a:solidFill>
+                    <a:schemeClr val="tx1"/>
+                  </a:solidFill>
+                  <a:latin typeface="+mn-lt"/>
+                  <a:ea typeface="+mn-ea"/>
+                  <a:cs typeface="+mn-cs"/>
+                </a:defRPr>
+              </a:lvl7pPr>
+              <a:lvl8pPr marL="3200400" algn="l" defTabSz="914400" rtl="0" eaLnBrk="1" latinLnBrk="0" hangingPunct="1">
+                <a:defRPr sz="1800" kern="1200">
+                  <a:solidFill>
+                    <a:schemeClr val="tx1"/>
+                  </a:solidFill>
+                  <a:latin typeface="+mn-lt"/>
+                  <a:ea typeface="+mn-ea"/>
+                  <a:cs typeface="+mn-cs"/>
+                </a:defRPr>
+              </a:lvl8pPr>
+              <a:lvl9pPr marL="3657600" algn="l" defTabSz="914400" rtl="0" eaLnBrk="1" latinLnBrk="0" hangingPunct="1">
+                <a:defRPr sz="1800" kern="1200">
+                  <a:solidFill>
+                    <a:schemeClr val="tx1"/>
+                  </a:solidFill>
+                  <a:latin typeface="+mn-lt"/>
+                  <a:ea typeface="+mn-ea"/>
+                  <a:cs typeface="+mn-cs"/>
+                </a:defRPr>
+              </a:lvl9pPr>
+            </a:lstStyle>
             <a:p>
+              <a:pPr algn="ctr"/>
               <a:r>
-                <a:rPr lang="es-ES" sz="900" b="1" dirty="0">
-                  <a:solidFill>
-                    <a:srgbClr val="FF0000"/>
-                  </a:solidFill>
-                  <a:latin typeface="CMU Sans Serif" panose="02000603000000000000" pitchFamily="2" charset="0"/>
-                  <a:ea typeface="CMU Sans Serif" panose="02000603000000000000" pitchFamily="2" charset="0"/>
-                  <a:cs typeface="CMU Sans Serif" panose="02000603000000000000" pitchFamily="2" charset="0"/>
+                <a:rPr lang="es-ES" sz="1000" dirty="0">
+                  <a:latin typeface="CMU Serif" panose="02000603000000000000" pitchFamily="2" charset="0"/>
+                  <a:ea typeface="CMU Serif" panose="02000603000000000000" pitchFamily="2" charset="0"/>
+                  <a:cs typeface="CMU Serif" panose="02000603000000000000" pitchFamily="2" charset="0"/>
                 </a:rPr>
-                <a:t>0.0</a:t>
+                <a:t>CHOKED NOZZLE         SUBSONIC NOZZLE</a:t>
               </a:r>
             </a:p>
           </p:txBody>
         </p:sp>
-        <p:sp>
-          <p:nvSpPr>
-            <p:cNvPr id="23" name="CuadroTexto 22">
+        <p:cxnSp>
+          <p:nvCxnSpPr>
+            <p:cNvPr id="8" name="Conector recto 7">
               <a:extLst>
                 <a:ext uri="{FF2B5EF4-FFF2-40B4-BE49-F238E27FC236}">
-                  <a16:creationId xmlns:a16="http://schemas.microsoft.com/office/drawing/2014/main" id="{57DE262E-7BAD-421A-FE66-97851BCFCED9}"/>
+                  <a16:creationId xmlns:a16="http://schemas.microsoft.com/office/drawing/2014/main" id="{6B8E3A47-F351-D8DC-32CB-7CE88967A65B}"/>
                 </a:ext>
               </a:extLst>
             </p:cNvPr>
-            <p:cNvSpPr txBox="1"/>
+            <p:cNvCxnSpPr>
+              <a:cxnSpLocks/>
+            </p:cNvCxnSpPr>
             <p:nvPr/>
-          </p:nvSpPr>
+          </p:nvCxnSpPr>
           <p:spPr>
             <a:xfrm>
-              <a:off x="2910891" y="3384564"/>
-              <a:ext cx="535517" cy="230832"/>
+              <a:off x="4634534" y="782972"/>
+              <a:ext cx="200204" cy="0"/>
             </a:xfrm>
-            <a:prstGeom prst="rect">
+            <a:prstGeom prst="line">
               <a:avLst/>
             </a:prstGeom>
-            <a:noFill/>
+            <a:ln w="28575">
+              <a:solidFill>
+                <a:srgbClr val="FF0000"/>
+              </a:solidFill>
+            </a:ln>
           </p:spPr>
-          <p:txBody>
-            <a:bodyPr wrap="square" rtlCol="0">
-              <a:spAutoFit/>
-            </a:bodyPr>
-            <a:lstStyle/>
-            <a:p>
-              <a:r>
-                <a:rPr lang="es-ES" sz="900" b="1" dirty="0">
-                  <a:solidFill>
-                    <a:srgbClr val="FF0000"/>
-                  </a:solidFill>
-                  <a:latin typeface="CMU Sans Serif" panose="02000603000000000000" pitchFamily="2" charset="0"/>
-                  <a:ea typeface="CMU Sans Serif" panose="02000603000000000000" pitchFamily="2" charset="0"/>
-                  <a:cs typeface="CMU Sans Serif" panose="02000603000000000000" pitchFamily="2" charset="0"/>
-                </a:rPr>
-                <a:t>0.25</a:t>
-              </a:r>
-            </a:p>
-          </p:txBody>
-        </p:sp>
-        <p:sp>
-          <p:nvSpPr>
-            <p:cNvPr id="24" name="CuadroTexto 23">
+          <p:style>
+            <a:lnRef idx="2">
+              <a:schemeClr val="accent1"/>
+            </a:lnRef>
+            <a:fillRef idx="0">
+              <a:schemeClr val="accent1"/>
+            </a:fillRef>
+            <a:effectRef idx="1">
+              <a:schemeClr val="accent1"/>
+            </a:effectRef>
+            <a:fontRef idx="minor">
+              <a:schemeClr val="tx1"/>
+            </a:fontRef>
+          </p:style>
+        </p:cxnSp>
+        <p:cxnSp>
+          <p:nvCxnSpPr>
+            <p:cNvPr id="9" name="Conector recto 8">
               <a:extLst>
                 <a:ext uri="{FF2B5EF4-FFF2-40B4-BE49-F238E27FC236}">
-                  <a16:creationId xmlns:a16="http://schemas.microsoft.com/office/drawing/2014/main" id="{4453CADB-08D3-7343-24C2-325F562FABFD}"/>
+                  <a16:creationId xmlns:a16="http://schemas.microsoft.com/office/drawing/2014/main" id="{E770DE6E-8BD7-D08D-23D8-1F75D5502207}"/>
                 </a:ext>
               </a:extLst>
             </p:cNvPr>
-            <p:cNvSpPr txBox="1"/>
+            <p:cNvCxnSpPr>
+              <a:cxnSpLocks/>
+            </p:cNvCxnSpPr>
             <p:nvPr/>
-          </p:nvSpPr>
+          </p:nvCxnSpPr>
           <p:spPr>
             <a:xfrm>
-              <a:off x="3022607" y="2987416"/>
-              <a:ext cx="535517" cy="230832"/>
+              <a:off x="6145710" y="779372"/>
+              <a:ext cx="200204" cy="0"/>
             </a:xfrm>
-            <a:prstGeom prst="rect">
+            <a:prstGeom prst="line">
               <a:avLst/>
             </a:prstGeom>
-            <a:noFill/>
+            <a:ln w="28575">
+              <a:solidFill>
+                <a:srgbClr val="FF0000"/>
+              </a:solidFill>
+              <a:prstDash val="sysDot"/>
+            </a:ln>
           </p:spPr>
-          <p:txBody>
-            <a:bodyPr wrap="square" rtlCol="0">
-              <a:spAutoFit/>
-            </a:bodyPr>
-            <a:lstStyle/>
-            <a:p>
-              <a:r>
-                <a:rPr lang="es-ES" sz="900" b="1" dirty="0">
-                  <a:solidFill>
-                    <a:srgbClr val="FF0000"/>
-                  </a:solidFill>
-                  <a:latin typeface="CMU Sans Serif" panose="02000603000000000000" pitchFamily="2" charset="0"/>
-                  <a:ea typeface="CMU Sans Serif" panose="02000603000000000000" pitchFamily="2" charset="0"/>
-                  <a:cs typeface="CMU Sans Serif" panose="02000603000000000000" pitchFamily="2" charset="0"/>
-                </a:rPr>
-                <a:t>0.5</a:t>
-              </a:r>
-            </a:p>
-          </p:txBody>
-        </p:sp>
-        <p:sp>
-          <p:nvSpPr>
-            <p:cNvPr id="25" name="CuadroTexto 24">
-              <a:extLst>
-                <a:ext uri="{FF2B5EF4-FFF2-40B4-BE49-F238E27FC236}">
-                  <a16:creationId xmlns:a16="http://schemas.microsoft.com/office/drawing/2014/main" id="{13EB6A97-D221-5E8F-E055-7C195CD10DCE}"/>
-                </a:ext>
-              </a:extLst>
-            </p:cNvPr>
-            <p:cNvSpPr txBox="1"/>
-            <p:nvPr/>
-          </p:nvSpPr>
-          <p:spPr>
-            <a:xfrm>
-              <a:off x="3335383" y="1411556"/>
-              <a:ext cx="535517" cy="230832"/>
-            </a:xfrm>
-            <a:prstGeom prst="rect">
-              <a:avLst/>
-            </a:prstGeom>
-            <a:noFill/>
-          </p:spPr>
-          <p:txBody>
-            <a:bodyPr wrap="square" rtlCol="0">
-              <a:spAutoFit/>
-            </a:bodyPr>
-            <a:lstStyle/>
-            <a:p>
-              <a:r>
-                <a:rPr lang="es-ES" sz="900" b="1" dirty="0">
-                  <a:solidFill>
-                    <a:srgbClr val="FF0000"/>
-                  </a:solidFill>
-                  <a:latin typeface="CMU Sans Serif" panose="02000603000000000000" pitchFamily="2" charset="0"/>
-                  <a:ea typeface="CMU Sans Serif" panose="02000603000000000000" pitchFamily="2" charset="0"/>
-                  <a:cs typeface="CMU Sans Serif" panose="02000603000000000000" pitchFamily="2" charset="0"/>
-                </a:rPr>
-                <a:t>0.75</a:t>
-              </a:r>
-            </a:p>
-          </p:txBody>
-        </p:sp>
-        <p:sp>
-          <p:nvSpPr>
-            <p:cNvPr id="26" name="CuadroTexto 25">
-              <a:extLst>
-                <a:ext uri="{FF2B5EF4-FFF2-40B4-BE49-F238E27FC236}">
-                  <a16:creationId xmlns:a16="http://schemas.microsoft.com/office/drawing/2014/main" id="{5A7D53A4-D772-9912-333B-A96D19666D3A}"/>
-                </a:ext>
-              </a:extLst>
-            </p:cNvPr>
-            <p:cNvSpPr txBox="1"/>
-            <p:nvPr/>
-          </p:nvSpPr>
-          <p:spPr>
-            <a:xfrm>
-              <a:off x="3429013" y="1121403"/>
-              <a:ext cx="535517" cy="230832"/>
-            </a:xfrm>
-            <a:prstGeom prst="rect">
-              <a:avLst/>
-            </a:prstGeom>
-            <a:noFill/>
-          </p:spPr>
-          <p:txBody>
-            <a:bodyPr wrap="square" rtlCol="0">
-              <a:spAutoFit/>
-            </a:bodyPr>
-            <a:lstStyle/>
-            <a:p>
-              <a:r>
-                <a:rPr lang="es-ES" sz="900" b="1" dirty="0">
-                  <a:solidFill>
-                    <a:srgbClr val="FF0000"/>
-                  </a:solidFill>
-                  <a:latin typeface="CMU Sans Serif" panose="02000603000000000000" pitchFamily="2" charset="0"/>
-                  <a:ea typeface="CMU Sans Serif" panose="02000603000000000000" pitchFamily="2" charset="0"/>
-                  <a:cs typeface="CMU Sans Serif" panose="02000603000000000000" pitchFamily="2" charset="0"/>
-                </a:rPr>
-                <a:t>1.0</a:t>
-              </a:r>
-            </a:p>
-          </p:txBody>
-        </p:sp>
-        <mc:AlternateContent xmlns:mc="http://schemas.openxmlformats.org/markup-compatibility/2006">
-          <mc:Choice xmlns:a14="http://schemas.microsoft.com/office/drawing/2010/main" Requires="a14">
-            <p:sp>
-              <p:nvSpPr>
-                <p:cNvPr id="27" name="CuadroTexto 26">
-                  <a:extLst>
-                    <a:ext uri="{FF2B5EF4-FFF2-40B4-BE49-F238E27FC236}">
-                      <a16:creationId xmlns:a16="http://schemas.microsoft.com/office/drawing/2014/main" id="{A788DB87-64E7-7EF5-E8D2-7A8FD342C88F}"/>
-                    </a:ext>
-                  </a:extLst>
-                </p:cNvPr>
-                <p:cNvSpPr txBox="1"/>
-                <p:nvPr/>
-              </p:nvSpPr>
-              <p:spPr>
-                <a:xfrm>
-                  <a:off x="2565014" y="1183604"/>
-                  <a:ext cx="625658" cy="261610"/>
-                </a:xfrm>
-                <a:prstGeom prst="rect">
-                  <a:avLst/>
-                </a:prstGeom>
-                <a:noFill/>
-                <a:ln w="9525">
-                  <a:solidFill>
-                    <a:schemeClr val="tx1"/>
-                  </a:solidFill>
-                </a:ln>
-              </p:spPr>
-              <p:txBody>
-                <a:bodyPr wrap="square" rtlCol="0">
-                  <a:spAutoFit/>
-                </a:bodyPr>
-                <a:lstStyle/>
-                <a:p>
-                  <a:r>
-                    <a:rPr lang="es-ES" sz="1100" i="1" dirty="0">
-                      <a:solidFill>
-                        <a:srgbClr val="FF0000"/>
-                      </a:solidFill>
-                      <a:latin typeface="CMU Serif" panose="02000603000000000000" pitchFamily="2" charset="0"/>
-                      <a:ea typeface="CMU Serif" panose="02000603000000000000" pitchFamily="2" charset="0"/>
-                      <a:cs typeface="CMU Serif" panose="02000603000000000000" pitchFamily="2" charset="0"/>
-                    </a:rPr>
-                    <a:t>M</a:t>
-                  </a:r>
-                  <a:r>
-                    <a:rPr lang="es-ES" sz="1100" baseline="-25000" dirty="0">
-                      <a:solidFill>
-                        <a:srgbClr val="FF0000"/>
-                      </a:solidFill>
-                      <a:latin typeface="CMU Serif" panose="02000603000000000000" pitchFamily="2" charset="0"/>
-                      <a:ea typeface="CMU Serif" panose="02000603000000000000" pitchFamily="2" charset="0"/>
-                      <a:cs typeface="CMU Serif" panose="02000603000000000000" pitchFamily="2" charset="0"/>
-                    </a:rPr>
-                    <a:t>0</a:t>
-                  </a:r>
-                  <a:r>
-                    <a:rPr lang="es-ES" sz="1100" dirty="0">
-                      <a:solidFill>
-                        <a:srgbClr val="FF0000"/>
-                      </a:solidFill>
-                      <a:latin typeface="CMU Serif" panose="02000603000000000000" pitchFamily="2" charset="0"/>
-                      <a:ea typeface="CMU Serif" panose="02000603000000000000" pitchFamily="2" charset="0"/>
-                      <a:cs typeface="CMU Serif" panose="02000603000000000000" pitchFamily="2" charset="0"/>
-                    </a:rPr>
-                    <a:t> </a:t>
-                  </a:r>
-                  <a14:m>
-                    <m:oMath xmlns:m="http://schemas.openxmlformats.org/officeDocument/2006/math">
-                      <m:r>
-                        <a:rPr lang="es-ES" sz="1050" b="0" i="0" dirty="0" smtClean="0">
-                          <a:solidFill>
-                            <a:srgbClr val="FF0000"/>
-                          </a:solidFill>
-                          <a:latin typeface="Cambria Math" panose="02040503050406030204" pitchFamily="18" charset="0"/>
-                          <a:ea typeface="Adobe Ming Std L" panose="02020300000000000000" pitchFamily="18" charset="-128"/>
-                          <a:cs typeface="CMU Serif" panose="02000603000000000000" pitchFamily="2" charset="0"/>
-                        </a:rPr>
-                        <m:t>[</m:t>
-                      </m:r>
-                      <m:r>
-                        <a:rPr lang="es-ES" sz="1050" i="1" dirty="0" smtClean="0">
-                          <a:solidFill>
-                            <a:srgbClr val="FF0000"/>
-                          </a:solidFill>
-                          <a:latin typeface="Cambria Math" panose="02040503050406030204" pitchFamily="18" charset="0"/>
-                          <a:ea typeface="Adobe Ming Std L" panose="02020300000000000000" pitchFamily="18" charset="-128"/>
-                          <a:cs typeface="CMU Serif" panose="02000603000000000000" pitchFamily="2" charset="0"/>
-                        </a:rPr>
-                        <m:t>−</m:t>
-                      </m:r>
-                      <m:r>
-                        <a:rPr lang="es-ES" sz="1050" b="0" i="0" dirty="0" smtClean="0">
-                          <a:solidFill>
-                            <a:srgbClr val="FF0000"/>
-                          </a:solidFill>
-                          <a:latin typeface="Cambria Math" panose="02040503050406030204" pitchFamily="18" charset="0"/>
-                          <a:ea typeface="Adobe Ming Std L" panose="02020300000000000000" pitchFamily="18" charset="-128"/>
-                          <a:cs typeface="CMU Serif" panose="02000603000000000000" pitchFamily="2" charset="0"/>
-                        </a:rPr>
-                        <m:t>]</m:t>
-                      </m:r>
-                    </m:oMath>
-                  </a14:m>
-                  <a:endParaRPr lang="es-ES" sz="1100" dirty="0">
-                    <a:solidFill>
-                      <a:srgbClr val="FF0000"/>
-                    </a:solidFill>
-                    <a:latin typeface="CMU Serif" panose="02000603000000000000" pitchFamily="2" charset="0"/>
-                    <a:ea typeface="CMU Serif" panose="02000603000000000000" pitchFamily="2" charset="0"/>
-                    <a:cs typeface="CMU Serif" panose="02000603000000000000" pitchFamily="2" charset="0"/>
-                  </a:endParaRPr>
-                </a:p>
-              </p:txBody>
-            </p:sp>
-          </mc:Choice>
-          <mc:Fallback>
-            <p:sp>
-              <p:nvSpPr>
-                <p:cNvPr id="27" name="CuadroTexto 26">
-                  <a:extLst>
-                    <a:ext uri="{FF2B5EF4-FFF2-40B4-BE49-F238E27FC236}">
-                      <a16:creationId xmlns:a16="http://schemas.microsoft.com/office/drawing/2014/main" id="{A788DB87-64E7-7EF5-E8D2-7A8FD342C88F}"/>
-                    </a:ext>
-                  </a:extLst>
-                </p:cNvPr>
-                <p:cNvSpPr txBox="1">
-                  <a:spLocks noRot="1" noChangeAspect="1" noMove="1" noResize="1" noEditPoints="1" noAdjustHandles="1" noChangeArrowheads="1" noChangeShapeType="1" noTextEdit="1"/>
-                </p:cNvSpPr>
-                <p:nvPr/>
-              </p:nvSpPr>
-              <p:spPr>
-                <a:xfrm>
-                  <a:off x="2565014" y="1183604"/>
-                  <a:ext cx="625658" cy="261610"/>
-                </a:xfrm>
-                <a:prstGeom prst="rect">
-                  <a:avLst/>
-                </a:prstGeom>
-                <a:blipFill>
-                  <a:blip r:embed="rId7"/>
-                  <a:stretch>
-                    <a:fillRect b="-13333"/>
-                  </a:stretch>
-                </a:blipFill>
-                <a:ln w="9525">
-                  <a:solidFill>
-                    <a:schemeClr val="tx1"/>
-                  </a:solidFill>
-                </a:ln>
-              </p:spPr>
-              <p:txBody>
-                <a:bodyPr/>
-                <a:lstStyle/>
-                <a:p>
-                  <a:r>
-                    <a:rPr lang="es-ES">
-                      <a:noFill/>
-                    </a:rPr>
-                    <a:t> </a:t>
-                  </a:r>
-                </a:p>
-              </p:txBody>
-            </p:sp>
-          </mc:Fallback>
-        </mc:AlternateContent>
-        <mc:AlternateContent xmlns:mc="http://schemas.openxmlformats.org/markup-compatibility/2006">
-          <mc:Choice xmlns:a14="http://schemas.microsoft.com/office/drawing/2010/main" Requires="a14">
-            <p:sp>
-              <p:nvSpPr>
-                <p:cNvPr id="28" name="CuadroTexto 27">
-                  <a:extLst>
-                    <a:ext uri="{FF2B5EF4-FFF2-40B4-BE49-F238E27FC236}">
-                      <a16:creationId xmlns:a16="http://schemas.microsoft.com/office/drawing/2014/main" id="{F845F60B-E254-6C83-B26D-50B6F7F2A86A}"/>
-                    </a:ext>
-                  </a:extLst>
-                </p:cNvPr>
-                <p:cNvSpPr txBox="1"/>
-                <p:nvPr/>
-              </p:nvSpPr>
-              <p:spPr>
-                <a:xfrm>
-                  <a:off x="9041835" y="1170905"/>
-                  <a:ext cx="663765" cy="276999"/>
-                </a:xfrm>
-                <a:prstGeom prst="rect">
-                  <a:avLst/>
-                </a:prstGeom>
-                <a:solidFill>
-                  <a:schemeClr val="bg1"/>
-                </a:solidFill>
-                <a:ln w="9525">
-                  <a:solidFill>
-                    <a:schemeClr val="tx1"/>
-                  </a:solidFill>
-                </a:ln>
-              </p:spPr>
-              <p:txBody>
-                <a:bodyPr wrap="square" rtlCol="0">
-                  <a:spAutoFit/>
-                </a:bodyPr>
-                <a:lstStyle/>
-                <a:p>
-                  <a:r>
-                    <a:rPr lang="es-ES" sz="1200" i="1" dirty="0">
-                      <a:solidFill>
-                        <a:srgbClr val="FF0000"/>
-                      </a:solidFill>
-                      <a:latin typeface="CMU Serif" panose="02000603000000000000" pitchFamily="2" charset="0"/>
-                      <a:ea typeface="CMU Serif" panose="02000603000000000000" pitchFamily="2" charset="0"/>
-                      <a:cs typeface="CMU Serif" panose="02000603000000000000" pitchFamily="2" charset="0"/>
-                    </a:rPr>
-                    <a:t>M</a:t>
-                  </a:r>
-                  <a:r>
-                    <a:rPr lang="es-ES" sz="1200" baseline="-25000" dirty="0">
-                      <a:solidFill>
-                        <a:srgbClr val="FF0000"/>
-                      </a:solidFill>
-                      <a:latin typeface="CMU Serif" panose="02000603000000000000" pitchFamily="2" charset="0"/>
-                      <a:ea typeface="CMU Serif" panose="02000603000000000000" pitchFamily="2" charset="0"/>
-                      <a:cs typeface="CMU Serif" panose="02000603000000000000" pitchFamily="2" charset="0"/>
-                    </a:rPr>
-                    <a:t>0</a:t>
-                  </a:r>
-                  <a14:m>
-                    <m:oMath xmlns:m="http://schemas.openxmlformats.org/officeDocument/2006/math">
-                      <m:r>
-                        <a:rPr lang="es-ES" sz="1100" b="0" i="0" dirty="0" smtClean="0">
-                          <a:solidFill>
-                            <a:srgbClr val="FF0000"/>
-                          </a:solidFill>
-                          <a:latin typeface="Cambria Math" panose="02040503050406030204" pitchFamily="18" charset="0"/>
-                          <a:ea typeface="Adobe Ming Std L" panose="02020300000000000000" pitchFamily="18" charset="-128"/>
-                          <a:cs typeface="CMU Serif" panose="02000603000000000000" pitchFamily="2" charset="0"/>
-                        </a:rPr>
-                        <m:t>  [</m:t>
-                      </m:r>
-                      <m:r>
-                        <a:rPr lang="es-ES" sz="1100" i="1" dirty="0" smtClean="0">
-                          <a:solidFill>
-                            <a:srgbClr val="FF0000"/>
-                          </a:solidFill>
-                          <a:latin typeface="Cambria Math" panose="02040503050406030204" pitchFamily="18" charset="0"/>
-                          <a:ea typeface="Adobe Ming Std L" panose="02020300000000000000" pitchFamily="18" charset="-128"/>
-                          <a:cs typeface="CMU Serif" panose="02000603000000000000" pitchFamily="2" charset="0"/>
-                        </a:rPr>
-                        <m:t>−</m:t>
-                      </m:r>
-                      <m:r>
-                        <a:rPr lang="es-ES" sz="1100" b="0" i="0" dirty="0" smtClean="0">
-                          <a:solidFill>
-                            <a:srgbClr val="FF0000"/>
-                          </a:solidFill>
-                          <a:latin typeface="Cambria Math" panose="02040503050406030204" pitchFamily="18" charset="0"/>
-                          <a:ea typeface="Adobe Ming Std L" panose="02020300000000000000" pitchFamily="18" charset="-128"/>
-                          <a:cs typeface="CMU Serif" panose="02000603000000000000" pitchFamily="2" charset="0"/>
-                        </a:rPr>
-                        <m:t>]</m:t>
-                      </m:r>
-                    </m:oMath>
-                  </a14:m>
-                  <a:endParaRPr lang="es-ES" sz="1200" dirty="0">
-                    <a:solidFill>
-                      <a:srgbClr val="FF0000"/>
-                    </a:solidFill>
-                    <a:latin typeface="CMU Serif" panose="02000603000000000000" pitchFamily="2" charset="0"/>
-                    <a:ea typeface="CMU Serif" panose="02000603000000000000" pitchFamily="2" charset="0"/>
-                    <a:cs typeface="CMU Serif" panose="02000603000000000000" pitchFamily="2" charset="0"/>
-                  </a:endParaRPr>
-                </a:p>
-              </p:txBody>
-            </p:sp>
-          </mc:Choice>
-          <mc:Fallback>
-            <p:sp>
-              <p:nvSpPr>
-                <p:cNvPr id="28" name="CuadroTexto 27">
-                  <a:extLst>
-                    <a:ext uri="{FF2B5EF4-FFF2-40B4-BE49-F238E27FC236}">
-                      <a16:creationId xmlns:a16="http://schemas.microsoft.com/office/drawing/2014/main" id="{F845F60B-E254-6C83-B26D-50B6F7F2A86A}"/>
-                    </a:ext>
-                  </a:extLst>
-                </p:cNvPr>
-                <p:cNvSpPr txBox="1">
-                  <a:spLocks noRot="1" noChangeAspect="1" noMove="1" noResize="1" noEditPoints="1" noAdjustHandles="1" noChangeArrowheads="1" noChangeShapeType="1" noTextEdit="1"/>
-                </p:cNvSpPr>
-                <p:nvPr/>
-              </p:nvSpPr>
-              <p:spPr>
-                <a:xfrm>
-                  <a:off x="9041835" y="1170905"/>
-                  <a:ext cx="663765" cy="276999"/>
-                </a:xfrm>
-                <a:prstGeom prst="rect">
-                  <a:avLst/>
-                </a:prstGeom>
-                <a:blipFill>
-                  <a:blip r:embed="rId8"/>
-                  <a:stretch>
-                    <a:fillRect b="-12500"/>
-                  </a:stretch>
-                </a:blipFill>
-                <a:ln w="9525">
-                  <a:solidFill>
-                    <a:schemeClr val="tx1"/>
-                  </a:solidFill>
-                </a:ln>
-              </p:spPr>
-              <p:txBody>
-                <a:bodyPr/>
-                <a:lstStyle/>
-                <a:p>
-                  <a:r>
-                    <a:rPr lang="es-ES">
-                      <a:noFill/>
-                    </a:rPr>
-                    <a:t> </a:t>
-                  </a:r>
-                </a:p>
-              </p:txBody>
-            </p:sp>
-          </mc:Fallback>
-        </mc:AlternateContent>
-        <p:sp>
-          <p:nvSpPr>
-            <p:cNvPr id="29" name="CuadroTexto 28">
-              <a:extLst>
-                <a:ext uri="{FF2B5EF4-FFF2-40B4-BE49-F238E27FC236}">
-                  <a16:creationId xmlns:a16="http://schemas.microsoft.com/office/drawing/2014/main" id="{3EC8171B-20FA-35B2-D678-7340BB93E935}"/>
-                </a:ext>
-              </a:extLst>
-            </p:cNvPr>
-            <p:cNvSpPr txBox="1"/>
-            <p:nvPr/>
-          </p:nvSpPr>
-          <p:spPr>
-            <a:xfrm>
-              <a:off x="8463778" y="3531733"/>
-              <a:ext cx="535517" cy="230832"/>
-            </a:xfrm>
-            <a:prstGeom prst="rect">
-              <a:avLst/>
-            </a:prstGeom>
-            <a:noFill/>
-          </p:spPr>
-          <p:txBody>
-            <a:bodyPr wrap="square" rtlCol="0">
-              <a:spAutoFit/>
-            </a:bodyPr>
-            <a:lstStyle/>
-            <a:p>
-              <a:r>
-                <a:rPr lang="es-ES" sz="900" b="1" dirty="0">
-                  <a:solidFill>
-                    <a:srgbClr val="FF0000"/>
-                  </a:solidFill>
-                  <a:latin typeface="CMU Sans Serif" panose="02000603000000000000" pitchFamily="2" charset="0"/>
-                  <a:ea typeface="CMU Sans Serif" panose="02000603000000000000" pitchFamily="2" charset="0"/>
-                  <a:cs typeface="CMU Sans Serif" panose="02000603000000000000" pitchFamily="2" charset="0"/>
-                </a:rPr>
-                <a:t>0.0</a:t>
-              </a:r>
-            </a:p>
-          </p:txBody>
-        </p:sp>
-        <p:sp>
-          <p:nvSpPr>
-            <p:cNvPr id="30" name="CuadroTexto 29">
-              <a:extLst>
-                <a:ext uri="{FF2B5EF4-FFF2-40B4-BE49-F238E27FC236}">
-                  <a16:creationId xmlns:a16="http://schemas.microsoft.com/office/drawing/2014/main" id="{6B70AF7D-F1B5-F93F-0345-7C43B7A0A556}"/>
-                </a:ext>
-              </a:extLst>
-            </p:cNvPr>
-            <p:cNvSpPr txBox="1"/>
-            <p:nvPr/>
-          </p:nvSpPr>
-          <p:spPr>
-            <a:xfrm>
-              <a:off x="8650432" y="1511217"/>
-              <a:ext cx="535517" cy="230832"/>
-            </a:xfrm>
-            <a:prstGeom prst="rect">
-              <a:avLst/>
-            </a:prstGeom>
-            <a:noFill/>
-          </p:spPr>
-          <p:txBody>
-            <a:bodyPr wrap="square" rtlCol="0">
-              <a:spAutoFit/>
-            </a:bodyPr>
-            <a:lstStyle/>
-            <a:p>
-              <a:r>
-                <a:rPr lang="es-ES" sz="900" b="1" dirty="0">
-                  <a:solidFill>
-                    <a:srgbClr val="FF0000"/>
-                  </a:solidFill>
-                  <a:latin typeface="CMU Sans Serif" panose="02000603000000000000" pitchFamily="2" charset="0"/>
-                  <a:ea typeface="CMU Sans Serif" panose="02000603000000000000" pitchFamily="2" charset="0"/>
-                  <a:cs typeface="CMU Sans Serif" panose="02000603000000000000" pitchFamily="2" charset="0"/>
-                </a:rPr>
-                <a:t>0.25</a:t>
-              </a:r>
-            </a:p>
-          </p:txBody>
-        </p:sp>
-        <p:sp>
-          <p:nvSpPr>
-            <p:cNvPr id="31" name="CuadroTexto 30">
-              <a:extLst>
-                <a:ext uri="{FF2B5EF4-FFF2-40B4-BE49-F238E27FC236}">
-                  <a16:creationId xmlns:a16="http://schemas.microsoft.com/office/drawing/2014/main" id="{559801D6-EDEE-0EB3-802E-EF2CC788BBEC}"/>
-                </a:ext>
-              </a:extLst>
-            </p:cNvPr>
-            <p:cNvSpPr txBox="1"/>
-            <p:nvPr/>
-          </p:nvSpPr>
-          <p:spPr>
-            <a:xfrm>
-              <a:off x="8600012" y="1413165"/>
-              <a:ext cx="535517" cy="230832"/>
-            </a:xfrm>
-            <a:prstGeom prst="rect">
-              <a:avLst/>
-            </a:prstGeom>
-            <a:noFill/>
-          </p:spPr>
-          <p:txBody>
-            <a:bodyPr wrap="square" rtlCol="0">
-              <a:spAutoFit/>
-            </a:bodyPr>
-            <a:lstStyle/>
-            <a:p>
-              <a:r>
-                <a:rPr lang="es-ES" sz="900" b="1" dirty="0">
-                  <a:solidFill>
-                    <a:srgbClr val="FF0000"/>
-                  </a:solidFill>
-                  <a:latin typeface="CMU Sans Serif" panose="02000603000000000000" pitchFamily="2" charset="0"/>
-                  <a:ea typeface="CMU Sans Serif" panose="02000603000000000000" pitchFamily="2" charset="0"/>
-                  <a:cs typeface="CMU Sans Serif" panose="02000603000000000000" pitchFamily="2" charset="0"/>
-                </a:rPr>
-                <a:t>0.5</a:t>
-              </a:r>
-            </a:p>
-          </p:txBody>
-        </p:sp>
-        <p:sp>
-          <p:nvSpPr>
-            <p:cNvPr id="32" name="CuadroTexto 31">
-              <a:extLst>
-                <a:ext uri="{FF2B5EF4-FFF2-40B4-BE49-F238E27FC236}">
-                  <a16:creationId xmlns:a16="http://schemas.microsoft.com/office/drawing/2014/main" id="{FD9DC6EB-A4D7-228E-8542-A5296B4F675F}"/>
-                </a:ext>
-              </a:extLst>
-            </p:cNvPr>
-            <p:cNvSpPr txBox="1"/>
-            <p:nvPr/>
-          </p:nvSpPr>
-          <p:spPr>
-            <a:xfrm>
-              <a:off x="8067148" y="3528746"/>
-              <a:ext cx="535517" cy="230832"/>
-            </a:xfrm>
-            <a:prstGeom prst="rect">
-              <a:avLst/>
-            </a:prstGeom>
-            <a:noFill/>
-          </p:spPr>
-          <p:txBody>
-            <a:bodyPr wrap="square" rtlCol="0">
-              <a:spAutoFit/>
-            </a:bodyPr>
-            <a:lstStyle/>
-            <a:p>
-              <a:r>
-                <a:rPr lang="es-ES" sz="900" b="1" dirty="0">
-                  <a:solidFill>
-                    <a:srgbClr val="FF0000"/>
-                  </a:solidFill>
-                  <a:latin typeface="CMU Sans Serif" panose="02000603000000000000" pitchFamily="2" charset="0"/>
-                  <a:ea typeface="CMU Sans Serif" panose="02000603000000000000" pitchFamily="2" charset="0"/>
-                  <a:cs typeface="CMU Sans Serif" panose="02000603000000000000" pitchFamily="2" charset="0"/>
-                </a:rPr>
-                <a:t>0.75</a:t>
-              </a:r>
-            </a:p>
-          </p:txBody>
-        </p:sp>
-        <p:sp>
-          <p:nvSpPr>
-            <p:cNvPr id="33" name="CuadroTexto 32">
-              <a:extLst>
-                <a:ext uri="{FF2B5EF4-FFF2-40B4-BE49-F238E27FC236}">
-                  <a16:creationId xmlns:a16="http://schemas.microsoft.com/office/drawing/2014/main" id="{8181C3E5-3BD9-1D4D-6C5E-09A331CD0496}"/>
-                </a:ext>
-              </a:extLst>
-            </p:cNvPr>
-            <p:cNvSpPr txBox="1"/>
-            <p:nvPr/>
-          </p:nvSpPr>
-          <p:spPr>
-            <a:xfrm>
-              <a:off x="8215320" y="1124820"/>
-              <a:ext cx="535517" cy="230832"/>
-            </a:xfrm>
-            <a:prstGeom prst="rect">
-              <a:avLst/>
-            </a:prstGeom>
-            <a:noFill/>
-          </p:spPr>
-          <p:txBody>
-            <a:bodyPr wrap="square" rtlCol="0">
-              <a:spAutoFit/>
-            </a:bodyPr>
-            <a:lstStyle/>
-            <a:p>
-              <a:r>
-                <a:rPr lang="es-ES" sz="900" b="1" dirty="0">
-                  <a:solidFill>
-                    <a:srgbClr val="FF0000"/>
-                  </a:solidFill>
-                  <a:latin typeface="CMU Sans Serif" panose="02000603000000000000" pitchFamily="2" charset="0"/>
-                  <a:ea typeface="CMU Sans Serif" panose="02000603000000000000" pitchFamily="2" charset="0"/>
-                  <a:cs typeface="CMU Sans Serif" panose="02000603000000000000" pitchFamily="2" charset="0"/>
-                </a:rPr>
-                <a:t>1.0</a:t>
-              </a:r>
-            </a:p>
-          </p:txBody>
-        </p:sp>
+          <p:style>
+            <a:lnRef idx="2">
+              <a:schemeClr val="accent1"/>
+            </a:lnRef>
+            <a:fillRef idx="0">
+              <a:schemeClr val="accent1"/>
+            </a:fillRef>
+            <a:effectRef idx="1">
+              <a:schemeClr val="accent1"/>
+            </a:effectRef>
+            <a:fontRef idx="minor">
+              <a:schemeClr val="tx1"/>
+            </a:fontRef>
+          </p:style>
+        </p:cxnSp>
       </p:grpSp>
     </p:spTree>
     <p:extLst>
